--- a/PPT/2일 깃헙 실전.pptx
+++ b/PPT/2일 깃헙 실전.pptx
@@ -5,26 +5,25 @@
     <p:sldMasterId id="2147483648" r:id="rId1"/>
   </p:sldMasterIdLst>
   <p:notesMasterIdLst>
-    <p:notesMasterId r:id="rId19"/>
+    <p:notesMasterId r:id="rId18"/>
   </p:notesMasterIdLst>
   <p:sldIdLst>
     <p:sldId id="259" r:id="rId2"/>
     <p:sldId id="278" r:id="rId3"/>
     <p:sldId id="328" r:id="rId4"/>
-    <p:sldId id="347" r:id="rId5"/>
-    <p:sldId id="327" r:id="rId6"/>
-    <p:sldId id="329" r:id="rId7"/>
-    <p:sldId id="330" r:id="rId8"/>
-    <p:sldId id="331" r:id="rId9"/>
-    <p:sldId id="333" r:id="rId10"/>
-    <p:sldId id="334" r:id="rId11"/>
-    <p:sldId id="337" r:id="rId12"/>
-    <p:sldId id="338" r:id="rId13"/>
-    <p:sldId id="336" r:id="rId14"/>
-    <p:sldId id="339" r:id="rId15"/>
-    <p:sldId id="341" r:id="rId16"/>
-    <p:sldId id="340" r:id="rId17"/>
-    <p:sldId id="348" r:id="rId18"/>
+    <p:sldId id="327" r:id="rId5"/>
+    <p:sldId id="329" r:id="rId6"/>
+    <p:sldId id="330" r:id="rId7"/>
+    <p:sldId id="331" r:id="rId8"/>
+    <p:sldId id="333" r:id="rId9"/>
+    <p:sldId id="334" r:id="rId10"/>
+    <p:sldId id="337" r:id="rId11"/>
+    <p:sldId id="338" r:id="rId12"/>
+    <p:sldId id="336" r:id="rId13"/>
+    <p:sldId id="339" r:id="rId14"/>
+    <p:sldId id="341" r:id="rId15"/>
+    <p:sldId id="340" r:id="rId16"/>
+    <p:sldId id="348" r:id="rId17"/>
   </p:sldIdLst>
   <p:sldSz cx="12192000" cy="6858000"/>
   <p:notesSz cx="6858000" cy="9144000"/>
@@ -3657,10 +3656,121 @@
       </p:grpSpPr>
       <p:sp>
         <p:nvSpPr>
+          <p:cNvPr id="7" name="TextBox 6">
+            <a:extLst>
+              <a:ext uri="{FF2B5EF4-FFF2-40B4-BE49-F238E27FC236}">
+                <a16:creationId xmlns:a16="http://schemas.microsoft.com/office/drawing/2014/main" id="{B9AE017A-619D-463E-A2AB-55343272BAD7}"/>
+              </a:ext>
+            </a:extLst>
+          </p:cNvPr>
+          <p:cNvSpPr txBox="1"/>
+          <p:nvPr/>
+        </p:nvSpPr>
+        <p:spPr>
+          <a:xfrm>
+            <a:off x="173528" y="5959868"/>
+            <a:ext cx="3509294" cy="523220"/>
+          </a:xfrm>
+          <a:prstGeom prst="rect">
+            <a:avLst/>
+          </a:prstGeom>
+          <a:noFill/>
+        </p:spPr>
+        <p:txBody>
+          <a:bodyPr wrap="none" rtlCol="0">
+            <a:spAutoFit/>
+          </a:bodyPr>
+          <a:lstStyle/>
+          <a:p>
+            <a:r>
+              <a:rPr lang="ko-KR" altLang="en-US" sz="2800" b="1" dirty="0"/>
+              <a:t>원본 </a:t>
+            </a:r>
+            <a:r>
+              <a:rPr lang="en-US" altLang="ko-KR" sz="2800" b="1" dirty="0"/>
+              <a:t>Master branch</a:t>
+            </a:r>
+            <a:endParaRPr lang="ko-KR" altLang="en-US" sz="2800" b="1" dirty="0"/>
+          </a:p>
+        </p:txBody>
+      </p:sp>
+      <p:sp>
+        <p:nvSpPr>
+          <p:cNvPr id="19" name="TextBox 18">
+            <a:extLst>
+              <a:ext uri="{FF2B5EF4-FFF2-40B4-BE49-F238E27FC236}">
+                <a16:creationId xmlns:a16="http://schemas.microsoft.com/office/drawing/2014/main" id="{127C49FC-DB8E-44F8-988C-C3F6B3C06EEE}"/>
+              </a:ext>
+            </a:extLst>
+          </p:cNvPr>
+          <p:cNvSpPr txBox="1"/>
+          <p:nvPr/>
+        </p:nvSpPr>
+        <p:spPr>
+          <a:xfrm>
+            <a:off x="1333961" y="5309602"/>
+            <a:ext cx="1744388" cy="523220"/>
+          </a:xfrm>
+          <a:prstGeom prst="rect">
+            <a:avLst/>
+          </a:prstGeom>
+          <a:noFill/>
+        </p:spPr>
+        <p:txBody>
+          <a:bodyPr wrap="none" rtlCol="0">
+            <a:spAutoFit/>
+          </a:bodyPr>
+          <a:lstStyle/>
+          <a:p>
+            <a:r>
+              <a:rPr lang="en-US" altLang="ko-KR" sz="2800" b="1" dirty="0"/>
+              <a:t>Commit1</a:t>
+            </a:r>
+          </a:p>
+        </p:txBody>
+      </p:sp>
+      <p:sp>
+        <p:nvSpPr>
+          <p:cNvPr id="31" name="TextBox 30">
+            <a:extLst>
+              <a:ext uri="{FF2B5EF4-FFF2-40B4-BE49-F238E27FC236}">
+                <a16:creationId xmlns:a16="http://schemas.microsoft.com/office/drawing/2014/main" id="{7E6F9CA0-7D92-4D9C-BA17-AAF9931E621C}"/>
+              </a:ext>
+            </a:extLst>
+          </p:cNvPr>
+          <p:cNvSpPr txBox="1"/>
+          <p:nvPr/>
+        </p:nvSpPr>
+        <p:spPr>
+          <a:xfrm>
+            <a:off x="1333961" y="3819112"/>
+            <a:ext cx="1744388" cy="523220"/>
+          </a:xfrm>
+          <a:prstGeom prst="rect">
+            <a:avLst/>
+          </a:prstGeom>
+          <a:noFill/>
+        </p:spPr>
+        <p:txBody>
+          <a:bodyPr wrap="none" rtlCol="0">
+            <a:spAutoFit/>
+          </a:bodyPr>
+          <a:lstStyle/>
+          <a:p>
+            <a:r>
+              <a:rPr lang="en-US" altLang="ko-KR" sz="2800" b="1" dirty="0"/>
+              <a:t>Commit2</a:t>
+            </a:r>
+            <a:endParaRPr lang="ko-KR" altLang="en-US" sz="2800" b="1" dirty="0"/>
+          </a:p>
+        </p:txBody>
+      </p:sp>
+      <p:sp>
+        <p:nvSpPr>
           <p:cNvPr id="5" name="직사각형 4">
             <a:extLst>
               <a:ext uri="{FF2B5EF4-FFF2-40B4-BE49-F238E27FC236}">
-                <a16:creationId xmlns:a16="http://schemas.microsoft.com/office/drawing/2014/main" id="{4D492832-CDAB-4C83-B403-B2418D50D7B1}"/>
+                <a16:creationId xmlns:a16="http://schemas.microsoft.com/office/drawing/2014/main" id="{0F1B79EA-4E33-46E2-8E10-2ED72CA54F02}"/>
               </a:ext>
             </a:extLst>
           </p:cNvPr>
@@ -3668,31 +3778,28 @@
           <p:nvPr/>
         </p:nvSpPr>
         <p:spPr>
-          <a:xfrm>
-            <a:off x="4178480" y="2756831"/>
-            <a:ext cx="3835039" cy="1344337"/>
-          </a:xfrm>
-          <a:prstGeom prst="rect">
-            <a:avLst/>
-          </a:prstGeom>
-          <a:ln w="38100">
-            <a:solidFill>
-              <a:schemeClr val="tx1"/>
-            </a:solidFill>
-          </a:ln>
+          <a:xfrm rot="16200000">
+            <a:off x="-191922" y="4791546"/>
+            <a:ext cx="1863937" cy="218613"/>
+          </a:xfrm>
+          <a:prstGeom prst="rect">
+            <a:avLst/>
+          </a:prstGeom>
         </p:spPr>
         <p:style>
           <a:lnRef idx="2">
-            <a:schemeClr val="dk1"/>
+            <a:schemeClr val="accent6">
+              <a:shade val="50000"/>
+            </a:schemeClr>
           </a:lnRef>
           <a:fillRef idx="1">
-            <a:schemeClr val="lt1"/>
+            <a:schemeClr val="accent6"/>
           </a:fillRef>
           <a:effectRef idx="0">
-            <a:schemeClr val="dk1"/>
+            <a:schemeClr val="accent6"/>
           </a:effectRef>
           <a:fontRef idx="minor">
-            <a:schemeClr val="dk1"/>
+            <a:schemeClr val="lt1"/>
           </a:fontRef>
         </p:style>
         <p:txBody>
@@ -3700,36 +3807,638 @@
           <a:lstStyle/>
           <a:p>
             <a:pPr algn="ctr"/>
-            <a:r>
-              <a:rPr lang="en-US" altLang="ko-KR" sz="6000" dirty="0">
-                <a:ln w="0"/>
-                <a:solidFill>
-                  <a:schemeClr val="tx1"/>
-                </a:solidFill>
-                <a:effectLst>
-                  <a:outerShdw blurRad="38100" dist="19050" dir="2700000" algn="tl" rotWithShape="0">
-                    <a:schemeClr val="dk1">
-                      <a:alpha val="40000"/>
-                    </a:schemeClr>
-                  </a:outerShdw>
-                </a:effectLst>
+            <a:endParaRPr lang="ko-KR" altLang="en-US"/>
+          </a:p>
+        </p:txBody>
+      </p:sp>
+      <p:sp>
+        <p:nvSpPr>
+          <p:cNvPr id="9" name="타원 8">
+            <a:extLst>
+              <a:ext uri="{FF2B5EF4-FFF2-40B4-BE49-F238E27FC236}">
+                <a16:creationId xmlns:a16="http://schemas.microsoft.com/office/drawing/2014/main" id="{A9100468-4D6F-47DF-86AA-7D07064F2816}"/>
+              </a:ext>
+            </a:extLst>
+          </p:cNvPr>
+          <p:cNvSpPr/>
+          <p:nvPr/>
+        </p:nvSpPr>
+        <p:spPr>
+          <a:xfrm rot="16200000">
+            <a:off x="447530" y="5311515"/>
+            <a:ext cx="575144" cy="575144"/>
+          </a:xfrm>
+          <a:prstGeom prst="ellipse">
+            <a:avLst/>
+          </a:prstGeom>
+        </p:spPr>
+        <p:style>
+          <a:lnRef idx="2">
+            <a:schemeClr val="accent5">
+              <a:shade val="50000"/>
+            </a:schemeClr>
+          </a:lnRef>
+          <a:fillRef idx="1">
+            <a:schemeClr val="accent5"/>
+          </a:fillRef>
+          <a:effectRef idx="0">
+            <a:schemeClr val="accent5"/>
+          </a:effectRef>
+          <a:fontRef idx="minor">
+            <a:schemeClr val="lt1"/>
+          </a:fontRef>
+        </p:style>
+        <p:txBody>
+          <a:bodyPr rtlCol="0" anchor="ctr"/>
+          <a:lstStyle/>
+          <a:p>
+            <a:pPr algn="ctr"/>
+            <a:endParaRPr lang="ko-KR" altLang="en-US"/>
+          </a:p>
+        </p:txBody>
+      </p:sp>
+      <p:sp>
+        <p:nvSpPr>
+          <p:cNvPr id="13" name="타원 12">
+            <a:extLst>
+              <a:ext uri="{FF2B5EF4-FFF2-40B4-BE49-F238E27FC236}">
+                <a16:creationId xmlns:a16="http://schemas.microsoft.com/office/drawing/2014/main" id="{9E780785-362D-42CF-8D41-9EF18D3BADCC}"/>
+              </a:ext>
+            </a:extLst>
+          </p:cNvPr>
+          <p:cNvSpPr/>
+          <p:nvPr/>
+        </p:nvSpPr>
+        <p:spPr>
+          <a:xfrm rot="16200000">
+            <a:off x="447530" y="3793150"/>
+            <a:ext cx="575144" cy="575144"/>
+          </a:xfrm>
+          <a:prstGeom prst="ellipse">
+            <a:avLst/>
+          </a:prstGeom>
+        </p:spPr>
+        <p:style>
+          <a:lnRef idx="2">
+            <a:schemeClr val="accent5">
+              <a:shade val="50000"/>
+            </a:schemeClr>
+          </a:lnRef>
+          <a:fillRef idx="1">
+            <a:schemeClr val="accent5"/>
+          </a:fillRef>
+          <a:effectRef idx="0">
+            <a:schemeClr val="accent5"/>
+          </a:effectRef>
+          <a:fontRef idx="minor">
+            <a:schemeClr val="lt1"/>
+          </a:fontRef>
+        </p:style>
+        <p:txBody>
+          <a:bodyPr rtlCol="0" anchor="ctr"/>
+          <a:lstStyle/>
+          <a:p>
+            <a:pPr algn="ctr"/>
+            <a:endParaRPr lang="ko-KR" altLang="en-US"/>
+          </a:p>
+        </p:txBody>
+      </p:sp>
+      <p:sp>
+        <p:nvSpPr>
+          <p:cNvPr id="4" name="이등변 삼각형 3">
+            <a:extLst>
+              <a:ext uri="{FF2B5EF4-FFF2-40B4-BE49-F238E27FC236}">
+                <a16:creationId xmlns:a16="http://schemas.microsoft.com/office/drawing/2014/main" id="{1C11E833-35FF-4F60-9DD9-D8B78329160A}"/>
+              </a:ext>
+            </a:extLst>
+          </p:cNvPr>
+          <p:cNvSpPr/>
+          <p:nvPr/>
+        </p:nvSpPr>
+        <p:spPr>
+          <a:xfrm rot="10800000">
+            <a:off x="313464" y="3237167"/>
+            <a:ext cx="797668" cy="330740"/>
+          </a:xfrm>
+          <a:prstGeom prst="triangle">
+            <a:avLst/>
+          </a:prstGeom>
+        </p:spPr>
+        <p:style>
+          <a:lnRef idx="2">
+            <a:schemeClr val="accent3">
+              <a:shade val="50000"/>
+            </a:schemeClr>
+          </a:lnRef>
+          <a:fillRef idx="1">
+            <a:schemeClr val="accent3"/>
+          </a:fillRef>
+          <a:effectRef idx="0">
+            <a:schemeClr val="accent3"/>
+          </a:effectRef>
+          <a:fontRef idx="minor">
+            <a:schemeClr val="lt1"/>
+          </a:fontRef>
+        </p:style>
+        <p:txBody>
+          <a:bodyPr rtlCol="0" anchor="ctr"/>
+          <a:lstStyle/>
+          <a:p>
+            <a:pPr algn="ctr"/>
+            <a:endParaRPr lang="ko-KR" altLang="en-US"/>
+          </a:p>
+        </p:txBody>
+      </p:sp>
+      <p:sp>
+        <p:nvSpPr>
+          <p:cNvPr id="6" name="TextBox 5">
+            <a:extLst>
+              <a:ext uri="{FF2B5EF4-FFF2-40B4-BE49-F238E27FC236}">
+                <a16:creationId xmlns:a16="http://schemas.microsoft.com/office/drawing/2014/main" id="{7A4C9CFD-429D-417E-B232-FF3BA46C23E8}"/>
+              </a:ext>
+            </a:extLst>
+          </p:cNvPr>
+          <p:cNvSpPr txBox="1"/>
+          <p:nvPr/>
+        </p:nvSpPr>
+        <p:spPr>
+          <a:xfrm>
+            <a:off x="173528" y="2725118"/>
+            <a:ext cx="1077539" cy="523220"/>
+          </a:xfrm>
+          <a:prstGeom prst="rect">
+            <a:avLst/>
+          </a:prstGeom>
+          <a:noFill/>
+        </p:spPr>
+        <p:txBody>
+          <a:bodyPr wrap="none" rtlCol="0">
+            <a:spAutoFit/>
+          </a:bodyPr>
+          <a:lstStyle/>
+          <a:p>
+            <a:r>
+              <a:rPr lang="en-US" altLang="ko-KR" sz="2800" b="1" dirty="0"/>
+              <a:t>Head</a:t>
+            </a:r>
+            <a:endParaRPr lang="ko-KR" altLang="en-US" sz="2800" b="1" dirty="0"/>
+          </a:p>
+        </p:txBody>
+      </p:sp>
+      <p:sp>
+        <p:nvSpPr>
+          <p:cNvPr id="3" name="TextBox 2">
+            <a:extLst>
+              <a:ext uri="{FF2B5EF4-FFF2-40B4-BE49-F238E27FC236}">
+                <a16:creationId xmlns:a16="http://schemas.microsoft.com/office/drawing/2014/main" id="{F37E017C-3CDD-4EA4-99CD-7B0C66894A31}"/>
+              </a:ext>
+            </a:extLst>
+          </p:cNvPr>
+          <p:cNvSpPr txBox="1"/>
+          <p:nvPr/>
+        </p:nvSpPr>
+        <p:spPr>
+          <a:xfrm>
+            <a:off x="8862242" y="0"/>
+            <a:ext cx="3329758" cy="584775"/>
+          </a:xfrm>
+          <a:prstGeom prst="rect">
+            <a:avLst/>
+          </a:prstGeom>
+          <a:noFill/>
+        </p:spPr>
+        <p:txBody>
+          <a:bodyPr wrap="none" rtlCol="0">
+            <a:spAutoFit/>
+          </a:bodyPr>
+          <a:lstStyle/>
+          <a:p>
+            <a:r>
+              <a:rPr lang="ko-KR" altLang="en-US" sz="3200" dirty="0">
+                <a:latin typeface="HY강B" panose="02030600000101010101" pitchFamily="18" charset="-127"/>
+                <a:ea typeface="HY강B" panose="02030600000101010101" pitchFamily="18" charset="-127"/>
+              </a:rPr>
+              <a:t>깃 허브 시나리오</a:t>
+            </a:r>
+          </a:p>
+        </p:txBody>
+      </p:sp>
+      <p:sp>
+        <p:nvSpPr>
+          <p:cNvPr id="8" name="TextBox 7">
+            <a:extLst>
+              <a:ext uri="{FF2B5EF4-FFF2-40B4-BE49-F238E27FC236}">
+                <a16:creationId xmlns:a16="http://schemas.microsoft.com/office/drawing/2014/main" id="{2795C85A-ACA3-426A-93BD-AA4524B8D7C7}"/>
+              </a:ext>
+            </a:extLst>
+          </p:cNvPr>
+          <p:cNvSpPr txBox="1"/>
+          <p:nvPr/>
+        </p:nvSpPr>
+        <p:spPr>
+          <a:xfrm>
+            <a:off x="6819078" y="6032100"/>
+            <a:ext cx="3995004" cy="954107"/>
+          </a:xfrm>
+          <a:prstGeom prst="rect">
+            <a:avLst/>
+          </a:prstGeom>
+          <a:noFill/>
+        </p:spPr>
+        <p:txBody>
+          <a:bodyPr wrap="none" rtlCol="0">
+            <a:spAutoFit/>
+          </a:bodyPr>
+          <a:lstStyle/>
+          <a:p>
+            <a:r>
+              <a:rPr lang="ko-KR" altLang="en-US" sz="2800" b="1" dirty="0"/>
+              <a:t>내 계정 </a:t>
+            </a:r>
+            <a:r>
+              <a:rPr lang="en-US" altLang="ko-KR" sz="2800" b="1" dirty="0"/>
+              <a:t>Master branch</a:t>
+            </a:r>
+            <a:endParaRPr lang="ko-KR" altLang="en-US" sz="2800" b="1" dirty="0"/>
+          </a:p>
+          <a:p>
+            <a:endParaRPr lang="ko-KR" altLang="en-US" sz="2800" b="1" dirty="0"/>
+          </a:p>
+        </p:txBody>
+      </p:sp>
+      <p:sp>
+        <p:nvSpPr>
+          <p:cNvPr id="10" name="TextBox 9">
+            <a:extLst>
+              <a:ext uri="{FF2B5EF4-FFF2-40B4-BE49-F238E27FC236}">
+                <a16:creationId xmlns:a16="http://schemas.microsoft.com/office/drawing/2014/main" id="{4BC1BFB2-3A5C-466B-A7C7-1A13B58013D2}"/>
+              </a:ext>
+            </a:extLst>
+          </p:cNvPr>
+          <p:cNvSpPr txBox="1"/>
+          <p:nvPr/>
+        </p:nvSpPr>
+        <p:spPr>
+          <a:xfrm>
+            <a:off x="7979511" y="5381834"/>
+            <a:ext cx="1744388" cy="523220"/>
+          </a:xfrm>
+          <a:prstGeom prst="rect">
+            <a:avLst/>
+          </a:prstGeom>
+          <a:noFill/>
+        </p:spPr>
+        <p:txBody>
+          <a:bodyPr wrap="none" rtlCol="0">
+            <a:spAutoFit/>
+          </a:bodyPr>
+          <a:lstStyle/>
+          <a:p>
+            <a:r>
+              <a:rPr lang="en-US" altLang="ko-KR" sz="2800" b="1" dirty="0"/>
+              <a:t>Commit1</a:t>
+            </a:r>
+          </a:p>
+        </p:txBody>
+      </p:sp>
+      <p:sp>
+        <p:nvSpPr>
+          <p:cNvPr id="11" name="TextBox 10">
+            <a:extLst>
+              <a:ext uri="{FF2B5EF4-FFF2-40B4-BE49-F238E27FC236}">
+                <a16:creationId xmlns:a16="http://schemas.microsoft.com/office/drawing/2014/main" id="{9943CDAE-B15D-48E7-8DDD-0568E1F7592C}"/>
+              </a:ext>
+            </a:extLst>
+          </p:cNvPr>
+          <p:cNvSpPr txBox="1"/>
+          <p:nvPr/>
+        </p:nvSpPr>
+        <p:spPr>
+          <a:xfrm>
+            <a:off x="7979511" y="3891344"/>
+            <a:ext cx="1744388" cy="523220"/>
+          </a:xfrm>
+          <a:prstGeom prst="rect">
+            <a:avLst/>
+          </a:prstGeom>
+          <a:noFill/>
+        </p:spPr>
+        <p:txBody>
+          <a:bodyPr wrap="none" rtlCol="0">
+            <a:spAutoFit/>
+          </a:bodyPr>
+          <a:lstStyle/>
+          <a:p>
+            <a:r>
+              <a:rPr lang="en-US" altLang="ko-KR" sz="2800" b="1" dirty="0"/>
+              <a:t>Commit2</a:t>
+            </a:r>
+            <a:endParaRPr lang="ko-KR" altLang="en-US" sz="2800" b="1" dirty="0"/>
+          </a:p>
+        </p:txBody>
+      </p:sp>
+      <p:sp>
+        <p:nvSpPr>
+          <p:cNvPr id="16" name="직사각형 15">
+            <a:extLst>
+              <a:ext uri="{FF2B5EF4-FFF2-40B4-BE49-F238E27FC236}">
+                <a16:creationId xmlns:a16="http://schemas.microsoft.com/office/drawing/2014/main" id="{49B11666-2963-4224-B388-B2B90B851593}"/>
+              </a:ext>
+            </a:extLst>
+          </p:cNvPr>
+          <p:cNvSpPr/>
+          <p:nvPr/>
+        </p:nvSpPr>
+        <p:spPr>
+          <a:xfrm rot="16200000">
+            <a:off x="6485606" y="4895755"/>
+            <a:ext cx="1799982" cy="218613"/>
+          </a:xfrm>
+          <a:prstGeom prst="rect">
+            <a:avLst/>
+          </a:prstGeom>
+        </p:spPr>
+        <p:style>
+          <a:lnRef idx="2">
+            <a:schemeClr val="accent6">
+              <a:shade val="50000"/>
+            </a:schemeClr>
+          </a:lnRef>
+          <a:fillRef idx="1">
+            <a:schemeClr val="accent6"/>
+          </a:fillRef>
+          <a:effectRef idx="0">
+            <a:schemeClr val="accent6"/>
+          </a:effectRef>
+          <a:fontRef idx="minor">
+            <a:schemeClr val="lt1"/>
+          </a:fontRef>
+        </p:style>
+        <p:txBody>
+          <a:bodyPr rtlCol="0" anchor="ctr"/>
+          <a:lstStyle/>
+          <a:p>
+            <a:pPr algn="ctr"/>
+            <a:endParaRPr lang="ko-KR" altLang="en-US"/>
+          </a:p>
+        </p:txBody>
+      </p:sp>
+      <p:sp>
+        <p:nvSpPr>
+          <p:cNvPr id="22" name="타원 21">
+            <a:extLst>
+              <a:ext uri="{FF2B5EF4-FFF2-40B4-BE49-F238E27FC236}">
+                <a16:creationId xmlns:a16="http://schemas.microsoft.com/office/drawing/2014/main" id="{EB21442C-DB89-4E22-8D5E-63288BF79A85}"/>
+              </a:ext>
+            </a:extLst>
+          </p:cNvPr>
+          <p:cNvSpPr/>
+          <p:nvPr/>
+        </p:nvSpPr>
+        <p:spPr>
+          <a:xfrm rot="16200000">
+            <a:off x="7093080" y="5383747"/>
+            <a:ext cx="575144" cy="575144"/>
+          </a:xfrm>
+          <a:prstGeom prst="ellipse">
+            <a:avLst/>
+          </a:prstGeom>
+        </p:spPr>
+        <p:style>
+          <a:lnRef idx="2">
+            <a:schemeClr val="accent5">
+              <a:shade val="50000"/>
+            </a:schemeClr>
+          </a:lnRef>
+          <a:fillRef idx="1">
+            <a:schemeClr val="accent5"/>
+          </a:fillRef>
+          <a:effectRef idx="0">
+            <a:schemeClr val="accent5"/>
+          </a:effectRef>
+          <a:fontRef idx="minor">
+            <a:schemeClr val="lt1"/>
+          </a:fontRef>
+        </p:style>
+        <p:txBody>
+          <a:bodyPr rtlCol="0" anchor="ctr"/>
+          <a:lstStyle/>
+          <a:p>
+            <a:pPr algn="ctr"/>
+            <a:endParaRPr lang="ko-KR" altLang="en-US"/>
+          </a:p>
+        </p:txBody>
+      </p:sp>
+      <p:sp>
+        <p:nvSpPr>
+          <p:cNvPr id="24" name="타원 23">
+            <a:extLst>
+              <a:ext uri="{FF2B5EF4-FFF2-40B4-BE49-F238E27FC236}">
+                <a16:creationId xmlns:a16="http://schemas.microsoft.com/office/drawing/2014/main" id="{721EB4E6-B641-495E-B653-1A246275C7C8}"/>
+              </a:ext>
+            </a:extLst>
+          </p:cNvPr>
+          <p:cNvSpPr/>
+          <p:nvPr/>
+        </p:nvSpPr>
+        <p:spPr>
+          <a:xfrm rot="16200000">
+            <a:off x="7093080" y="3865382"/>
+            <a:ext cx="575144" cy="575144"/>
+          </a:xfrm>
+          <a:prstGeom prst="ellipse">
+            <a:avLst/>
+          </a:prstGeom>
+        </p:spPr>
+        <p:style>
+          <a:lnRef idx="2">
+            <a:schemeClr val="accent5">
+              <a:shade val="50000"/>
+            </a:schemeClr>
+          </a:lnRef>
+          <a:fillRef idx="1">
+            <a:schemeClr val="accent5"/>
+          </a:fillRef>
+          <a:effectRef idx="0">
+            <a:schemeClr val="accent5"/>
+          </a:effectRef>
+          <a:fontRef idx="minor">
+            <a:schemeClr val="lt1"/>
+          </a:fontRef>
+        </p:style>
+        <p:txBody>
+          <a:bodyPr rtlCol="0" anchor="ctr"/>
+          <a:lstStyle/>
+          <a:p>
+            <a:pPr algn="ctr"/>
+            <a:endParaRPr lang="ko-KR" altLang="en-US"/>
+          </a:p>
+        </p:txBody>
+      </p:sp>
+      <p:sp>
+        <p:nvSpPr>
+          <p:cNvPr id="36" name="이등변 삼각형 35">
+            <a:extLst>
+              <a:ext uri="{FF2B5EF4-FFF2-40B4-BE49-F238E27FC236}">
+                <a16:creationId xmlns:a16="http://schemas.microsoft.com/office/drawing/2014/main" id="{341CCE5B-1593-4BEB-A867-FC7CCAE56C14}"/>
+              </a:ext>
+            </a:extLst>
+          </p:cNvPr>
+          <p:cNvSpPr/>
+          <p:nvPr/>
+        </p:nvSpPr>
+        <p:spPr>
+          <a:xfrm rot="10800000">
+            <a:off x="6959014" y="3309399"/>
+            <a:ext cx="797668" cy="330740"/>
+          </a:xfrm>
+          <a:prstGeom prst="triangle">
+            <a:avLst/>
+          </a:prstGeom>
+        </p:spPr>
+        <p:style>
+          <a:lnRef idx="2">
+            <a:schemeClr val="accent3">
+              <a:shade val="50000"/>
+            </a:schemeClr>
+          </a:lnRef>
+          <a:fillRef idx="1">
+            <a:schemeClr val="accent3"/>
+          </a:fillRef>
+          <a:effectRef idx="0">
+            <a:schemeClr val="accent3"/>
+          </a:effectRef>
+          <a:fontRef idx="minor">
+            <a:schemeClr val="lt1"/>
+          </a:fontRef>
+        </p:style>
+        <p:txBody>
+          <a:bodyPr rtlCol="0" anchor="ctr"/>
+          <a:lstStyle/>
+          <a:p>
+            <a:pPr algn="ctr"/>
+            <a:endParaRPr lang="ko-KR" altLang="en-US"/>
+          </a:p>
+        </p:txBody>
+      </p:sp>
+      <p:sp>
+        <p:nvSpPr>
+          <p:cNvPr id="38" name="TextBox 37">
+            <a:extLst>
+              <a:ext uri="{FF2B5EF4-FFF2-40B4-BE49-F238E27FC236}">
+                <a16:creationId xmlns:a16="http://schemas.microsoft.com/office/drawing/2014/main" id="{5411C6B3-6955-4EBE-A684-6236751F44DB}"/>
+              </a:ext>
+            </a:extLst>
+          </p:cNvPr>
+          <p:cNvSpPr txBox="1"/>
+          <p:nvPr/>
+        </p:nvSpPr>
+        <p:spPr>
+          <a:xfrm>
+            <a:off x="6801314" y="2797350"/>
+            <a:ext cx="1077539" cy="523220"/>
+          </a:xfrm>
+          <a:prstGeom prst="rect">
+            <a:avLst/>
+          </a:prstGeom>
+          <a:noFill/>
+        </p:spPr>
+        <p:txBody>
+          <a:bodyPr wrap="none" rtlCol="0">
+            <a:spAutoFit/>
+          </a:bodyPr>
+          <a:lstStyle/>
+          <a:p>
+            <a:r>
+              <a:rPr lang="en-US" altLang="ko-KR" sz="2800" b="1" dirty="0"/>
+              <a:t>Head</a:t>
+            </a:r>
+            <a:endParaRPr lang="ko-KR" altLang="en-US" sz="2800" b="1" dirty="0"/>
+          </a:p>
+        </p:txBody>
+      </p:sp>
+      <p:sp>
+        <p:nvSpPr>
+          <p:cNvPr id="41" name="직사각형 40">
+            <a:extLst>
+              <a:ext uri="{FF2B5EF4-FFF2-40B4-BE49-F238E27FC236}">
+                <a16:creationId xmlns:a16="http://schemas.microsoft.com/office/drawing/2014/main" id="{D47839E8-FBD9-484E-ABE8-00AB8E45B62F}"/>
+              </a:ext>
+            </a:extLst>
+          </p:cNvPr>
+          <p:cNvSpPr/>
+          <p:nvPr/>
+        </p:nvSpPr>
+        <p:spPr>
+          <a:xfrm>
+            <a:off x="3790545" y="3298572"/>
+            <a:ext cx="2250332" cy="220493"/>
+          </a:xfrm>
+          <a:prstGeom prst="rect">
+            <a:avLst/>
+          </a:prstGeom>
+        </p:spPr>
+        <p:style>
+          <a:lnRef idx="2">
+            <a:schemeClr val="accent2">
+              <a:shade val="50000"/>
+            </a:schemeClr>
+          </a:lnRef>
+          <a:fillRef idx="1">
+            <a:schemeClr val="accent2"/>
+          </a:fillRef>
+          <a:effectRef idx="0">
+            <a:schemeClr val="accent2"/>
+          </a:effectRef>
+          <a:fontRef idx="minor">
+            <a:schemeClr val="lt1"/>
+          </a:fontRef>
+        </p:style>
+        <p:txBody>
+          <a:bodyPr rtlCol="0" anchor="ctr"/>
+          <a:lstStyle/>
+          <a:p>
+            <a:pPr algn="ctr"/>
+            <a:endParaRPr lang="ko-KR" altLang="en-US"/>
+          </a:p>
+        </p:txBody>
+      </p:sp>
+      <p:sp>
+        <p:nvSpPr>
+          <p:cNvPr id="40" name="TextBox 39">
+            <a:extLst>
+              <a:ext uri="{FF2B5EF4-FFF2-40B4-BE49-F238E27FC236}">
+                <a16:creationId xmlns:a16="http://schemas.microsoft.com/office/drawing/2014/main" id="{964CA72B-1EBF-460A-93B7-3845949787DB}"/>
+              </a:ext>
+            </a:extLst>
+          </p:cNvPr>
+          <p:cNvSpPr txBox="1"/>
+          <p:nvPr/>
+        </p:nvSpPr>
+        <p:spPr>
+          <a:xfrm>
+            <a:off x="4382552" y="3495609"/>
+            <a:ext cx="1066318" cy="707886"/>
+          </a:xfrm>
+          <a:prstGeom prst="rect">
+            <a:avLst/>
+          </a:prstGeom>
+          <a:noFill/>
+        </p:spPr>
+        <p:txBody>
+          <a:bodyPr wrap="none" rtlCol="0">
+            <a:spAutoFit/>
+          </a:bodyPr>
+          <a:lstStyle/>
+          <a:p>
+            <a:r>
+              <a:rPr lang="en-US" altLang="ko-KR" sz="4000" dirty="0">
                 <a:latin typeface="HY강B" panose="02030600000101010101" pitchFamily="18" charset="-127"/>
                 <a:ea typeface="HY강B" panose="02030600000101010101" pitchFamily="18" charset="-127"/>
               </a:rPr>
               <a:t>Fork</a:t>
             </a:r>
-            <a:endParaRPr lang="ko-KR" altLang="en-US" sz="6000" dirty="0">
-              <a:ln w="0"/>
-              <a:solidFill>
-                <a:schemeClr val="tx1"/>
-              </a:solidFill>
-              <a:effectLst>
-                <a:outerShdw blurRad="38100" dist="19050" dir="2700000" algn="tl" rotWithShape="0">
-                  <a:schemeClr val="dk1">
-                    <a:alpha val="40000"/>
-                  </a:schemeClr>
-                </a:outerShdw>
-              </a:effectLst>
+            <a:endParaRPr lang="ko-KR" altLang="en-US" sz="4000" dirty="0">
               <a:latin typeface="HY강B" panose="02030600000101010101" pitchFamily="18" charset="-127"/>
               <a:ea typeface="HY강B" panose="02030600000101010101" pitchFamily="18" charset="-127"/>
             </a:endParaRPr>
@@ -3739,7 +4448,7 @@
     </p:spTree>
     <p:extLst>
       <p:ext uri="{BB962C8B-B14F-4D97-AF65-F5344CB8AC3E}">
-        <p14:creationId xmlns:p14="http://schemas.microsoft.com/office/powerpoint/2010/main" val="2274887018"/>
+        <p14:creationId xmlns:p14="http://schemas.microsoft.com/office/powerpoint/2010/main" val="329874320"/>
       </p:ext>
     </p:extLst>
   </p:cSld>
@@ -3768,125 +4477,10 @@
       </p:grpSpPr>
       <p:sp>
         <p:nvSpPr>
-          <p:cNvPr id="7" name="TextBox 6">
-            <a:extLst>
-              <a:ext uri="{FF2B5EF4-FFF2-40B4-BE49-F238E27FC236}">
-                <a16:creationId xmlns:a16="http://schemas.microsoft.com/office/drawing/2014/main" id="{B9AE017A-619D-463E-A2AB-55343272BAD7}"/>
-              </a:ext>
-            </a:extLst>
-          </p:cNvPr>
-          <p:cNvSpPr txBox="1"/>
-          <p:nvPr/>
-        </p:nvSpPr>
-        <p:spPr>
-          <a:xfrm>
-            <a:off x="173528" y="5959868"/>
-            <a:ext cx="3494739" cy="523220"/>
-          </a:xfrm>
-          <a:prstGeom prst="rect">
-            <a:avLst/>
-          </a:prstGeom>
-          <a:noFill/>
-        </p:spPr>
-        <p:txBody>
-          <a:bodyPr wrap="none" rtlCol="0">
-            <a:spAutoFit/>
-          </a:bodyPr>
-          <a:lstStyle/>
-          <a:p>
-            <a:r>
-              <a:rPr lang="ko-KR" altLang="en-US" sz="2800" b="1" dirty="0"/>
-              <a:t>원본 </a:t>
-            </a:r>
-            <a:r>
-              <a:rPr lang="en-US" altLang="ko-KR" sz="2800" b="1" dirty="0"/>
-              <a:t>master </a:t>
-            </a:r>
-            <a:r>
-              <a:rPr lang="en-US" altLang="ko-KR" sz="2800" b="1" dirty="0" err="1"/>
-              <a:t>brench</a:t>
-            </a:r>
-            <a:endParaRPr lang="ko-KR" altLang="en-US" sz="2800" b="1" dirty="0"/>
-          </a:p>
-        </p:txBody>
-      </p:sp>
-      <p:sp>
-        <p:nvSpPr>
-          <p:cNvPr id="19" name="TextBox 18">
-            <a:extLst>
-              <a:ext uri="{FF2B5EF4-FFF2-40B4-BE49-F238E27FC236}">
-                <a16:creationId xmlns:a16="http://schemas.microsoft.com/office/drawing/2014/main" id="{127C49FC-DB8E-44F8-988C-C3F6B3C06EEE}"/>
-              </a:ext>
-            </a:extLst>
-          </p:cNvPr>
-          <p:cNvSpPr txBox="1"/>
-          <p:nvPr/>
-        </p:nvSpPr>
-        <p:spPr>
-          <a:xfrm>
-            <a:off x="1333961" y="5309602"/>
-            <a:ext cx="1744388" cy="523220"/>
-          </a:xfrm>
-          <a:prstGeom prst="rect">
-            <a:avLst/>
-          </a:prstGeom>
-          <a:noFill/>
-        </p:spPr>
-        <p:txBody>
-          <a:bodyPr wrap="none" rtlCol="0">
-            <a:spAutoFit/>
-          </a:bodyPr>
-          <a:lstStyle/>
-          <a:p>
-            <a:r>
-              <a:rPr lang="en-US" altLang="ko-KR" sz="2800" b="1" dirty="0"/>
-              <a:t>Commit1</a:t>
-            </a:r>
-          </a:p>
-        </p:txBody>
-      </p:sp>
-      <p:sp>
-        <p:nvSpPr>
-          <p:cNvPr id="31" name="TextBox 30">
-            <a:extLst>
-              <a:ext uri="{FF2B5EF4-FFF2-40B4-BE49-F238E27FC236}">
-                <a16:creationId xmlns:a16="http://schemas.microsoft.com/office/drawing/2014/main" id="{7E6F9CA0-7D92-4D9C-BA17-AAF9931E621C}"/>
-              </a:ext>
-            </a:extLst>
-          </p:cNvPr>
-          <p:cNvSpPr txBox="1"/>
-          <p:nvPr/>
-        </p:nvSpPr>
-        <p:spPr>
-          <a:xfrm>
-            <a:off x="1333961" y="3819112"/>
-            <a:ext cx="1744388" cy="523220"/>
-          </a:xfrm>
-          <a:prstGeom prst="rect">
-            <a:avLst/>
-          </a:prstGeom>
-          <a:noFill/>
-        </p:spPr>
-        <p:txBody>
-          <a:bodyPr wrap="none" rtlCol="0">
-            <a:spAutoFit/>
-          </a:bodyPr>
-          <a:lstStyle/>
-          <a:p>
-            <a:r>
-              <a:rPr lang="en-US" altLang="ko-KR" sz="2800" b="1" dirty="0"/>
-              <a:t>Commit2</a:t>
-            </a:r>
-            <a:endParaRPr lang="ko-KR" altLang="en-US" sz="2800" b="1" dirty="0"/>
-          </a:p>
-        </p:txBody>
-      </p:sp>
-      <p:sp>
-        <p:nvSpPr>
           <p:cNvPr id="5" name="직사각형 4">
             <a:extLst>
               <a:ext uri="{FF2B5EF4-FFF2-40B4-BE49-F238E27FC236}">
-                <a16:creationId xmlns:a16="http://schemas.microsoft.com/office/drawing/2014/main" id="{0F1B79EA-4E33-46E2-8E10-2ED72CA54F02}"/>
+                <a16:creationId xmlns:a16="http://schemas.microsoft.com/office/drawing/2014/main" id="{4D492832-CDAB-4C83-B403-B2418D50D7B1}"/>
               </a:ext>
             </a:extLst>
           </p:cNvPr>
@@ -3894,28 +4488,31 @@
           <p:nvPr/>
         </p:nvSpPr>
         <p:spPr>
-          <a:xfrm rot="16200000">
-            <a:off x="-191922" y="4791546"/>
-            <a:ext cx="1863937" cy="218613"/>
-          </a:xfrm>
-          <a:prstGeom prst="rect">
-            <a:avLst/>
-          </a:prstGeom>
+          <a:xfrm>
+            <a:off x="3642423" y="2756831"/>
+            <a:ext cx="4907154" cy="1344337"/>
+          </a:xfrm>
+          <a:prstGeom prst="rect">
+            <a:avLst/>
+          </a:prstGeom>
+          <a:ln w="38100">
+            <a:solidFill>
+              <a:schemeClr val="tx1"/>
+            </a:solidFill>
+          </a:ln>
         </p:spPr>
         <p:style>
           <a:lnRef idx="2">
-            <a:schemeClr val="accent6">
-              <a:shade val="50000"/>
-            </a:schemeClr>
+            <a:schemeClr val="dk1"/>
           </a:lnRef>
           <a:fillRef idx="1">
-            <a:schemeClr val="accent6"/>
+            <a:schemeClr val="lt1"/>
           </a:fillRef>
           <a:effectRef idx="0">
-            <a:schemeClr val="accent6"/>
+            <a:schemeClr val="dk1"/>
           </a:effectRef>
           <a:fontRef idx="minor">
-            <a:schemeClr val="lt1"/>
+            <a:schemeClr val="dk1"/>
           </a:fontRef>
         </p:style>
         <p:txBody>
@@ -3923,639 +4520,36 @@
           <a:lstStyle/>
           <a:p>
             <a:pPr algn="ctr"/>
-            <a:endParaRPr lang="ko-KR" altLang="en-US"/>
-          </a:p>
-        </p:txBody>
-      </p:sp>
-      <p:sp>
-        <p:nvSpPr>
-          <p:cNvPr id="9" name="타원 8">
-            <a:extLst>
-              <a:ext uri="{FF2B5EF4-FFF2-40B4-BE49-F238E27FC236}">
-                <a16:creationId xmlns:a16="http://schemas.microsoft.com/office/drawing/2014/main" id="{A9100468-4D6F-47DF-86AA-7D07064F2816}"/>
-              </a:ext>
-            </a:extLst>
-          </p:cNvPr>
-          <p:cNvSpPr/>
-          <p:nvPr/>
-        </p:nvSpPr>
-        <p:spPr>
-          <a:xfrm rot="16200000">
-            <a:off x="447530" y="5311515"/>
-            <a:ext cx="575144" cy="575144"/>
-          </a:xfrm>
-          <a:prstGeom prst="ellipse">
-            <a:avLst/>
-          </a:prstGeom>
-        </p:spPr>
-        <p:style>
-          <a:lnRef idx="2">
-            <a:schemeClr val="accent5">
-              <a:shade val="50000"/>
-            </a:schemeClr>
-          </a:lnRef>
-          <a:fillRef idx="1">
-            <a:schemeClr val="accent5"/>
-          </a:fillRef>
-          <a:effectRef idx="0">
-            <a:schemeClr val="accent5"/>
-          </a:effectRef>
-          <a:fontRef idx="minor">
-            <a:schemeClr val="lt1"/>
-          </a:fontRef>
-        </p:style>
-        <p:txBody>
-          <a:bodyPr rtlCol="0" anchor="ctr"/>
-          <a:lstStyle/>
-          <a:p>
-            <a:pPr algn="ctr"/>
-            <a:endParaRPr lang="ko-KR" altLang="en-US"/>
-          </a:p>
-        </p:txBody>
-      </p:sp>
-      <p:sp>
-        <p:nvSpPr>
-          <p:cNvPr id="13" name="타원 12">
-            <a:extLst>
-              <a:ext uri="{FF2B5EF4-FFF2-40B4-BE49-F238E27FC236}">
-                <a16:creationId xmlns:a16="http://schemas.microsoft.com/office/drawing/2014/main" id="{9E780785-362D-42CF-8D41-9EF18D3BADCC}"/>
-              </a:ext>
-            </a:extLst>
-          </p:cNvPr>
-          <p:cNvSpPr/>
-          <p:nvPr/>
-        </p:nvSpPr>
-        <p:spPr>
-          <a:xfrm rot="16200000">
-            <a:off x="447530" y="3793150"/>
-            <a:ext cx="575144" cy="575144"/>
-          </a:xfrm>
-          <a:prstGeom prst="ellipse">
-            <a:avLst/>
-          </a:prstGeom>
-        </p:spPr>
-        <p:style>
-          <a:lnRef idx="2">
-            <a:schemeClr val="accent5">
-              <a:shade val="50000"/>
-            </a:schemeClr>
-          </a:lnRef>
-          <a:fillRef idx="1">
-            <a:schemeClr val="accent5"/>
-          </a:fillRef>
-          <a:effectRef idx="0">
-            <a:schemeClr val="accent5"/>
-          </a:effectRef>
-          <a:fontRef idx="minor">
-            <a:schemeClr val="lt1"/>
-          </a:fontRef>
-        </p:style>
-        <p:txBody>
-          <a:bodyPr rtlCol="0" anchor="ctr"/>
-          <a:lstStyle/>
-          <a:p>
-            <a:pPr algn="ctr"/>
-            <a:endParaRPr lang="ko-KR" altLang="en-US"/>
-          </a:p>
-        </p:txBody>
-      </p:sp>
-      <p:sp>
-        <p:nvSpPr>
-          <p:cNvPr id="4" name="이등변 삼각형 3">
-            <a:extLst>
-              <a:ext uri="{FF2B5EF4-FFF2-40B4-BE49-F238E27FC236}">
-                <a16:creationId xmlns:a16="http://schemas.microsoft.com/office/drawing/2014/main" id="{1C11E833-35FF-4F60-9DD9-D8B78329160A}"/>
-              </a:ext>
-            </a:extLst>
-          </p:cNvPr>
-          <p:cNvSpPr/>
-          <p:nvPr/>
-        </p:nvSpPr>
-        <p:spPr>
-          <a:xfrm rot="10800000">
-            <a:off x="313464" y="3237167"/>
-            <a:ext cx="797668" cy="330740"/>
-          </a:xfrm>
-          <a:prstGeom prst="triangle">
-            <a:avLst/>
-          </a:prstGeom>
-        </p:spPr>
-        <p:style>
-          <a:lnRef idx="2">
-            <a:schemeClr val="accent3">
-              <a:shade val="50000"/>
-            </a:schemeClr>
-          </a:lnRef>
-          <a:fillRef idx="1">
-            <a:schemeClr val="accent3"/>
-          </a:fillRef>
-          <a:effectRef idx="0">
-            <a:schemeClr val="accent3"/>
-          </a:effectRef>
-          <a:fontRef idx="minor">
-            <a:schemeClr val="lt1"/>
-          </a:fontRef>
-        </p:style>
-        <p:txBody>
-          <a:bodyPr rtlCol="0" anchor="ctr"/>
-          <a:lstStyle/>
-          <a:p>
-            <a:pPr algn="ctr"/>
-            <a:endParaRPr lang="ko-KR" altLang="en-US"/>
-          </a:p>
-        </p:txBody>
-      </p:sp>
-      <p:sp>
-        <p:nvSpPr>
-          <p:cNvPr id="6" name="TextBox 5">
-            <a:extLst>
-              <a:ext uri="{FF2B5EF4-FFF2-40B4-BE49-F238E27FC236}">
-                <a16:creationId xmlns:a16="http://schemas.microsoft.com/office/drawing/2014/main" id="{7A4C9CFD-429D-417E-B232-FF3BA46C23E8}"/>
-              </a:ext>
-            </a:extLst>
-          </p:cNvPr>
-          <p:cNvSpPr txBox="1"/>
-          <p:nvPr/>
-        </p:nvSpPr>
-        <p:spPr>
-          <a:xfrm>
-            <a:off x="173528" y="2725118"/>
-            <a:ext cx="1077539" cy="523220"/>
-          </a:xfrm>
-          <a:prstGeom prst="rect">
-            <a:avLst/>
-          </a:prstGeom>
-          <a:noFill/>
-        </p:spPr>
-        <p:txBody>
-          <a:bodyPr wrap="none" rtlCol="0">
-            <a:spAutoFit/>
-          </a:bodyPr>
-          <a:lstStyle/>
-          <a:p>
-            <a:r>
-              <a:rPr lang="en-US" altLang="ko-KR" sz="2800" b="1" dirty="0"/>
-              <a:t>Head</a:t>
-            </a:r>
-            <a:endParaRPr lang="ko-KR" altLang="en-US" sz="2800" b="1" dirty="0"/>
-          </a:p>
-        </p:txBody>
-      </p:sp>
-      <p:sp>
-        <p:nvSpPr>
-          <p:cNvPr id="3" name="TextBox 2">
-            <a:extLst>
-              <a:ext uri="{FF2B5EF4-FFF2-40B4-BE49-F238E27FC236}">
-                <a16:creationId xmlns:a16="http://schemas.microsoft.com/office/drawing/2014/main" id="{F37E017C-3CDD-4EA4-99CD-7B0C66894A31}"/>
-              </a:ext>
-            </a:extLst>
-          </p:cNvPr>
-          <p:cNvSpPr txBox="1"/>
-          <p:nvPr/>
-        </p:nvSpPr>
-        <p:spPr>
-          <a:xfrm>
-            <a:off x="8862242" y="0"/>
-            <a:ext cx="3329758" cy="584775"/>
-          </a:xfrm>
-          <a:prstGeom prst="rect">
-            <a:avLst/>
-          </a:prstGeom>
-          <a:noFill/>
-        </p:spPr>
-        <p:txBody>
-          <a:bodyPr wrap="none" rtlCol="0">
-            <a:spAutoFit/>
-          </a:bodyPr>
-          <a:lstStyle/>
-          <a:p>
-            <a:r>
-              <a:rPr lang="ko-KR" altLang="en-US" sz="3200" dirty="0">
+            <a:r>
+              <a:rPr lang="en-US" altLang="ko-KR" sz="6000" dirty="0">
+                <a:ln w="0"/>
+                <a:solidFill>
+                  <a:schemeClr val="tx1"/>
+                </a:solidFill>
+                <a:effectLst>
+                  <a:outerShdw blurRad="38100" dist="19050" dir="2700000" algn="tl" rotWithShape="0">
+                    <a:schemeClr val="dk1">
+                      <a:alpha val="40000"/>
+                    </a:schemeClr>
+                  </a:outerShdw>
+                </a:effectLst>
                 <a:latin typeface="HY강B" panose="02030600000101010101" pitchFamily="18" charset="-127"/>
                 <a:ea typeface="HY강B" panose="02030600000101010101" pitchFamily="18" charset="-127"/>
               </a:rPr>
-              <a:t>깃 허브 시나리오</a:t>
-            </a:r>
-          </a:p>
-        </p:txBody>
-      </p:sp>
-      <p:sp>
-        <p:nvSpPr>
-          <p:cNvPr id="8" name="TextBox 7">
-            <a:extLst>
-              <a:ext uri="{FF2B5EF4-FFF2-40B4-BE49-F238E27FC236}">
-                <a16:creationId xmlns:a16="http://schemas.microsoft.com/office/drawing/2014/main" id="{2795C85A-ACA3-426A-93BD-AA4524B8D7C7}"/>
-              </a:ext>
-            </a:extLst>
-          </p:cNvPr>
-          <p:cNvSpPr txBox="1"/>
-          <p:nvPr/>
-        </p:nvSpPr>
-        <p:spPr>
-          <a:xfrm>
-            <a:off x="6819078" y="6032100"/>
-            <a:ext cx="3980449" cy="523220"/>
-          </a:xfrm>
-          <a:prstGeom prst="rect">
-            <a:avLst/>
-          </a:prstGeom>
-          <a:noFill/>
-        </p:spPr>
-        <p:txBody>
-          <a:bodyPr wrap="none" rtlCol="0">
-            <a:spAutoFit/>
-          </a:bodyPr>
-          <a:lstStyle/>
-          <a:p>
-            <a:r>
-              <a:rPr lang="ko-KR" altLang="en-US" sz="2800" b="1" dirty="0"/>
-              <a:t>내 계정 </a:t>
-            </a:r>
-            <a:r>
-              <a:rPr lang="en-US" altLang="ko-KR" sz="2800" b="1" dirty="0"/>
-              <a:t>master </a:t>
-            </a:r>
-            <a:r>
-              <a:rPr lang="en-US" altLang="ko-KR" sz="2800" b="1" dirty="0" err="1"/>
-              <a:t>brench</a:t>
-            </a:r>
-            <a:endParaRPr lang="ko-KR" altLang="en-US" sz="2800" b="1" dirty="0"/>
-          </a:p>
-        </p:txBody>
-      </p:sp>
-      <p:sp>
-        <p:nvSpPr>
-          <p:cNvPr id="10" name="TextBox 9">
-            <a:extLst>
-              <a:ext uri="{FF2B5EF4-FFF2-40B4-BE49-F238E27FC236}">
-                <a16:creationId xmlns:a16="http://schemas.microsoft.com/office/drawing/2014/main" id="{4BC1BFB2-3A5C-466B-A7C7-1A13B58013D2}"/>
-              </a:ext>
-            </a:extLst>
-          </p:cNvPr>
-          <p:cNvSpPr txBox="1"/>
-          <p:nvPr/>
-        </p:nvSpPr>
-        <p:spPr>
-          <a:xfrm>
-            <a:off x="7979511" y="5381834"/>
-            <a:ext cx="1744388" cy="523220"/>
-          </a:xfrm>
-          <a:prstGeom prst="rect">
-            <a:avLst/>
-          </a:prstGeom>
-          <a:noFill/>
-        </p:spPr>
-        <p:txBody>
-          <a:bodyPr wrap="none" rtlCol="0">
-            <a:spAutoFit/>
-          </a:bodyPr>
-          <a:lstStyle/>
-          <a:p>
-            <a:r>
-              <a:rPr lang="en-US" altLang="ko-KR" sz="2800" b="1" dirty="0"/>
-              <a:t>Commit1</a:t>
-            </a:r>
-          </a:p>
-        </p:txBody>
-      </p:sp>
-      <p:sp>
-        <p:nvSpPr>
-          <p:cNvPr id="11" name="TextBox 10">
-            <a:extLst>
-              <a:ext uri="{FF2B5EF4-FFF2-40B4-BE49-F238E27FC236}">
-                <a16:creationId xmlns:a16="http://schemas.microsoft.com/office/drawing/2014/main" id="{9943CDAE-B15D-48E7-8DDD-0568E1F7592C}"/>
-              </a:ext>
-            </a:extLst>
-          </p:cNvPr>
-          <p:cNvSpPr txBox="1"/>
-          <p:nvPr/>
-        </p:nvSpPr>
-        <p:spPr>
-          <a:xfrm>
-            <a:off x="7979511" y="3891344"/>
-            <a:ext cx="1744388" cy="523220"/>
-          </a:xfrm>
-          <a:prstGeom prst="rect">
-            <a:avLst/>
-          </a:prstGeom>
-          <a:noFill/>
-        </p:spPr>
-        <p:txBody>
-          <a:bodyPr wrap="none" rtlCol="0">
-            <a:spAutoFit/>
-          </a:bodyPr>
-          <a:lstStyle/>
-          <a:p>
-            <a:r>
-              <a:rPr lang="en-US" altLang="ko-KR" sz="2800" b="1" dirty="0"/>
-              <a:t>Commit2</a:t>
-            </a:r>
-            <a:endParaRPr lang="ko-KR" altLang="en-US" sz="2800" b="1" dirty="0"/>
-          </a:p>
-        </p:txBody>
-      </p:sp>
-      <p:sp>
-        <p:nvSpPr>
-          <p:cNvPr id="16" name="직사각형 15">
-            <a:extLst>
-              <a:ext uri="{FF2B5EF4-FFF2-40B4-BE49-F238E27FC236}">
-                <a16:creationId xmlns:a16="http://schemas.microsoft.com/office/drawing/2014/main" id="{49B11666-2963-4224-B388-B2B90B851593}"/>
-              </a:ext>
-            </a:extLst>
-          </p:cNvPr>
-          <p:cNvSpPr/>
-          <p:nvPr/>
-        </p:nvSpPr>
-        <p:spPr>
-          <a:xfrm rot="16200000">
-            <a:off x="6485606" y="4895755"/>
-            <a:ext cx="1799982" cy="218613"/>
-          </a:xfrm>
-          <a:prstGeom prst="rect">
-            <a:avLst/>
-          </a:prstGeom>
-        </p:spPr>
-        <p:style>
-          <a:lnRef idx="2">
-            <a:schemeClr val="accent6">
-              <a:shade val="50000"/>
-            </a:schemeClr>
-          </a:lnRef>
-          <a:fillRef idx="1">
-            <a:schemeClr val="accent6"/>
-          </a:fillRef>
-          <a:effectRef idx="0">
-            <a:schemeClr val="accent6"/>
-          </a:effectRef>
-          <a:fontRef idx="minor">
-            <a:schemeClr val="lt1"/>
-          </a:fontRef>
-        </p:style>
-        <p:txBody>
-          <a:bodyPr rtlCol="0" anchor="ctr"/>
-          <a:lstStyle/>
-          <a:p>
-            <a:pPr algn="ctr"/>
-            <a:endParaRPr lang="ko-KR" altLang="en-US"/>
-          </a:p>
-        </p:txBody>
-      </p:sp>
-      <p:sp>
-        <p:nvSpPr>
-          <p:cNvPr id="22" name="타원 21">
-            <a:extLst>
-              <a:ext uri="{FF2B5EF4-FFF2-40B4-BE49-F238E27FC236}">
-                <a16:creationId xmlns:a16="http://schemas.microsoft.com/office/drawing/2014/main" id="{EB21442C-DB89-4E22-8D5E-63288BF79A85}"/>
-              </a:ext>
-            </a:extLst>
-          </p:cNvPr>
-          <p:cNvSpPr/>
-          <p:nvPr/>
-        </p:nvSpPr>
-        <p:spPr>
-          <a:xfrm rot="16200000">
-            <a:off x="7093080" y="5383747"/>
-            <a:ext cx="575144" cy="575144"/>
-          </a:xfrm>
-          <a:prstGeom prst="ellipse">
-            <a:avLst/>
-          </a:prstGeom>
-        </p:spPr>
-        <p:style>
-          <a:lnRef idx="2">
-            <a:schemeClr val="accent5">
-              <a:shade val="50000"/>
-            </a:schemeClr>
-          </a:lnRef>
-          <a:fillRef idx="1">
-            <a:schemeClr val="accent5"/>
-          </a:fillRef>
-          <a:effectRef idx="0">
-            <a:schemeClr val="accent5"/>
-          </a:effectRef>
-          <a:fontRef idx="minor">
-            <a:schemeClr val="lt1"/>
-          </a:fontRef>
-        </p:style>
-        <p:txBody>
-          <a:bodyPr rtlCol="0" anchor="ctr"/>
-          <a:lstStyle/>
-          <a:p>
-            <a:pPr algn="ctr"/>
-            <a:endParaRPr lang="ko-KR" altLang="en-US"/>
-          </a:p>
-        </p:txBody>
-      </p:sp>
-      <p:sp>
-        <p:nvSpPr>
-          <p:cNvPr id="24" name="타원 23">
-            <a:extLst>
-              <a:ext uri="{FF2B5EF4-FFF2-40B4-BE49-F238E27FC236}">
-                <a16:creationId xmlns:a16="http://schemas.microsoft.com/office/drawing/2014/main" id="{721EB4E6-B641-495E-B653-1A246275C7C8}"/>
-              </a:ext>
-            </a:extLst>
-          </p:cNvPr>
-          <p:cNvSpPr/>
-          <p:nvPr/>
-        </p:nvSpPr>
-        <p:spPr>
-          <a:xfrm rot="16200000">
-            <a:off x="7093080" y="3865382"/>
-            <a:ext cx="575144" cy="575144"/>
-          </a:xfrm>
-          <a:prstGeom prst="ellipse">
-            <a:avLst/>
-          </a:prstGeom>
-        </p:spPr>
-        <p:style>
-          <a:lnRef idx="2">
-            <a:schemeClr val="accent5">
-              <a:shade val="50000"/>
-            </a:schemeClr>
-          </a:lnRef>
-          <a:fillRef idx="1">
-            <a:schemeClr val="accent5"/>
-          </a:fillRef>
-          <a:effectRef idx="0">
-            <a:schemeClr val="accent5"/>
-          </a:effectRef>
-          <a:fontRef idx="minor">
-            <a:schemeClr val="lt1"/>
-          </a:fontRef>
-        </p:style>
-        <p:txBody>
-          <a:bodyPr rtlCol="0" anchor="ctr"/>
-          <a:lstStyle/>
-          <a:p>
-            <a:pPr algn="ctr"/>
-            <a:endParaRPr lang="ko-KR" altLang="en-US"/>
-          </a:p>
-        </p:txBody>
-      </p:sp>
-      <p:sp>
-        <p:nvSpPr>
-          <p:cNvPr id="36" name="이등변 삼각형 35">
-            <a:extLst>
-              <a:ext uri="{FF2B5EF4-FFF2-40B4-BE49-F238E27FC236}">
-                <a16:creationId xmlns:a16="http://schemas.microsoft.com/office/drawing/2014/main" id="{341CCE5B-1593-4BEB-A867-FC7CCAE56C14}"/>
-              </a:ext>
-            </a:extLst>
-          </p:cNvPr>
-          <p:cNvSpPr/>
-          <p:nvPr/>
-        </p:nvSpPr>
-        <p:spPr>
-          <a:xfrm rot="10800000">
-            <a:off x="6959014" y="3309399"/>
-            <a:ext cx="797668" cy="330740"/>
-          </a:xfrm>
-          <a:prstGeom prst="triangle">
-            <a:avLst/>
-          </a:prstGeom>
-        </p:spPr>
-        <p:style>
-          <a:lnRef idx="2">
-            <a:schemeClr val="accent3">
-              <a:shade val="50000"/>
-            </a:schemeClr>
-          </a:lnRef>
-          <a:fillRef idx="1">
-            <a:schemeClr val="accent3"/>
-          </a:fillRef>
-          <a:effectRef idx="0">
-            <a:schemeClr val="accent3"/>
-          </a:effectRef>
-          <a:fontRef idx="minor">
-            <a:schemeClr val="lt1"/>
-          </a:fontRef>
-        </p:style>
-        <p:txBody>
-          <a:bodyPr rtlCol="0" anchor="ctr"/>
-          <a:lstStyle/>
-          <a:p>
-            <a:pPr algn="ctr"/>
-            <a:endParaRPr lang="ko-KR" altLang="en-US"/>
-          </a:p>
-        </p:txBody>
-      </p:sp>
-      <p:sp>
-        <p:nvSpPr>
-          <p:cNvPr id="38" name="TextBox 37">
-            <a:extLst>
-              <a:ext uri="{FF2B5EF4-FFF2-40B4-BE49-F238E27FC236}">
-                <a16:creationId xmlns:a16="http://schemas.microsoft.com/office/drawing/2014/main" id="{5411C6B3-6955-4EBE-A684-6236751F44DB}"/>
-              </a:ext>
-            </a:extLst>
-          </p:cNvPr>
-          <p:cNvSpPr txBox="1"/>
-          <p:nvPr/>
-        </p:nvSpPr>
-        <p:spPr>
-          <a:xfrm>
-            <a:off x="6801314" y="2797350"/>
-            <a:ext cx="1077539" cy="523220"/>
-          </a:xfrm>
-          <a:prstGeom prst="rect">
-            <a:avLst/>
-          </a:prstGeom>
-          <a:noFill/>
-        </p:spPr>
-        <p:txBody>
-          <a:bodyPr wrap="none" rtlCol="0">
-            <a:spAutoFit/>
-          </a:bodyPr>
-          <a:lstStyle/>
-          <a:p>
-            <a:r>
-              <a:rPr lang="en-US" altLang="ko-KR" sz="2800" b="1" dirty="0"/>
-              <a:t>Head</a:t>
-            </a:r>
-            <a:endParaRPr lang="ko-KR" altLang="en-US" sz="2800" b="1" dirty="0"/>
-          </a:p>
-        </p:txBody>
-      </p:sp>
-      <p:sp>
-        <p:nvSpPr>
-          <p:cNvPr id="41" name="직사각형 40">
-            <a:extLst>
-              <a:ext uri="{FF2B5EF4-FFF2-40B4-BE49-F238E27FC236}">
-                <a16:creationId xmlns:a16="http://schemas.microsoft.com/office/drawing/2014/main" id="{D47839E8-FBD9-484E-ABE8-00AB8E45B62F}"/>
-              </a:ext>
-            </a:extLst>
-          </p:cNvPr>
-          <p:cNvSpPr/>
-          <p:nvPr/>
-        </p:nvSpPr>
-        <p:spPr>
-          <a:xfrm>
-            <a:off x="3790545" y="3298572"/>
-            <a:ext cx="2250332" cy="220493"/>
-          </a:xfrm>
-          <a:prstGeom prst="rect">
-            <a:avLst/>
-          </a:prstGeom>
-        </p:spPr>
-        <p:style>
-          <a:lnRef idx="2">
-            <a:schemeClr val="accent2">
-              <a:shade val="50000"/>
-            </a:schemeClr>
-          </a:lnRef>
-          <a:fillRef idx="1">
-            <a:schemeClr val="accent2"/>
-          </a:fillRef>
-          <a:effectRef idx="0">
-            <a:schemeClr val="accent2"/>
-          </a:effectRef>
-          <a:fontRef idx="minor">
-            <a:schemeClr val="lt1"/>
-          </a:fontRef>
-        </p:style>
-        <p:txBody>
-          <a:bodyPr rtlCol="0" anchor="ctr"/>
-          <a:lstStyle/>
-          <a:p>
-            <a:pPr algn="ctr"/>
-            <a:endParaRPr lang="ko-KR" altLang="en-US"/>
-          </a:p>
-        </p:txBody>
-      </p:sp>
-      <p:sp>
-        <p:nvSpPr>
-          <p:cNvPr id="40" name="TextBox 39">
-            <a:extLst>
-              <a:ext uri="{FF2B5EF4-FFF2-40B4-BE49-F238E27FC236}">
-                <a16:creationId xmlns:a16="http://schemas.microsoft.com/office/drawing/2014/main" id="{964CA72B-1EBF-460A-93B7-3845949787DB}"/>
-              </a:ext>
-            </a:extLst>
-          </p:cNvPr>
-          <p:cNvSpPr txBox="1"/>
-          <p:nvPr/>
-        </p:nvSpPr>
-        <p:spPr>
-          <a:xfrm>
-            <a:off x="4382552" y="3495609"/>
-            <a:ext cx="1066318" cy="707886"/>
-          </a:xfrm>
-          <a:prstGeom prst="rect">
-            <a:avLst/>
-          </a:prstGeom>
-          <a:noFill/>
-        </p:spPr>
-        <p:txBody>
-          <a:bodyPr wrap="none" rtlCol="0">
-            <a:spAutoFit/>
-          </a:bodyPr>
-          <a:lstStyle/>
-          <a:p>
-            <a:r>
-              <a:rPr lang="en-US" altLang="ko-KR" sz="4000" dirty="0">
-                <a:latin typeface="HY강B" panose="02030600000101010101" pitchFamily="18" charset="-127"/>
-                <a:ea typeface="HY강B" panose="02030600000101010101" pitchFamily="18" charset="-127"/>
-              </a:rPr>
-              <a:t>Fork</a:t>
-            </a:r>
-            <a:endParaRPr lang="ko-KR" altLang="en-US" sz="4000" dirty="0">
+              <a:t>pull request</a:t>
+            </a:r>
+            <a:endParaRPr lang="ko-KR" altLang="en-US" sz="6000" dirty="0">
+              <a:ln w="0"/>
+              <a:solidFill>
+                <a:schemeClr val="tx1"/>
+              </a:solidFill>
+              <a:effectLst>
+                <a:outerShdw blurRad="38100" dist="19050" dir="2700000" algn="tl" rotWithShape="0">
+                  <a:schemeClr val="dk1">
+                    <a:alpha val="40000"/>
+                  </a:schemeClr>
+                </a:outerShdw>
+              </a:effectLst>
               <a:latin typeface="HY강B" panose="02030600000101010101" pitchFamily="18" charset="-127"/>
               <a:ea typeface="HY강B" panose="02030600000101010101" pitchFamily="18" charset="-127"/>
             </a:endParaRPr>
@@ -4565,7 +4559,7 @@
     </p:spTree>
     <p:extLst>
       <p:ext uri="{BB962C8B-B14F-4D97-AF65-F5344CB8AC3E}">
-        <p14:creationId xmlns:p14="http://schemas.microsoft.com/office/powerpoint/2010/main" val="329874320"/>
+        <p14:creationId xmlns:p14="http://schemas.microsoft.com/office/powerpoint/2010/main" val="162391686"/>
       </p:ext>
     </p:extLst>
   </p:cSld>
@@ -4594,10 +4588,50 @@
       </p:grpSpPr>
       <p:sp>
         <p:nvSpPr>
+          <p:cNvPr id="7" name="TextBox 6">
+            <a:extLst>
+              <a:ext uri="{FF2B5EF4-FFF2-40B4-BE49-F238E27FC236}">
+                <a16:creationId xmlns:a16="http://schemas.microsoft.com/office/drawing/2014/main" id="{B9AE017A-619D-463E-A2AB-55343272BAD7}"/>
+              </a:ext>
+            </a:extLst>
+          </p:cNvPr>
+          <p:cNvSpPr txBox="1"/>
+          <p:nvPr/>
+        </p:nvSpPr>
+        <p:spPr>
+          <a:xfrm>
+            <a:off x="152849" y="5958891"/>
+            <a:ext cx="2196435" cy="523220"/>
+          </a:xfrm>
+          <a:prstGeom prst="rect">
+            <a:avLst/>
+          </a:prstGeom>
+          <a:noFill/>
+        </p:spPr>
+        <p:txBody>
+          <a:bodyPr wrap="none" rtlCol="0">
+            <a:spAutoFit/>
+          </a:bodyPr>
+          <a:lstStyle/>
+          <a:p>
+            <a:r>
+              <a:rPr lang="ko-KR" altLang="en-US" sz="2800" b="1" dirty="0"/>
+              <a:t>원본 </a:t>
+            </a:r>
+            <a:r>
+              <a:rPr lang="en-US" altLang="ko-KR" sz="2800" b="1" dirty="0"/>
+              <a:t>master</a:t>
+            </a:r>
+            <a:endParaRPr lang="ko-KR" altLang="en-US" sz="2800" b="1" dirty="0"/>
+          </a:p>
+        </p:txBody>
+      </p:sp>
+      <p:sp>
+        <p:nvSpPr>
           <p:cNvPr id="5" name="직사각형 4">
             <a:extLst>
               <a:ext uri="{FF2B5EF4-FFF2-40B4-BE49-F238E27FC236}">
-                <a16:creationId xmlns:a16="http://schemas.microsoft.com/office/drawing/2014/main" id="{4D492832-CDAB-4C83-B403-B2418D50D7B1}"/>
+                <a16:creationId xmlns:a16="http://schemas.microsoft.com/office/drawing/2014/main" id="{0F1B79EA-4E33-46E2-8E10-2ED72CA54F02}"/>
               </a:ext>
             </a:extLst>
           </p:cNvPr>
@@ -4605,31 +4639,28 @@
           <p:nvPr/>
         </p:nvSpPr>
         <p:spPr>
-          <a:xfrm>
-            <a:off x="3642423" y="2756831"/>
-            <a:ext cx="4907154" cy="1344337"/>
-          </a:xfrm>
-          <a:prstGeom prst="rect">
-            <a:avLst/>
-          </a:prstGeom>
-          <a:ln w="38100">
-            <a:solidFill>
-              <a:schemeClr val="tx1"/>
-            </a:solidFill>
-          </a:ln>
+          <a:xfrm rot="16200000">
+            <a:off x="-188679" y="4794788"/>
+            <a:ext cx="1857452" cy="218613"/>
+          </a:xfrm>
+          <a:prstGeom prst="rect">
+            <a:avLst/>
+          </a:prstGeom>
         </p:spPr>
         <p:style>
           <a:lnRef idx="2">
-            <a:schemeClr val="dk1"/>
+            <a:schemeClr val="accent6">
+              <a:shade val="50000"/>
+            </a:schemeClr>
           </a:lnRef>
           <a:fillRef idx="1">
-            <a:schemeClr val="lt1"/>
+            <a:schemeClr val="accent6"/>
           </a:fillRef>
           <a:effectRef idx="0">
-            <a:schemeClr val="dk1"/>
+            <a:schemeClr val="accent6"/>
           </a:effectRef>
           <a:fontRef idx="minor">
-            <a:schemeClr val="dk1"/>
+            <a:schemeClr val="lt1"/>
           </a:fontRef>
         </p:style>
         <p:txBody>
@@ -4637,46 +4668,847 @@
           <a:lstStyle/>
           <a:p>
             <a:pPr algn="ctr"/>
-            <a:r>
-              <a:rPr lang="en-US" altLang="ko-KR" sz="6000" dirty="0">
-                <a:ln w="0"/>
-                <a:solidFill>
-                  <a:schemeClr val="tx1"/>
-                </a:solidFill>
-                <a:effectLst>
-                  <a:outerShdw blurRad="38100" dist="19050" dir="2700000" algn="tl" rotWithShape="0">
-                    <a:schemeClr val="dk1">
-                      <a:alpha val="40000"/>
-                    </a:schemeClr>
-                  </a:outerShdw>
-                </a:effectLst>
+            <a:endParaRPr lang="ko-KR" altLang="en-US"/>
+          </a:p>
+        </p:txBody>
+      </p:sp>
+      <p:sp>
+        <p:nvSpPr>
+          <p:cNvPr id="9" name="타원 8">
+            <a:extLst>
+              <a:ext uri="{FF2B5EF4-FFF2-40B4-BE49-F238E27FC236}">
+                <a16:creationId xmlns:a16="http://schemas.microsoft.com/office/drawing/2014/main" id="{A9100468-4D6F-47DF-86AA-7D07064F2816}"/>
+              </a:ext>
+            </a:extLst>
+          </p:cNvPr>
+          <p:cNvSpPr/>
+          <p:nvPr/>
+        </p:nvSpPr>
+        <p:spPr>
+          <a:xfrm rot="16200000">
+            <a:off x="447530" y="5311515"/>
+            <a:ext cx="575144" cy="575144"/>
+          </a:xfrm>
+          <a:prstGeom prst="ellipse">
+            <a:avLst/>
+          </a:prstGeom>
+        </p:spPr>
+        <p:style>
+          <a:lnRef idx="2">
+            <a:schemeClr val="accent5">
+              <a:shade val="50000"/>
+            </a:schemeClr>
+          </a:lnRef>
+          <a:fillRef idx="1">
+            <a:schemeClr val="accent5"/>
+          </a:fillRef>
+          <a:effectRef idx="0">
+            <a:schemeClr val="accent5"/>
+          </a:effectRef>
+          <a:fontRef idx="minor">
+            <a:schemeClr val="lt1"/>
+          </a:fontRef>
+        </p:style>
+        <p:txBody>
+          <a:bodyPr rtlCol="0" anchor="ctr"/>
+          <a:lstStyle/>
+          <a:p>
+            <a:pPr algn="ctr"/>
+            <a:endParaRPr lang="ko-KR" altLang="en-US"/>
+          </a:p>
+        </p:txBody>
+      </p:sp>
+      <p:sp>
+        <p:nvSpPr>
+          <p:cNvPr id="13" name="타원 12">
+            <a:extLst>
+              <a:ext uri="{FF2B5EF4-FFF2-40B4-BE49-F238E27FC236}">
+                <a16:creationId xmlns:a16="http://schemas.microsoft.com/office/drawing/2014/main" id="{9E780785-362D-42CF-8D41-9EF18D3BADCC}"/>
+              </a:ext>
+            </a:extLst>
+          </p:cNvPr>
+          <p:cNvSpPr/>
+          <p:nvPr/>
+        </p:nvSpPr>
+        <p:spPr>
+          <a:xfrm rot="16200000">
+            <a:off x="447530" y="3793150"/>
+            <a:ext cx="575144" cy="575144"/>
+          </a:xfrm>
+          <a:prstGeom prst="ellipse">
+            <a:avLst/>
+          </a:prstGeom>
+        </p:spPr>
+        <p:style>
+          <a:lnRef idx="2">
+            <a:schemeClr val="accent5">
+              <a:shade val="50000"/>
+            </a:schemeClr>
+          </a:lnRef>
+          <a:fillRef idx="1">
+            <a:schemeClr val="accent5"/>
+          </a:fillRef>
+          <a:effectRef idx="0">
+            <a:schemeClr val="accent5"/>
+          </a:effectRef>
+          <a:fontRef idx="minor">
+            <a:schemeClr val="lt1"/>
+          </a:fontRef>
+        </p:style>
+        <p:txBody>
+          <a:bodyPr rtlCol="0" anchor="ctr"/>
+          <a:lstStyle/>
+          <a:p>
+            <a:pPr algn="ctr"/>
+            <a:endParaRPr lang="ko-KR" altLang="en-US"/>
+          </a:p>
+        </p:txBody>
+      </p:sp>
+      <p:sp>
+        <p:nvSpPr>
+          <p:cNvPr id="4" name="이등변 삼각형 3">
+            <a:extLst>
+              <a:ext uri="{FF2B5EF4-FFF2-40B4-BE49-F238E27FC236}">
+                <a16:creationId xmlns:a16="http://schemas.microsoft.com/office/drawing/2014/main" id="{1C11E833-35FF-4F60-9DD9-D8B78329160A}"/>
+              </a:ext>
+            </a:extLst>
+          </p:cNvPr>
+          <p:cNvSpPr/>
+          <p:nvPr/>
+        </p:nvSpPr>
+        <p:spPr>
+          <a:xfrm rot="10800000">
+            <a:off x="313464" y="3335151"/>
+            <a:ext cx="797668" cy="330740"/>
+          </a:xfrm>
+          <a:prstGeom prst="triangle">
+            <a:avLst/>
+          </a:prstGeom>
+        </p:spPr>
+        <p:style>
+          <a:lnRef idx="2">
+            <a:schemeClr val="accent3">
+              <a:shade val="50000"/>
+            </a:schemeClr>
+          </a:lnRef>
+          <a:fillRef idx="1">
+            <a:schemeClr val="accent3"/>
+          </a:fillRef>
+          <a:effectRef idx="0">
+            <a:schemeClr val="accent3"/>
+          </a:effectRef>
+          <a:fontRef idx="minor">
+            <a:schemeClr val="lt1"/>
+          </a:fontRef>
+        </p:style>
+        <p:txBody>
+          <a:bodyPr rtlCol="0" anchor="ctr"/>
+          <a:lstStyle/>
+          <a:p>
+            <a:pPr algn="ctr"/>
+            <a:endParaRPr lang="ko-KR" altLang="en-US"/>
+          </a:p>
+        </p:txBody>
+      </p:sp>
+      <p:sp>
+        <p:nvSpPr>
+          <p:cNvPr id="6" name="TextBox 5">
+            <a:extLst>
+              <a:ext uri="{FF2B5EF4-FFF2-40B4-BE49-F238E27FC236}">
+                <a16:creationId xmlns:a16="http://schemas.microsoft.com/office/drawing/2014/main" id="{7A4C9CFD-429D-417E-B232-FF3BA46C23E8}"/>
+              </a:ext>
+            </a:extLst>
+          </p:cNvPr>
+          <p:cNvSpPr txBox="1"/>
+          <p:nvPr/>
+        </p:nvSpPr>
+        <p:spPr>
+          <a:xfrm>
+            <a:off x="173528" y="2823102"/>
+            <a:ext cx="1077539" cy="523220"/>
+          </a:xfrm>
+          <a:prstGeom prst="rect">
+            <a:avLst/>
+          </a:prstGeom>
+          <a:noFill/>
+        </p:spPr>
+        <p:txBody>
+          <a:bodyPr wrap="none" rtlCol="0">
+            <a:spAutoFit/>
+          </a:bodyPr>
+          <a:lstStyle/>
+          <a:p>
+            <a:r>
+              <a:rPr lang="en-US" altLang="ko-KR" sz="2800" b="1" dirty="0"/>
+              <a:t>Head</a:t>
+            </a:r>
+            <a:endParaRPr lang="ko-KR" altLang="en-US" sz="2800" b="1" dirty="0"/>
+          </a:p>
+        </p:txBody>
+      </p:sp>
+      <p:sp>
+        <p:nvSpPr>
+          <p:cNvPr id="3" name="TextBox 2">
+            <a:extLst>
+              <a:ext uri="{FF2B5EF4-FFF2-40B4-BE49-F238E27FC236}">
+                <a16:creationId xmlns:a16="http://schemas.microsoft.com/office/drawing/2014/main" id="{F37E017C-3CDD-4EA4-99CD-7B0C66894A31}"/>
+              </a:ext>
+            </a:extLst>
+          </p:cNvPr>
+          <p:cNvSpPr txBox="1"/>
+          <p:nvPr/>
+        </p:nvSpPr>
+        <p:spPr>
+          <a:xfrm>
+            <a:off x="8862242" y="0"/>
+            <a:ext cx="3329758" cy="584775"/>
+          </a:xfrm>
+          <a:prstGeom prst="rect">
+            <a:avLst/>
+          </a:prstGeom>
+          <a:noFill/>
+        </p:spPr>
+        <p:txBody>
+          <a:bodyPr wrap="none" rtlCol="0">
+            <a:spAutoFit/>
+          </a:bodyPr>
+          <a:lstStyle/>
+          <a:p>
+            <a:r>
+              <a:rPr lang="ko-KR" altLang="en-US" sz="3200" dirty="0">
                 <a:latin typeface="HY강B" panose="02030600000101010101" pitchFamily="18" charset="-127"/>
                 <a:ea typeface="HY강B" panose="02030600000101010101" pitchFamily="18" charset="-127"/>
               </a:rPr>
-              <a:t>pull request</a:t>
-            </a:r>
-            <a:endParaRPr lang="ko-KR" altLang="en-US" sz="6000" dirty="0">
-              <a:ln w="0"/>
-              <a:solidFill>
-                <a:schemeClr val="tx1"/>
-              </a:solidFill>
-              <a:effectLst>
-                <a:outerShdw blurRad="38100" dist="19050" dir="2700000" algn="tl" rotWithShape="0">
-                  <a:schemeClr val="dk1">
-                    <a:alpha val="40000"/>
-                  </a:schemeClr>
-                </a:outerShdw>
-              </a:effectLst>
-              <a:latin typeface="HY강B" panose="02030600000101010101" pitchFamily="18" charset="-127"/>
-              <a:ea typeface="HY강B" panose="02030600000101010101" pitchFamily="18" charset="-127"/>
-            </a:endParaRPr>
+              <a:t>깃 허브 시나리오</a:t>
+            </a:r>
+          </a:p>
+        </p:txBody>
+      </p:sp>
+      <p:sp>
+        <p:nvSpPr>
+          <p:cNvPr id="8" name="TextBox 7">
+            <a:extLst>
+              <a:ext uri="{FF2B5EF4-FFF2-40B4-BE49-F238E27FC236}">
+                <a16:creationId xmlns:a16="http://schemas.microsoft.com/office/drawing/2014/main" id="{2795C85A-ACA3-426A-93BD-AA4524B8D7C7}"/>
+              </a:ext>
+            </a:extLst>
+          </p:cNvPr>
+          <p:cNvSpPr txBox="1"/>
+          <p:nvPr/>
+        </p:nvSpPr>
+        <p:spPr>
+          <a:xfrm>
+            <a:off x="6819078" y="6032100"/>
+            <a:ext cx="2682145" cy="523220"/>
+          </a:xfrm>
+          <a:prstGeom prst="rect">
+            <a:avLst/>
+          </a:prstGeom>
+          <a:noFill/>
+        </p:spPr>
+        <p:txBody>
+          <a:bodyPr wrap="none" rtlCol="0">
+            <a:spAutoFit/>
+          </a:bodyPr>
+          <a:lstStyle/>
+          <a:p>
+            <a:r>
+              <a:rPr lang="ko-KR" altLang="en-US" sz="2800" b="1" dirty="0"/>
+              <a:t>내 계정 </a:t>
+            </a:r>
+            <a:r>
+              <a:rPr lang="en-US" altLang="ko-KR" sz="2800" b="1" dirty="0"/>
+              <a:t>master</a:t>
+            </a:r>
+            <a:endParaRPr lang="ko-KR" altLang="en-US" sz="2800" b="1" dirty="0"/>
+          </a:p>
+        </p:txBody>
+      </p:sp>
+      <p:sp>
+        <p:nvSpPr>
+          <p:cNvPr id="16" name="직사각형 15">
+            <a:extLst>
+              <a:ext uri="{FF2B5EF4-FFF2-40B4-BE49-F238E27FC236}">
+                <a16:creationId xmlns:a16="http://schemas.microsoft.com/office/drawing/2014/main" id="{49B11666-2963-4224-B388-B2B90B851593}"/>
+              </a:ext>
+            </a:extLst>
+          </p:cNvPr>
+          <p:cNvSpPr/>
+          <p:nvPr/>
+        </p:nvSpPr>
+        <p:spPr>
+          <a:xfrm rot="16200000">
+            <a:off x="4981774" y="3391925"/>
+            <a:ext cx="4807645" cy="218613"/>
+          </a:xfrm>
+          <a:prstGeom prst="rect">
+            <a:avLst/>
+          </a:prstGeom>
+        </p:spPr>
+        <p:style>
+          <a:lnRef idx="2">
+            <a:schemeClr val="accent6">
+              <a:shade val="50000"/>
+            </a:schemeClr>
+          </a:lnRef>
+          <a:fillRef idx="1">
+            <a:schemeClr val="accent6"/>
+          </a:fillRef>
+          <a:effectRef idx="0">
+            <a:schemeClr val="accent6"/>
+          </a:effectRef>
+          <a:fontRef idx="minor">
+            <a:schemeClr val="lt1"/>
+          </a:fontRef>
+        </p:style>
+        <p:txBody>
+          <a:bodyPr rtlCol="0" anchor="ctr"/>
+          <a:lstStyle/>
+          <a:p>
+            <a:pPr algn="ctr"/>
+            <a:endParaRPr lang="ko-KR" altLang="en-US"/>
+          </a:p>
+        </p:txBody>
+      </p:sp>
+      <p:sp>
+        <p:nvSpPr>
+          <p:cNvPr id="22" name="타원 21">
+            <a:extLst>
+              <a:ext uri="{FF2B5EF4-FFF2-40B4-BE49-F238E27FC236}">
+                <a16:creationId xmlns:a16="http://schemas.microsoft.com/office/drawing/2014/main" id="{EB21442C-DB89-4E22-8D5E-63288BF79A85}"/>
+              </a:ext>
+            </a:extLst>
+          </p:cNvPr>
+          <p:cNvSpPr/>
+          <p:nvPr/>
+        </p:nvSpPr>
+        <p:spPr>
+          <a:xfrm rot="16200000">
+            <a:off x="7093080" y="5383747"/>
+            <a:ext cx="575144" cy="575144"/>
+          </a:xfrm>
+          <a:prstGeom prst="ellipse">
+            <a:avLst/>
+          </a:prstGeom>
+        </p:spPr>
+        <p:style>
+          <a:lnRef idx="2">
+            <a:schemeClr val="accent5">
+              <a:shade val="50000"/>
+            </a:schemeClr>
+          </a:lnRef>
+          <a:fillRef idx="1">
+            <a:schemeClr val="accent5"/>
+          </a:fillRef>
+          <a:effectRef idx="0">
+            <a:schemeClr val="accent5"/>
+          </a:effectRef>
+          <a:fontRef idx="minor">
+            <a:schemeClr val="lt1"/>
+          </a:fontRef>
+        </p:style>
+        <p:txBody>
+          <a:bodyPr rtlCol="0" anchor="ctr"/>
+          <a:lstStyle/>
+          <a:p>
+            <a:pPr algn="ctr"/>
+            <a:endParaRPr lang="ko-KR" altLang="en-US"/>
+          </a:p>
+        </p:txBody>
+      </p:sp>
+      <p:sp>
+        <p:nvSpPr>
+          <p:cNvPr id="24" name="타원 23">
+            <a:extLst>
+              <a:ext uri="{FF2B5EF4-FFF2-40B4-BE49-F238E27FC236}">
+                <a16:creationId xmlns:a16="http://schemas.microsoft.com/office/drawing/2014/main" id="{721EB4E6-B641-495E-B653-1A246275C7C8}"/>
+              </a:ext>
+            </a:extLst>
+          </p:cNvPr>
+          <p:cNvSpPr/>
+          <p:nvPr/>
+        </p:nvSpPr>
+        <p:spPr>
+          <a:xfrm rot="16200000">
+            <a:off x="7093080" y="3865382"/>
+            <a:ext cx="575144" cy="575144"/>
+          </a:xfrm>
+          <a:prstGeom prst="ellipse">
+            <a:avLst/>
+          </a:prstGeom>
+        </p:spPr>
+        <p:style>
+          <a:lnRef idx="2">
+            <a:schemeClr val="accent5">
+              <a:shade val="50000"/>
+            </a:schemeClr>
+          </a:lnRef>
+          <a:fillRef idx="1">
+            <a:schemeClr val="accent5"/>
+          </a:fillRef>
+          <a:effectRef idx="0">
+            <a:schemeClr val="accent5"/>
+          </a:effectRef>
+          <a:fontRef idx="minor">
+            <a:schemeClr val="lt1"/>
+          </a:fontRef>
+        </p:style>
+        <p:txBody>
+          <a:bodyPr rtlCol="0" anchor="ctr"/>
+          <a:lstStyle/>
+          <a:p>
+            <a:pPr algn="ctr"/>
+            <a:endParaRPr lang="ko-KR" altLang="en-US"/>
+          </a:p>
+        </p:txBody>
+      </p:sp>
+      <p:sp>
+        <p:nvSpPr>
+          <p:cNvPr id="26" name="타원 25">
+            <a:extLst>
+              <a:ext uri="{FF2B5EF4-FFF2-40B4-BE49-F238E27FC236}">
+                <a16:creationId xmlns:a16="http://schemas.microsoft.com/office/drawing/2014/main" id="{7E21E54A-D9BB-4EE0-964C-830FAF41F7DE}"/>
+              </a:ext>
+            </a:extLst>
+          </p:cNvPr>
+          <p:cNvSpPr/>
+          <p:nvPr/>
+        </p:nvSpPr>
+        <p:spPr>
+          <a:xfrm rot="16200000">
+            <a:off x="7091423" y="2342205"/>
+            <a:ext cx="575144" cy="575144"/>
+          </a:xfrm>
+          <a:prstGeom prst="ellipse">
+            <a:avLst/>
+          </a:prstGeom>
+        </p:spPr>
+        <p:style>
+          <a:lnRef idx="2">
+            <a:schemeClr val="accent5">
+              <a:shade val="50000"/>
+            </a:schemeClr>
+          </a:lnRef>
+          <a:fillRef idx="1">
+            <a:schemeClr val="accent5"/>
+          </a:fillRef>
+          <a:effectRef idx="0">
+            <a:schemeClr val="accent5"/>
+          </a:effectRef>
+          <a:fontRef idx="minor">
+            <a:schemeClr val="lt1"/>
+          </a:fontRef>
+        </p:style>
+        <p:txBody>
+          <a:bodyPr rtlCol="0" anchor="ctr"/>
+          <a:lstStyle/>
+          <a:p>
+            <a:pPr algn="ctr"/>
+            <a:endParaRPr lang="ko-KR" altLang="en-US"/>
+          </a:p>
+        </p:txBody>
+      </p:sp>
+      <p:sp>
+        <p:nvSpPr>
+          <p:cNvPr id="28" name="타원 27">
+            <a:extLst>
+              <a:ext uri="{FF2B5EF4-FFF2-40B4-BE49-F238E27FC236}">
+                <a16:creationId xmlns:a16="http://schemas.microsoft.com/office/drawing/2014/main" id="{AD1950D2-C6A2-4CC1-9542-2003ED3400CA}"/>
+              </a:ext>
+            </a:extLst>
+          </p:cNvPr>
+          <p:cNvSpPr/>
+          <p:nvPr/>
+        </p:nvSpPr>
+        <p:spPr>
+          <a:xfrm rot="16200000">
+            <a:off x="7091423" y="896626"/>
+            <a:ext cx="575144" cy="575144"/>
+          </a:xfrm>
+          <a:prstGeom prst="ellipse">
+            <a:avLst/>
+          </a:prstGeom>
+        </p:spPr>
+        <p:style>
+          <a:lnRef idx="2">
+            <a:schemeClr val="accent5">
+              <a:shade val="50000"/>
+            </a:schemeClr>
+          </a:lnRef>
+          <a:fillRef idx="1">
+            <a:schemeClr val="accent5"/>
+          </a:fillRef>
+          <a:effectRef idx="0">
+            <a:schemeClr val="accent5"/>
+          </a:effectRef>
+          <a:fontRef idx="minor">
+            <a:schemeClr val="lt1"/>
+          </a:fontRef>
+        </p:style>
+        <p:txBody>
+          <a:bodyPr rtlCol="0" anchor="ctr"/>
+          <a:lstStyle/>
+          <a:p>
+            <a:pPr algn="ctr"/>
+            <a:endParaRPr lang="ko-KR" altLang="en-US"/>
+          </a:p>
+        </p:txBody>
+      </p:sp>
+      <p:sp>
+        <p:nvSpPr>
+          <p:cNvPr id="36" name="이등변 삼각형 35">
+            <a:extLst>
+              <a:ext uri="{FF2B5EF4-FFF2-40B4-BE49-F238E27FC236}">
+                <a16:creationId xmlns:a16="http://schemas.microsoft.com/office/drawing/2014/main" id="{341CCE5B-1593-4BEB-A867-FC7CCAE56C14}"/>
+              </a:ext>
+            </a:extLst>
+          </p:cNvPr>
+          <p:cNvSpPr/>
+          <p:nvPr/>
+        </p:nvSpPr>
+        <p:spPr>
+          <a:xfrm rot="10800000">
+            <a:off x="6980161" y="512049"/>
+            <a:ext cx="797668" cy="330740"/>
+          </a:xfrm>
+          <a:prstGeom prst="triangle">
+            <a:avLst/>
+          </a:prstGeom>
+        </p:spPr>
+        <p:style>
+          <a:lnRef idx="2">
+            <a:schemeClr val="accent3">
+              <a:shade val="50000"/>
+            </a:schemeClr>
+          </a:lnRef>
+          <a:fillRef idx="1">
+            <a:schemeClr val="accent3"/>
+          </a:fillRef>
+          <a:effectRef idx="0">
+            <a:schemeClr val="accent3"/>
+          </a:effectRef>
+          <a:fontRef idx="minor">
+            <a:schemeClr val="lt1"/>
+          </a:fontRef>
+        </p:style>
+        <p:txBody>
+          <a:bodyPr rtlCol="0" anchor="ctr"/>
+          <a:lstStyle/>
+          <a:p>
+            <a:pPr algn="ctr"/>
+            <a:endParaRPr lang="ko-KR" altLang="en-US"/>
+          </a:p>
+        </p:txBody>
+      </p:sp>
+      <p:sp>
+        <p:nvSpPr>
+          <p:cNvPr id="38" name="TextBox 37">
+            <a:extLst>
+              <a:ext uri="{FF2B5EF4-FFF2-40B4-BE49-F238E27FC236}">
+                <a16:creationId xmlns:a16="http://schemas.microsoft.com/office/drawing/2014/main" id="{5411C6B3-6955-4EBE-A684-6236751F44DB}"/>
+              </a:ext>
+            </a:extLst>
+          </p:cNvPr>
+          <p:cNvSpPr txBox="1"/>
+          <p:nvPr/>
+        </p:nvSpPr>
+        <p:spPr>
+          <a:xfrm>
+            <a:off x="6840225" y="0"/>
+            <a:ext cx="1077539" cy="523220"/>
+          </a:xfrm>
+          <a:prstGeom prst="rect">
+            <a:avLst/>
+          </a:prstGeom>
+          <a:noFill/>
+        </p:spPr>
+        <p:txBody>
+          <a:bodyPr wrap="none" rtlCol="0">
+            <a:spAutoFit/>
+          </a:bodyPr>
+          <a:lstStyle/>
+          <a:p>
+            <a:r>
+              <a:rPr lang="en-US" altLang="ko-KR" sz="2800" b="1" dirty="0"/>
+              <a:t>Head</a:t>
+            </a:r>
+            <a:endParaRPr lang="ko-KR" altLang="en-US" sz="2800" b="1" dirty="0"/>
+          </a:p>
+        </p:txBody>
+      </p:sp>
+      <p:sp>
+        <p:nvSpPr>
+          <p:cNvPr id="43" name="TextBox 42">
+            <a:extLst>
+              <a:ext uri="{FF2B5EF4-FFF2-40B4-BE49-F238E27FC236}">
+                <a16:creationId xmlns:a16="http://schemas.microsoft.com/office/drawing/2014/main" id="{6D939F3D-245B-4051-989D-0C81F4153B43}"/>
+              </a:ext>
+            </a:extLst>
+          </p:cNvPr>
+          <p:cNvSpPr txBox="1"/>
+          <p:nvPr/>
+        </p:nvSpPr>
+        <p:spPr>
+          <a:xfrm>
+            <a:off x="7699402" y="5376346"/>
+            <a:ext cx="4289572" cy="461665"/>
+          </a:xfrm>
+          <a:prstGeom prst="rect">
+            <a:avLst/>
+          </a:prstGeom>
+          <a:noFill/>
+        </p:spPr>
+        <p:txBody>
+          <a:bodyPr wrap="none" rtlCol="0">
+            <a:spAutoFit/>
+          </a:bodyPr>
+          <a:lstStyle/>
+          <a:p>
+            <a:r>
+              <a:rPr lang="en-US" altLang="ko-KR" sz="2400" b="1" dirty="0"/>
+              <a:t>Commit1 : ReadMe.md </a:t>
+            </a:r>
+            <a:r>
+              <a:rPr lang="ko-KR" altLang="en-US" sz="2400" b="1" dirty="0"/>
+              <a:t>추가</a:t>
+            </a:r>
+            <a:endParaRPr lang="en-US" altLang="ko-KR" sz="2400" b="1" dirty="0"/>
+          </a:p>
+        </p:txBody>
+      </p:sp>
+      <p:sp>
+        <p:nvSpPr>
+          <p:cNvPr id="45" name="TextBox 44">
+            <a:extLst>
+              <a:ext uri="{FF2B5EF4-FFF2-40B4-BE49-F238E27FC236}">
+                <a16:creationId xmlns:a16="http://schemas.microsoft.com/office/drawing/2014/main" id="{583390A0-6F60-453D-B28F-D122CAA90AA0}"/>
+              </a:ext>
+            </a:extLst>
+          </p:cNvPr>
+          <p:cNvSpPr txBox="1"/>
+          <p:nvPr/>
+        </p:nvSpPr>
+        <p:spPr>
+          <a:xfrm>
+            <a:off x="7699402" y="3885856"/>
+            <a:ext cx="3693640" cy="461665"/>
+          </a:xfrm>
+          <a:prstGeom prst="rect">
+            <a:avLst/>
+          </a:prstGeom>
+          <a:noFill/>
+        </p:spPr>
+        <p:txBody>
+          <a:bodyPr wrap="none" rtlCol="0">
+            <a:spAutoFit/>
+          </a:bodyPr>
+          <a:lstStyle/>
+          <a:p>
+            <a:r>
+              <a:rPr lang="en-US" altLang="ko-KR" sz="2400" b="1" dirty="0"/>
+              <a:t>Commit2 : </a:t>
+            </a:r>
+            <a:r>
+              <a:rPr lang="en-US" altLang="ko-KR" sz="2400" b="1" dirty="0" err="1"/>
+              <a:t>out.php</a:t>
+            </a:r>
+            <a:r>
+              <a:rPr lang="en-US" altLang="ko-KR" sz="2400" b="1" dirty="0"/>
+              <a:t> </a:t>
+            </a:r>
+            <a:r>
+              <a:rPr lang="ko-KR" altLang="en-US" sz="2400" b="1" dirty="0"/>
+              <a:t>추가</a:t>
+            </a:r>
+          </a:p>
+        </p:txBody>
+      </p:sp>
+      <p:sp>
+        <p:nvSpPr>
+          <p:cNvPr id="47" name="TextBox 46">
+            <a:extLst>
+              <a:ext uri="{FF2B5EF4-FFF2-40B4-BE49-F238E27FC236}">
+                <a16:creationId xmlns:a16="http://schemas.microsoft.com/office/drawing/2014/main" id="{8ABD868D-68F2-4079-A56C-5444C6F9A225}"/>
+              </a:ext>
+            </a:extLst>
+          </p:cNvPr>
+          <p:cNvSpPr txBox="1"/>
+          <p:nvPr/>
+        </p:nvSpPr>
+        <p:spPr>
+          <a:xfrm>
+            <a:off x="7699402" y="2388641"/>
+            <a:ext cx="3469219" cy="461665"/>
+          </a:xfrm>
+          <a:prstGeom prst="rect">
+            <a:avLst/>
+          </a:prstGeom>
+          <a:noFill/>
+        </p:spPr>
+        <p:txBody>
+          <a:bodyPr wrap="none" rtlCol="0">
+            <a:spAutoFit/>
+          </a:bodyPr>
+          <a:lstStyle/>
+          <a:p>
+            <a:r>
+              <a:rPr lang="en-US" altLang="ko-KR" sz="2400" b="1" dirty="0"/>
+              <a:t>Commit3 : </a:t>
+            </a:r>
+            <a:r>
+              <a:rPr lang="en-US" altLang="ko-KR" sz="2400" b="1" dirty="0" err="1"/>
+              <a:t>in.php</a:t>
+            </a:r>
+            <a:r>
+              <a:rPr lang="en-US" altLang="ko-KR" sz="2400" b="1" dirty="0"/>
+              <a:t> </a:t>
+            </a:r>
+            <a:r>
+              <a:rPr lang="ko-KR" altLang="en-US" sz="2400" b="1" dirty="0"/>
+              <a:t>추가</a:t>
+            </a:r>
+          </a:p>
+        </p:txBody>
+      </p:sp>
+      <p:sp>
+        <p:nvSpPr>
+          <p:cNvPr id="49" name="TextBox 48">
+            <a:extLst>
+              <a:ext uri="{FF2B5EF4-FFF2-40B4-BE49-F238E27FC236}">
+                <a16:creationId xmlns:a16="http://schemas.microsoft.com/office/drawing/2014/main" id="{0436152F-5D9D-45A9-B61D-EDE09E05E09B}"/>
+              </a:ext>
+            </a:extLst>
+          </p:cNvPr>
+          <p:cNvSpPr txBox="1"/>
+          <p:nvPr/>
+        </p:nvSpPr>
+        <p:spPr>
+          <a:xfrm>
+            <a:off x="7699402" y="943062"/>
+            <a:ext cx="4084773" cy="461665"/>
+          </a:xfrm>
+          <a:prstGeom prst="rect">
+            <a:avLst/>
+          </a:prstGeom>
+          <a:noFill/>
+        </p:spPr>
+        <p:txBody>
+          <a:bodyPr wrap="none" rtlCol="0">
+            <a:spAutoFit/>
+          </a:bodyPr>
+          <a:lstStyle/>
+          <a:p>
+            <a:r>
+              <a:rPr lang="en-US" altLang="ko-KR" sz="2400" b="1" dirty="0"/>
+              <a:t>Commit4 : </a:t>
+            </a:r>
+            <a:r>
+              <a:rPr lang="en-US" altLang="ko-KR" sz="2400" b="1" dirty="0" err="1"/>
+              <a:t>in.php</a:t>
+            </a:r>
+            <a:r>
+              <a:rPr lang="en-US" altLang="ko-KR" sz="2400" b="1" dirty="0"/>
+              <a:t> </a:t>
+            </a:r>
+            <a:r>
+              <a:rPr lang="ko-KR" altLang="en-US" sz="2400" b="1" dirty="0" err="1"/>
+              <a:t>버그픽스</a:t>
+            </a:r>
+            <a:endParaRPr lang="ko-KR" altLang="en-US" sz="2400" b="1" dirty="0"/>
+          </a:p>
+        </p:txBody>
+      </p:sp>
+      <p:sp>
+        <p:nvSpPr>
+          <p:cNvPr id="51" name="TextBox 50">
+            <a:extLst>
+              <a:ext uri="{FF2B5EF4-FFF2-40B4-BE49-F238E27FC236}">
+                <a16:creationId xmlns:a16="http://schemas.microsoft.com/office/drawing/2014/main" id="{06975CA0-63F3-4B42-8B32-722DB3BAF3FD}"/>
+              </a:ext>
+            </a:extLst>
+          </p:cNvPr>
+          <p:cNvSpPr txBox="1"/>
+          <p:nvPr/>
+        </p:nvSpPr>
+        <p:spPr>
+          <a:xfrm>
+            <a:off x="1053852" y="5299860"/>
+            <a:ext cx="4289572" cy="461665"/>
+          </a:xfrm>
+          <a:prstGeom prst="rect">
+            <a:avLst/>
+          </a:prstGeom>
+          <a:noFill/>
+        </p:spPr>
+        <p:txBody>
+          <a:bodyPr wrap="none" rtlCol="0">
+            <a:spAutoFit/>
+          </a:bodyPr>
+          <a:lstStyle/>
+          <a:p>
+            <a:r>
+              <a:rPr lang="en-US" altLang="ko-KR" sz="2400" b="1" dirty="0"/>
+              <a:t>Commit1 : ReadMe.md </a:t>
+            </a:r>
+            <a:r>
+              <a:rPr lang="ko-KR" altLang="en-US" sz="2400" b="1" dirty="0"/>
+              <a:t>추가</a:t>
+            </a:r>
+            <a:endParaRPr lang="en-US" altLang="ko-KR" sz="2400" b="1" dirty="0"/>
+          </a:p>
+        </p:txBody>
+      </p:sp>
+      <p:sp>
+        <p:nvSpPr>
+          <p:cNvPr id="53" name="TextBox 52">
+            <a:extLst>
+              <a:ext uri="{FF2B5EF4-FFF2-40B4-BE49-F238E27FC236}">
+                <a16:creationId xmlns:a16="http://schemas.microsoft.com/office/drawing/2014/main" id="{882C92F5-1052-4C8D-8E7B-A94E9F1035CD}"/>
+              </a:ext>
+            </a:extLst>
+          </p:cNvPr>
+          <p:cNvSpPr txBox="1"/>
+          <p:nvPr/>
+        </p:nvSpPr>
+        <p:spPr>
+          <a:xfrm>
+            <a:off x="1053852" y="3809370"/>
+            <a:ext cx="3693640" cy="461665"/>
+          </a:xfrm>
+          <a:prstGeom prst="rect">
+            <a:avLst/>
+          </a:prstGeom>
+          <a:noFill/>
+        </p:spPr>
+        <p:txBody>
+          <a:bodyPr wrap="none" rtlCol="0">
+            <a:spAutoFit/>
+          </a:bodyPr>
+          <a:lstStyle/>
+          <a:p>
+            <a:r>
+              <a:rPr lang="en-US" altLang="ko-KR" sz="2400" b="1" dirty="0"/>
+              <a:t>Commit2 : </a:t>
+            </a:r>
+            <a:r>
+              <a:rPr lang="en-US" altLang="ko-KR" sz="2400" b="1" dirty="0" err="1"/>
+              <a:t>out.php</a:t>
+            </a:r>
+            <a:r>
+              <a:rPr lang="en-US" altLang="ko-KR" sz="2400" b="1" dirty="0"/>
+              <a:t> </a:t>
+            </a:r>
+            <a:r>
+              <a:rPr lang="ko-KR" altLang="en-US" sz="2400" b="1" dirty="0"/>
+              <a:t>추가</a:t>
+            </a:r>
           </a:p>
         </p:txBody>
       </p:sp>
     </p:spTree>
     <p:extLst>
       <p:ext uri="{BB962C8B-B14F-4D97-AF65-F5344CB8AC3E}">
-        <p14:creationId xmlns:p14="http://schemas.microsoft.com/office/powerpoint/2010/main" val="162391686"/>
+        <p14:creationId xmlns:p14="http://schemas.microsoft.com/office/powerpoint/2010/main" val="2355098415"/>
       </p:ext>
     </p:extLst>
   </p:cSld>
@@ -4717,7 +5549,7 @@
         </p:nvSpPr>
         <p:spPr>
           <a:xfrm>
-            <a:off x="152849" y="5958891"/>
+            <a:off x="173528" y="5959868"/>
             <a:ext cx="2196435" cy="523220"/>
           </a:xfrm>
           <a:prstGeom prst="rect">
@@ -5622,10 +6454,144 @@
           </a:p>
         </p:txBody>
       </p:sp>
+      <p:sp>
+        <p:nvSpPr>
+          <p:cNvPr id="2" name="직사각형 1">
+            <a:extLst>
+              <a:ext uri="{FF2B5EF4-FFF2-40B4-BE49-F238E27FC236}">
+                <a16:creationId xmlns:a16="http://schemas.microsoft.com/office/drawing/2014/main" id="{DB0994F3-789C-4E27-B275-C027E4CE3CA0}"/>
+              </a:ext>
+            </a:extLst>
+          </p:cNvPr>
+          <p:cNvSpPr/>
+          <p:nvPr/>
+        </p:nvSpPr>
+        <p:spPr>
+          <a:xfrm rot="20326753">
+            <a:off x="2251581" y="2147177"/>
+            <a:ext cx="4668731" cy="220493"/>
+          </a:xfrm>
+          <a:prstGeom prst="rect">
+            <a:avLst/>
+          </a:prstGeom>
+        </p:spPr>
+        <p:style>
+          <a:lnRef idx="2">
+            <a:schemeClr val="accent2">
+              <a:shade val="50000"/>
+            </a:schemeClr>
+          </a:lnRef>
+          <a:fillRef idx="1">
+            <a:schemeClr val="accent2"/>
+          </a:fillRef>
+          <a:effectRef idx="0">
+            <a:schemeClr val="accent2"/>
+          </a:effectRef>
+          <a:fontRef idx="minor">
+            <a:schemeClr val="lt1"/>
+          </a:fontRef>
+        </p:style>
+        <p:txBody>
+          <a:bodyPr rtlCol="0" anchor="ctr"/>
+          <a:lstStyle/>
+          <a:p>
+            <a:pPr algn="ctr"/>
+            <a:endParaRPr lang="ko-KR" altLang="en-US"/>
+          </a:p>
+        </p:txBody>
+      </p:sp>
+      <p:sp>
+        <p:nvSpPr>
+          <p:cNvPr id="10" name="TextBox 9">
+            <a:extLst>
+              <a:ext uri="{FF2B5EF4-FFF2-40B4-BE49-F238E27FC236}">
+                <a16:creationId xmlns:a16="http://schemas.microsoft.com/office/drawing/2014/main" id="{57DDD4B4-E3EB-4C3D-AA58-53774B342AA7}"/>
+              </a:ext>
+            </a:extLst>
+          </p:cNvPr>
+          <p:cNvSpPr txBox="1"/>
+          <p:nvPr/>
+        </p:nvSpPr>
+        <p:spPr>
+          <a:xfrm rot="20266304">
+            <a:off x="3723936" y="2206197"/>
+            <a:ext cx="2741456" cy="707886"/>
+          </a:xfrm>
+          <a:prstGeom prst="rect">
+            <a:avLst/>
+          </a:prstGeom>
+          <a:noFill/>
+        </p:spPr>
+        <p:txBody>
+          <a:bodyPr wrap="none" rtlCol="0">
+            <a:spAutoFit/>
+          </a:bodyPr>
+          <a:lstStyle/>
+          <a:p>
+            <a:r>
+              <a:rPr lang="en-US" altLang="ko-KR" sz="4000" dirty="0">
+                <a:latin typeface="HY강B" panose="02030600000101010101" pitchFamily="18" charset="-127"/>
+                <a:ea typeface="HY강B" panose="02030600000101010101" pitchFamily="18" charset="-127"/>
+              </a:rPr>
+              <a:t>Pull request</a:t>
+            </a:r>
+            <a:endParaRPr lang="ko-KR" altLang="en-US" sz="4000" dirty="0">
+              <a:latin typeface="HY강B" panose="02030600000101010101" pitchFamily="18" charset="-127"/>
+              <a:ea typeface="HY강B" panose="02030600000101010101" pitchFamily="18" charset="-127"/>
+            </a:endParaRPr>
+          </a:p>
+        </p:txBody>
+      </p:sp>
+      <p:sp>
+        <p:nvSpPr>
+          <p:cNvPr id="11" name="이등변 삼각형 10">
+            <a:extLst>
+              <a:ext uri="{FF2B5EF4-FFF2-40B4-BE49-F238E27FC236}">
+                <a16:creationId xmlns:a16="http://schemas.microsoft.com/office/drawing/2014/main" id="{D49DFBB5-866B-4FF8-872B-90AE79AD40BE}"/>
+              </a:ext>
+            </a:extLst>
+          </p:cNvPr>
+          <p:cNvSpPr/>
+          <p:nvPr/>
+        </p:nvSpPr>
+        <p:spPr>
+          <a:xfrm rot="14783781">
+            <a:off x="2042103" y="2836049"/>
+            <a:ext cx="590047" cy="572503"/>
+          </a:xfrm>
+          <a:prstGeom prst="triangle">
+            <a:avLst/>
+          </a:prstGeom>
+        </p:spPr>
+        <p:style>
+          <a:lnRef idx="2">
+            <a:schemeClr val="accent2">
+              <a:shade val="50000"/>
+            </a:schemeClr>
+          </a:lnRef>
+          <a:fillRef idx="1">
+            <a:schemeClr val="accent2"/>
+          </a:fillRef>
+          <a:effectRef idx="0">
+            <a:schemeClr val="accent2"/>
+          </a:effectRef>
+          <a:fontRef idx="minor">
+            <a:schemeClr val="lt1"/>
+          </a:fontRef>
+        </p:style>
+        <p:txBody>
+          <a:bodyPr rtlCol="0" anchor="ctr"/>
+          <a:lstStyle/>
+          <a:p>
+            <a:pPr algn="ctr"/>
+            <a:endParaRPr lang="ko-KR" altLang="en-US"/>
+          </a:p>
+        </p:txBody>
+      </p:sp>
     </p:spTree>
     <p:extLst>
       <p:ext uri="{BB962C8B-B14F-4D97-AF65-F5344CB8AC3E}">
-        <p14:creationId xmlns:p14="http://schemas.microsoft.com/office/powerpoint/2010/main" val="2355098415"/>
+        <p14:creationId xmlns:p14="http://schemas.microsoft.com/office/powerpoint/2010/main" val="1396088159"/>
       </p:ext>
     </p:extLst>
   </p:cSld>
@@ -6705,10 +7671,65 @@
           </a:p>
         </p:txBody>
       </p:sp>
+      <p:sp>
+        <p:nvSpPr>
+          <p:cNvPr id="12" name="TextBox 11">
+            <a:extLst>
+              <a:ext uri="{FF2B5EF4-FFF2-40B4-BE49-F238E27FC236}">
+                <a16:creationId xmlns:a16="http://schemas.microsoft.com/office/drawing/2014/main" id="{103FA785-C1D9-49B4-982B-AFFAC50E820C}"/>
+              </a:ext>
+            </a:extLst>
+          </p:cNvPr>
+          <p:cNvSpPr txBox="1"/>
+          <p:nvPr/>
+        </p:nvSpPr>
+        <p:spPr>
+          <a:xfrm>
+            <a:off x="1744424" y="1007588"/>
+            <a:ext cx="3605474" cy="1323439"/>
+          </a:xfrm>
+          <a:prstGeom prst="rect">
+            <a:avLst/>
+          </a:prstGeom>
+          <a:noFill/>
+        </p:spPr>
+        <p:txBody>
+          <a:bodyPr wrap="none" rtlCol="0">
+            <a:spAutoFit/>
+          </a:bodyPr>
+          <a:lstStyle/>
+          <a:p>
+            <a:r>
+              <a:rPr lang="ko-KR" altLang="en-US" sz="4000" dirty="0">
+                <a:latin typeface="HY강B" panose="02030600000101010101" pitchFamily="18" charset="-127"/>
+                <a:ea typeface="HY강B" panose="02030600000101010101" pitchFamily="18" charset="-127"/>
+              </a:rPr>
+              <a:t>원본 관리자가 </a:t>
+            </a:r>
+            <a:endParaRPr lang="en-US" altLang="ko-KR" sz="4000" dirty="0">
+              <a:latin typeface="HY강B" panose="02030600000101010101" pitchFamily="18" charset="-127"/>
+              <a:ea typeface="HY강B" panose="02030600000101010101" pitchFamily="18" charset="-127"/>
+            </a:endParaRPr>
+          </a:p>
+          <a:p>
+            <a:r>
+              <a:rPr lang="en-US" altLang="ko-KR" sz="4000" dirty="0">
+                <a:latin typeface="HY강B" panose="02030600000101010101" pitchFamily="18" charset="-127"/>
+                <a:ea typeface="HY강B" panose="02030600000101010101" pitchFamily="18" charset="-127"/>
+              </a:rPr>
+              <a:t>merge</a:t>
+            </a:r>
+            <a:endParaRPr lang="ko-KR" altLang="en-US" sz="4000" dirty="0">
+              <a:latin typeface="HY강B" panose="02030600000101010101" pitchFamily="18" charset="-127"/>
+              <a:ea typeface="HY강B" panose="02030600000101010101" pitchFamily="18" charset="-127"/>
+            </a:endParaRPr>
+          </a:p>
+        </p:txBody>
+      </p:sp>
     </p:spTree>
     <p:extLst>
       <p:ext uri="{BB962C8B-B14F-4D97-AF65-F5344CB8AC3E}">
-        <p14:creationId xmlns:p14="http://schemas.microsoft.com/office/powerpoint/2010/main" val="1396088159"/>
+        <p14:creationId xmlns:p14="http://schemas.microsoft.com/office/powerpoint/2010/main" val="2019468387"/>
       </p:ext>
     </p:extLst>
   </p:cSld>
@@ -6789,8 +7810,8 @@
         </p:nvSpPr>
         <p:spPr>
           <a:xfrm rot="16200000">
-            <a:off x="-188679" y="4794788"/>
-            <a:ext cx="1857452" cy="218613"/>
+            <a:off x="-902039" y="4081427"/>
+            <a:ext cx="3284174" cy="218613"/>
           </a:xfrm>
           <a:prstGeom prst="rect">
             <a:avLst/>
@@ -6927,7 +7948,7 @@
         </p:nvSpPr>
         <p:spPr>
           <a:xfrm rot="10800000">
-            <a:off x="313464" y="3335151"/>
+            <a:off x="313464" y="1747775"/>
             <a:ext cx="797668" cy="330740"/>
           </a:xfrm>
           <a:prstGeom prst="triangle">
@@ -6973,7 +7994,7 @@
         </p:nvSpPr>
         <p:spPr>
           <a:xfrm>
-            <a:off x="173528" y="2823102"/>
+            <a:off x="173528" y="1235726"/>
             <a:ext cx="1077539" cy="523220"/>
           </a:xfrm>
           <a:prstGeom prst="rect">
@@ -7656,10 +8677,10 @@
       </p:sp>
       <p:sp>
         <p:nvSpPr>
-          <p:cNvPr id="2" name="직사각형 1">
-            <a:extLst>
-              <a:ext uri="{FF2B5EF4-FFF2-40B4-BE49-F238E27FC236}">
-                <a16:creationId xmlns:a16="http://schemas.microsoft.com/office/drawing/2014/main" id="{DB0994F3-789C-4E27-B275-C027E4CE3CA0}"/>
+          <p:cNvPr id="12" name="타원 11">
+            <a:extLst>
+              <a:ext uri="{FF2B5EF4-FFF2-40B4-BE49-F238E27FC236}">
+                <a16:creationId xmlns:a16="http://schemas.microsoft.com/office/drawing/2014/main" id="{49A5EEED-2A55-442E-A8A3-6E985851197C}"/>
               </a:ext>
             </a:extLst>
           </p:cNvPr>
@@ -7667,313 +8688,8 @@
           <p:nvPr/>
         </p:nvSpPr>
         <p:spPr>
-          <a:xfrm rot="20326753">
-            <a:off x="2251581" y="2147177"/>
-            <a:ext cx="4668731" cy="220493"/>
-          </a:xfrm>
-          <a:prstGeom prst="rect">
-            <a:avLst/>
-          </a:prstGeom>
-        </p:spPr>
-        <p:style>
-          <a:lnRef idx="2">
-            <a:schemeClr val="accent2">
-              <a:shade val="50000"/>
-            </a:schemeClr>
-          </a:lnRef>
-          <a:fillRef idx="1">
-            <a:schemeClr val="accent2"/>
-          </a:fillRef>
-          <a:effectRef idx="0">
-            <a:schemeClr val="accent2"/>
-          </a:effectRef>
-          <a:fontRef idx="minor">
-            <a:schemeClr val="lt1"/>
-          </a:fontRef>
-        </p:style>
-        <p:txBody>
-          <a:bodyPr rtlCol="0" anchor="ctr"/>
-          <a:lstStyle/>
-          <a:p>
-            <a:pPr algn="ctr"/>
-            <a:endParaRPr lang="ko-KR" altLang="en-US"/>
-          </a:p>
-        </p:txBody>
-      </p:sp>
-      <p:sp>
-        <p:nvSpPr>
-          <p:cNvPr id="10" name="TextBox 9">
-            <a:extLst>
-              <a:ext uri="{FF2B5EF4-FFF2-40B4-BE49-F238E27FC236}">
-                <a16:creationId xmlns:a16="http://schemas.microsoft.com/office/drawing/2014/main" id="{57DDD4B4-E3EB-4C3D-AA58-53774B342AA7}"/>
-              </a:ext>
-            </a:extLst>
-          </p:cNvPr>
-          <p:cNvSpPr txBox="1"/>
-          <p:nvPr/>
-        </p:nvSpPr>
-        <p:spPr>
-          <a:xfrm rot="20266304">
-            <a:off x="3723936" y="2206197"/>
-            <a:ext cx="2741456" cy="707886"/>
-          </a:xfrm>
-          <a:prstGeom prst="rect">
-            <a:avLst/>
-          </a:prstGeom>
-          <a:noFill/>
-        </p:spPr>
-        <p:txBody>
-          <a:bodyPr wrap="none" rtlCol="0">
-            <a:spAutoFit/>
-          </a:bodyPr>
-          <a:lstStyle/>
-          <a:p>
-            <a:r>
-              <a:rPr lang="en-US" altLang="ko-KR" sz="4000" dirty="0">
-                <a:latin typeface="HY강B" panose="02030600000101010101" pitchFamily="18" charset="-127"/>
-                <a:ea typeface="HY강B" panose="02030600000101010101" pitchFamily="18" charset="-127"/>
-              </a:rPr>
-              <a:t>Pull request</a:t>
-            </a:r>
-            <a:endParaRPr lang="ko-KR" altLang="en-US" sz="4000" dirty="0">
-              <a:latin typeface="HY강B" panose="02030600000101010101" pitchFamily="18" charset="-127"/>
-              <a:ea typeface="HY강B" panose="02030600000101010101" pitchFamily="18" charset="-127"/>
-            </a:endParaRPr>
-          </a:p>
-        </p:txBody>
-      </p:sp>
-      <p:sp>
-        <p:nvSpPr>
-          <p:cNvPr id="11" name="이등변 삼각형 10">
-            <a:extLst>
-              <a:ext uri="{FF2B5EF4-FFF2-40B4-BE49-F238E27FC236}">
-                <a16:creationId xmlns:a16="http://schemas.microsoft.com/office/drawing/2014/main" id="{D49DFBB5-866B-4FF8-872B-90AE79AD40BE}"/>
-              </a:ext>
-            </a:extLst>
-          </p:cNvPr>
-          <p:cNvSpPr/>
-          <p:nvPr/>
-        </p:nvSpPr>
-        <p:spPr>
-          <a:xfrm rot="14783781">
-            <a:off x="2042103" y="2836049"/>
-            <a:ext cx="590047" cy="572503"/>
-          </a:xfrm>
-          <a:prstGeom prst="triangle">
-            <a:avLst/>
-          </a:prstGeom>
-        </p:spPr>
-        <p:style>
-          <a:lnRef idx="2">
-            <a:schemeClr val="accent2">
-              <a:shade val="50000"/>
-            </a:schemeClr>
-          </a:lnRef>
-          <a:fillRef idx="1">
-            <a:schemeClr val="accent2"/>
-          </a:fillRef>
-          <a:effectRef idx="0">
-            <a:schemeClr val="accent2"/>
-          </a:effectRef>
-          <a:fontRef idx="minor">
-            <a:schemeClr val="lt1"/>
-          </a:fontRef>
-        </p:style>
-        <p:txBody>
-          <a:bodyPr rtlCol="0" anchor="ctr"/>
-          <a:lstStyle/>
-          <a:p>
-            <a:pPr algn="ctr"/>
-            <a:endParaRPr lang="ko-KR" altLang="en-US"/>
-          </a:p>
-        </p:txBody>
-      </p:sp>
-      <p:sp>
-        <p:nvSpPr>
-          <p:cNvPr id="12" name="TextBox 11">
-            <a:extLst>
-              <a:ext uri="{FF2B5EF4-FFF2-40B4-BE49-F238E27FC236}">
-                <a16:creationId xmlns:a16="http://schemas.microsoft.com/office/drawing/2014/main" id="{103FA785-C1D9-49B4-982B-AFFAC50E820C}"/>
-              </a:ext>
-            </a:extLst>
-          </p:cNvPr>
-          <p:cNvSpPr txBox="1"/>
-          <p:nvPr/>
-        </p:nvSpPr>
-        <p:spPr>
-          <a:xfrm>
-            <a:off x="1744424" y="1007588"/>
-            <a:ext cx="3605474" cy="1323439"/>
-          </a:xfrm>
-          <a:prstGeom prst="rect">
-            <a:avLst/>
-          </a:prstGeom>
-          <a:noFill/>
-        </p:spPr>
-        <p:txBody>
-          <a:bodyPr wrap="none" rtlCol="0">
-            <a:spAutoFit/>
-          </a:bodyPr>
-          <a:lstStyle/>
-          <a:p>
-            <a:r>
-              <a:rPr lang="ko-KR" altLang="en-US" sz="4000" dirty="0">
-                <a:latin typeface="HY강B" panose="02030600000101010101" pitchFamily="18" charset="-127"/>
-                <a:ea typeface="HY강B" panose="02030600000101010101" pitchFamily="18" charset="-127"/>
-              </a:rPr>
-              <a:t>원본 관리자가 </a:t>
-            </a:r>
-            <a:endParaRPr lang="en-US" altLang="ko-KR" sz="4000" dirty="0">
-              <a:latin typeface="HY강B" panose="02030600000101010101" pitchFamily="18" charset="-127"/>
-              <a:ea typeface="HY강B" panose="02030600000101010101" pitchFamily="18" charset="-127"/>
-            </a:endParaRPr>
-          </a:p>
-          <a:p>
-            <a:r>
-              <a:rPr lang="en-US" altLang="ko-KR" sz="4000" dirty="0">
-                <a:latin typeface="HY강B" panose="02030600000101010101" pitchFamily="18" charset="-127"/>
-                <a:ea typeface="HY강B" panose="02030600000101010101" pitchFamily="18" charset="-127"/>
-              </a:rPr>
-              <a:t>merge</a:t>
-            </a:r>
-            <a:endParaRPr lang="ko-KR" altLang="en-US" sz="4000" dirty="0">
-              <a:latin typeface="HY강B" panose="02030600000101010101" pitchFamily="18" charset="-127"/>
-              <a:ea typeface="HY강B" panose="02030600000101010101" pitchFamily="18" charset="-127"/>
-            </a:endParaRPr>
-          </a:p>
-        </p:txBody>
-      </p:sp>
-    </p:spTree>
-    <p:extLst>
-      <p:ext uri="{BB962C8B-B14F-4D97-AF65-F5344CB8AC3E}">
-        <p14:creationId xmlns:p14="http://schemas.microsoft.com/office/powerpoint/2010/main" val="2019468387"/>
-      </p:ext>
-    </p:extLst>
-  </p:cSld>
-  <p:clrMapOvr>
-    <a:masterClrMapping/>
-  </p:clrMapOvr>
-</p:sld>
-</file>
-
-<file path=ppt/slides/slide16.xml><?xml version="1.0" encoding="utf-8"?>
-<p:sld xmlns:a="http://schemas.openxmlformats.org/drawingml/2006/main" xmlns:r="http://schemas.openxmlformats.org/officeDocument/2006/relationships" xmlns:p="http://schemas.openxmlformats.org/presentationml/2006/main">
-  <p:cSld>
-    <p:spTree>
-      <p:nvGrpSpPr>
-        <p:cNvPr id="1" name=""/>
-        <p:cNvGrpSpPr/>
-        <p:nvPr/>
-      </p:nvGrpSpPr>
-      <p:grpSpPr>
-        <a:xfrm>
-          <a:off x="0" y="0"/>
-          <a:ext cx="0" cy="0"/>
-          <a:chOff x="0" y="0"/>
-          <a:chExt cx="0" cy="0"/>
-        </a:xfrm>
-      </p:grpSpPr>
-      <p:sp>
-        <p:nvSpPr>
-          <p:cNvPr id="7" name="TextBox 6">
-            <a:extLst>
-              <a:ext uri="{FF2B5EF4-FFF2-40B4-BE49-F238E27FC236}">
-                <a16:creationId xmlns:a16="http://schemas.microsoft.com/office/drawing/2014/main" id="{B9AE017A-619D-463E-A2AB-55343272BAD7}"/>
-              </a:ext>
-            </a:extLst>
-          </p:cNvPr>
-          <p:cNvSpPr txBox="1"/>
-          <p:nvPr/>
-        </p:nvSpPr>
-        <p:spPr>
-          <a:xfrm>
-            <a:off x="173528" y="5959868"/>
-            <a:ext cx="2196435" cy="523220"/>
-          </a:xfrm>
-          <a:prstGeom prst="rect">
-            <a:avLst/>
-          </a:prstGeom>
-          <a:noFill/>
-        </p:spPr>
-        <p:txBody>
-          <a:bodyPr wrap="none" rtlCol="0">
-            <a:spAutoFit/>
-          </a:bodyPr>
-          <a:lstStyle/>
-          <a:p>
-            <a:r>
-              <a:rPr lang="ko-KR" altLang="en-US" sz="2800" b="1" dirty="0"/>
-              <a:t>원본 </a:t>
-            </a:r>
-            <a:r>
-              <a:rPr lang="en-US" altLang="ko-KR" sz="2800" b="1" dirty="0"/>
-              <a:t>master</a:t>
-            </a:r>
-            <a:endParaRPr lang="ko-KR" altLang="en-US" sz="2800" b="1" dirty="0"/>
-          </a:p>
-        </p:txBody>
-      </p:sp>
-      <p:sp>
-        <p:nvSpPr>
-          <p:cNvPr id="5" name="직사각형 4">
-            <a:extLst>
-              <a:ext uri="{FF2B5EF4-FFF2-40B4-BE49-F238E27FC236}">
-                <a16:creationId xmlns:a16="http://schemas.microsoft.com/office/drawing/2014/main" id="{0F1B79EA-4E33-46E2-8E10-2ED72CA54F02}"/>
-              </a:ext>
-            </a:extLst>
-          </p:cNvPr>
-          <p:cNvSpPr/>
-          <p:nvPr/>
-        </p:nvSpPr>
-        <p:spPr>
           <a:xfrm rot="16200000">
-            <a:off x="-902039" y="4081427"/>
-            <a:ext cx="3284174" cy="218613"/>
-          </a:xfrm>
-          <a:prstGeom prst="rect">
-            <a:avLst/>
-          </a:prstGeom>
-        </p:spPr>
-        <p:style>
-          <a:lnRef idx="2">
-            <a:schemeClr val="accent6">
-              <a:shade val="50000"/>
-            </a:schemeClr>
-          </a:lnRef>
-          <a:fillRef idx="1">
-            <a:schemeClr val="accent6"/>
-          </a:fillRef>
-          <a:effectRef idx="0">
-            <a:schemeClr val="accent6"/>
-          </a:effectRef>
-          <a:fontRef idx="minor">
-            <a:schemeClr val="lt1"/>
-          </a:fontRef>
-        </p:style>
-        <p:txBody>
-          <a:bodyPr rtlCol="0" anchor="ctr"/>
-          <a:lstStyle/>
-          <a:p>
-            <a:pPr algn="ctr"/>
-            <a:endParaRPr lang="ko-KR" altLang="en-US"/>
-          </a:p>
-        </p:txBody>
-      </p:sp>
-      <p:sp>
-        <p:nvSpPr>
-          <p:cNvPr id="9" name="타원 8">
-            <a:extLst>
-              <a:ext uri="{FF2B5EF4-FFF2-40B4-BE49-F238E27FC236}">
-                <a16:creationId xmlns:a16="http://schemas.microsoft.com/office/drawing/2014/main" id="{A9100468-4D6F-47DF-86AA-7D07064F2816}"/>
-              </a:ext>
-            </a:extLst>
-          </p:cNvPr>
-          <p:cNvSpPr/>
-          <p:nvPr/>
-        </p:nvSpPr>
-        <p:spPr>
-          <a:xfrm rot="16200000">
-            <a:off x="447530" y="5311515"/>
+            <a:off x="417192" y="2248247"/>
             <a:ext cx="575144" cy="575144"/>
           </a:xfrm>
           <a:prstGeom prst="ellipse">
@@ -8007,839 +8723,6 @@
       </p:sp>
       <p:sp>
         <p:nvSpPr>
-          <p:cNvPr id="13" name="타원 12">
-            <a:extLst>
-              <a:ext uri="{FF2B5EF4-FFF2-40B4-BE49-F238E27FC236}">
-                <a16:creationId xmlns:a16="http://schemas.microsoft.com/office/drawing/2014/main" id="{9E780785-362D-42CF-8D41-9EF18D3BADCC}"/>
-              </a:ext>
-            </a:extLst>
-          </p:cNvPr>
-          <p:cNvSpPr/>
-          <p:nvPr/>
-        </p:nvSpPr>
-        <p:spPr>
-          <a:xfrm rot="16200000">
-            <a:off x="447530" y="3793150"/>
-            <a:ext cx="575144" cy="575144"/>
-          </a:xfrm>
-          <a:prstGeom prst="ellipse">
-            <a:avLst/>
-          </a:prstGeom>
-        </p:spPr>
-        <p:style>
-          <a:lnRef idx="2">
-            <a:schemeClr val="accent5">
-              <a:shade val="50000"/>
-            </a:schemeClr>
-          </a:lnRef>
-          <a:fillRef idx="1">
-            <a:schemeClr val="accent5"/>
-          </a:fillRef>
-          <a:effectRef idx="0">
-            <a:schemeClr val="accent5"/>
-          </a:effectRef>
-          <a:fontRef idx="minor">
-            <a:schemeClr val="lt1"/>
-          </a:fontRef>
-        </p:style>
-        <p:txBody>
-          <a:bodyPr rtlCol="0" anchor="ctr"/>
-          <a:lstStyle/>
-          <a:p>
-            <a:pPr algn="ctr"/>
-            <a:endParaRPr lang="ko-KR" altLang="en-US"/>
-          </a:p>
-        </p:txBody>
-      </p:sp>
-      <p:sp>
-        <p:nvSpPr>
-          <p:cNvPr id="4" name="이등변 삼각형 3">
-            <a:extLst>
-              <a:ext uri="{FF2B5EF4-FFF2-40B4-BE49-F238E27FC236}">
-                <a16:creationId xmlns:a16="http://schemas.microsoft.com/office/drawing/2014/main" id="{1C11E833-35FF-4F60-9DD9-D8B78329160A}"/>
-              </a:ext>
-            </a:extLst>
-          </p:cNvPr>
-          <p:cNvSpPr/>
-          <p:nvPr/>
-        </p:nvSpPr>
-        <p:spPr>
-          <a:xfrm rot="10800000">
-            <a:off x="313464" y="1747775"/>
-            <a:ext cx="797668" cy="330740"/>
-          </a:xfrm>
-          <a:prstGeom prst="triangle">
-            <a:avLst/>
-          </a:prstGeom>
-        </p:spPr>
-        <p:style>
-          <a:lnRef idx="2">
-            <a:schemeClr val="accent3">
-              <a:shade val="50000"/>
-            </a:schemeClr>
-          </a:lnRef>
-          <a:fillRef idx="1">
-            <a:schemeClr val="accent3"/>
-          </a:fillRef>
-          <a:effectRef idx="0">
-            <a:schemeClr val="accent3"/>
-          </a:effectRef>
-          <a:fontRef idx="minor">
-            <a:schemeClr val="lt1"/>
-          </a:fontRef>
-        </p:style>
-        <p:txBody>
-          <a:bodyPr rtlCol="0" anchor="ctr"/>
-          <a:lstStyle/>
-          <a:p>
-            <a:pPr algn="ctr"/>
-            <a:endParaRPr lang="ko-KR" altLang="en-US"/>
-          </a:p>
-        </p:txBody>
-      </p:sp>
-      <p:sp>
-        <p:nvSpPr>
-          <p:cNvPr id="6" name="TextBox 5">
-            <a:extLst>
-              <a:ext uri="{FF2B5EF4-FFF2-40B4-BE49-F238E27FC236}">
-                <a16:creationId xmlns:a16="http://schemas.microsoft.com/office/drawing/2014/main" id="{7A4C9CFD-429D-417E-B232-FF3BA46C23E8}"/>
-              </a:ext>
-            </a:extLst>
-          </p:cNvPr>
-          <p:cNvSpPr txBox="1"/>
-          <p:nvPr/>
-        </p:nvSpPr>
-        <p:spPr>
-          <a:xfrm>
-            <a:off x="173528" y="1235726"/>
-            <a:ext cx="1077539" cy="523220"/>
-          </a:xfrm>
-          <a:prstGeom prst="rect">
-            <a:avLst/>
-          </a:prstGeom>
-          <a:noFill/>
-        </p:spPr>
-        <p:txBody>
-          <a:bodyPr wrap="none" rtlCol="0">
-            <a:spAutoFit/>
-          </a:bodyPr>
-          <a:lstStyle/>
-          <a:p>
-            <a:r>
-              <a:rPr lang="en-US" altLang="ko-KR" sz="2800" b="1" dirty="0"/>
-              <a:t>Head</a:t>
-            </a:r>
-            <a:endParaRPr lang="ko-KR" altLang="en-US" sz="2800" b="1" dirty="0"/>
-          </a:p>
-        </p:txBody>
-      </p:sp>
-      <p:sp>
-        <p:nvSpPr>
-          <p:cNvPr id="3" name="TextBox 2">
-            <a:extLst>
-              <a:ext uri="{FF2B5EF4-FFF2-40B4-BE49-F238E27FC236}">
-                <a16:creationId xmlns:a16="http://schemas.microsoft.com/office/drawing/2014/main" id="{F37E017C-3CDD-4EA4-99CD-7B0C66894A31}"/>
-              </a:ext>
-            </a:extLst>
-          </p:cNvPr>
-          <p:cNvSpPr txBox="1"/>
-          <p:nvPr/>
-        </p:nvSpPr>
-        <p:spPr>
-          <a:xfrm>
-            <a:off x="8862242" y="0"/>
-            <a:ext cx="3329758" cy="584775"/>
-          </a:xfrm>
-          <a:prstGeom prst="rect">
-            <a:avLst/>
-          </a:prstGeom>
-          <a:noFill/>
-        </p:spPr>
-        <p:txBody>
-          <a:bodyPr wrap="none" rtlCol="0">
-            <a:spAutoFit/>
-          </a:bodyPr>
-          <a:lstStyle/>
-          <a:p>
-            <a:r>
-              <a:rPr lang="ko-KR" altLang="en-US" sz="3200" dirty="0">
-                <a:latin typeface="HY강B" panose="02030600000101010101" pitchFamily="18" charset="-127"/>
-                <a:ea typeface="HY강B" panose="02030600000101010101" pitchFamily="18" charset="-127"/>
-              </a:rPr>
-              <a:t>깃 허브 시나리오</a:t>
-            </a:r>
-          </a:p>
-        </p:txBody>
-      </p:sp>
-      <p:sp>
-        <p:nvSpPr>
-          <p:cNvPr id="8" name="TextBox 7">
-            <a:extLst>
-              <a:ext uri="{FF2B5EF4-FFF2-40B4-BE49-F238E27FC236}">
-                <a16:creationId xmlns:a16="http://schemas.microsoft.com/office/drawing/2014/main" id="{2795C85A-ACA3-426A-93BD-AA4524B8D7C7}"/>
-              </a:ext>
-            </a:extLst>
-          </p:cNvPr>
-          <p:cNvSpPr txBox="1"/>
-          <p:nvPr/>
-        </p:nvSpPr>
-        <p:spPr>
-          <a:xfrm>
-            <a:off x="6819078" y="6032100"/>
-            <a:ext cx="2682145" cy="523220"/>
-          </a:xfrm>
-          <a:prstGeom prst="rect">
-            <a:avLst/>
-          </a:prstGeom>
-          <a:noFill/>
-        </p:spPr>
-        <p:txBody>
-          <a:bodyPr wrap="none" rtlCol="0">
-            <a:spAutoFit/>
-          </a:bodyPr>
-          <a:lstStyle/>
-          <a:p>
-            <a:r>
-              <a:rPr lang="ko-KR" altLang="en-US" sz="2800" b="1" dirty="0"/>
-              <a:t>내 계정 </a:t>
-            </a:r>
-            <a:r>
-              <a:rPr lang="en-US" altLang="ko-KR" sz="2800" b="1" dirty="0"/>
-              <a:t>master</a:t>
-            </a:r>
-            <a:endParaRPr lang="ko-KR" altLang="en-US" sz="2800" b="1" dirty="0"/>
-          </a:p>
-        </p:txBody>
-      </p:sp>
-      <p:sp>
-        <p:nvSpPr>
-          <p:cNvPr id="16" name="직사각형 15">
-            <a:extLst>
-              <a:ext uri="{FF2B5EF4-FFF2-40B4-BE49-F238E27FC236}">
-                <a16:creationId xmlns:a16="http://schemas.microsoft.com/office/drawing/2014/main" id="{49B11666-2963-4224-B388-B2B90B851593}"/>
-              </a:ext>
-            </a:extLst>
-          </p:cNvPr>
-          <p:cNvSpPr/>
-          <p:nvPr/>
-        </p:nvSpPr>
-        <p:spPr>
-          <a:xfrm rot="16200000">
-            <a:off x="4981774" y="3391925"/>
-            <a:ext cx="4807645" cy="218613"/>
-          </a:xfrm>
-          <a:prstGeom prst="rect">
-            <a:avLst/>
-          </a:prstGeom>
-        </p:spPr>
-        <p:style>
-          <a:lnRef idx="2">
-            <a:schemeClr val="accent6">
-              <a:shade val="50000"/>
-            </a:schemeClr>
-          </a:lnRef>
-          <a:fillRef idx="1">
-            <a:schemeClr val="accent6"/>
-          </a:fillRef>
-          <a:effectRef idx="0">
-            <a:schemeClr val="accent6"/>
-          </a:effectRef>
-          <a:fontRef idx="minor">
-            <a:schemeClr val="lt1"/>
-          </a:fontRef>
-        </p:style>
-        <p:txBody>
-          <a:bodyPr rtlCol="0" anchor="ctr"/>
-          <a:lstStyle/>
-          <a:p>
-            <a:pPr algn="ctr"/>
-            <a:endParaRPr lang="ko-KR" altLang="en-US"/>
-          </a:p>
-        </p:txBody>
-      </p:sp>
-      <p:sp>
-        <p:nvSpPr>
-          <p:cNvPr id="22" name="타원 21">
-            <a:extLst>
-              <a:ext uri="{FF2B5EF4-FFF2-40B4-BE49-F238E27FC236}">
-                <a16:creationId xmlns:a16="http://schemas.microsoft.com/office/drawing/2014/main" id="{EB21442C-DB89-4E22-8D5E-63288BF79A85}"/>
-              </a:ext>
-            </a:extLst>
-          </p:cNvPr>
-          <p:cNvSpPr/>
-          <p:nvPr/>
-        </p:nvSpPr>
-        <p:spPr>
-          <a:xfrm rot="16200000">
-            <a:off x="7093080" y="5383747"/>
-            <a:ext cx="575144" cy="575144"/>
-          </a:xfrm>
-          <a:prstGeom prst="ellipse">
-            <a:avLst/>
-          </a:prstGeom>
-        </p:spPr>
-        <p:style>
-          <a:lnRef idx="2">
-            <a:schemeClr val="accent5">
-              <a:shade val="50000"/>
-            </a:schemeClr>
-          </a:lnRef>
-          <a:fillRef idx="1">
-            <a:schemeClr val="accent5"/>
-          </a:fillRef>
-          <a:effectRef idx="0">
-            <a:schemeClr val="accent5"/>
-          </a:effectRef>
-          <a:fontRef idx="minor">
-            <a:schemeClr val="lt1"/>
-          </a:fontRef>
-        </p:style>
-        <p:txBody>
-          <a:bodyPr rtlCol="0" anchor="ctr"/>
-          <a:lstStyle/>
-          <a:p>
-            <a:pPr algn="ctr"/>
-            <a:endParaRPr lang="ko-KR" altLang="en-US"/>
-          </a:p>
-        </p:txBody>
-      </p:sp>
-      <p:sp>
-        <p:nvSpPr>
-          <p:cNvPr id="24" name="타원 23">
-            <a:extLst>
-              <a:ext uri="{FF2B5EF4-FFF2-40B4-BE49-F238E27FC236}">
-                <a16:creationId xmlns:a16="http://schemas.microsoft.com/office/drawing/2014/main" id="{721EB4E6-B641-495E-B653-1A246275C7C8}"/>
-              </a:ext>
-            </a:extLst>
-          </p:cNvPr>
-          <p:cNvSpPr/>
-          <p:nvPr/>
-        </p:nvSpPr>
-        <p:spPr>
-          <a:xfrm rot="16200000">
-            <a:off x="7093080" y="3865382"/>
-            <a:ext cx="575144" cy="575144"/>
-          </a:xfrm>
-          <a:prstGeom prst="ellipse">
-            <a:avLst/>
-          </a:prstGeom>
-        </p:spPr>
-        <p:style>
-          <a:lnRef idx="2">
-            <a:schemeClr val="accent5">
-              <a:shade val="50000"/>
-            </a:schemeClr>
-          </a:lnRef>
-          <a:fillRef idx="1">
-            <a:schemeClr val="accent5"/>
-          </a:fillRef>
-          <a:effectRef idx="0">
-            <a:schemeClr val="accent5"/>
-          </a:effectRef>
-          <a:fontRef idx="minor">
-            <a:schemeClr val="lt1"/>
-          </a:fontRef>
-        </p:style>
-        <p:txBody>
-          <a:bodyPr rtlCol="0" anchor="ctr"/>
-          <a:lstStyle/>
-          <a:p>
-            <a:pPr algn="ctr"/>
-            <a:endParaRPr lang="ko-KR" altLang="en-US"/>
-          </a:p>
-        </p:txBody>
-      </p:sp>
-      <p:sp>
-        <p:nvSpPr>
-          <p:cNvPr id="26" name="타원 25">
-            <a:extLst>
-              <a:ext uri="{FF2B5EF4-FFF2-40B4-BE49-F238E27FC236}">
-                <a16:creationId xmlns:a16="http://schemas.microsoft.com/office/drawing/2014/main" id="{7E21E54A-D9BB-4EE0-964C-830FAF41F7DE}"/>
-              </a:ext>
-            </a:extLst>
-          </p:cNvPr>
-          <p:cNvSpPr/>
-          <p:nvPr/>
-        </p:nvSpPr>
-        <p:spPr>
-          <a:xfrm rot="16200000">
-            <a:off x="7091423" y="2342205"/>
-            <a:ext cx="575144" cy="575144"/>
-          </a:xfrm>
-          <a:prstGeom prst="ellipse">
-            <a:avLst/>
-          </a:prstGeom>
-        </p:spPr>
-        <p:style>
-          <a:lnRef idx="2">
-            <a:schemeClr val="accent5">
-              <a:shade val="50000"/>
-            </a:schemeClr>
-          </a:lnRef>
-          <a:fillRef idx="1">
-            <a:schemeClr val="accent5"/>
-          </a:fillRef>
-          <a:effectRef idx="0">
-            <a:schemeClr val="accent5"/>
-          </a:effectRef>
-          <a:fontRef idx="minor">
-            <a:schemeClr val="lt1"/>
-          </a:fontRef>
-        </p:style>
-        <p:txBody>
-          <a:bodyPr rtlCol="0" anchor="ctr"/>
-          <a:lstStyle/>
-          <a:p>
-            <a:pPr algn="ctr"/>
-            <a:endParaRPr lang="ko-KR" altLang="en-US"/>
-          </a:p>
-        </p:txBody>
-      </p:sp>
-      <p:sp>
-        <p:nvSpPr>
-          <p:cNvPr id="28" name="타원 27">
-            <a:extLst>
-              <a:ext uri="{FF2B5EF4-FFF2-40B4-BE49-F238E27FC236}">
-                <a16:creationId xmlns:a16="http://schemas.microsoft.com/office/drawing/2014/main" id="{AD1950D2-C6A2-4CC1-9542-2003ED3400CA}"/>
-              </a:ext>
-            </a:extLst>
-          </p:cNvPr>
-          <p:cNvSpPr/>
-          <p:nvPr/>
-        </p:nvSpPr>
-        <p:spPr>
-          <a:xfrm rot="16200000">
-            <a:off x="7091423" y="896626"/>
-            <a:ext cx="575144" cy="575144"/>
-          </a:xfrm>
-          <a:prstGeom prst="ellipse">
-            <a:avLst/>
-          </a:prstGeom>
-        </p:spPr>
-        <p:style>
-          <a:lnRef idx="2">
-            <a:schemeClr val="accent5">
-              <a:shade val="50000"/>
-            </a:schemeClr>
-          </a:lnRef>
-          <a:fillRef idx="1">
-            <a:schemeClr val="accent5"/>
-          </a:fillRef>
-          <a:effectRef idx="0">
-            <a:schemeClr val="accent5"/>
-          </a:effectRef>
-          <a:fontRef idx="minor">
-            <a:schemeClr val="lt1"/>
-          </a:fontRef>
-        </p:style>
-        <p:txBody>
-          <a:bodyPr rtlCol="0" anchor="ctr"/>
-          <a:lstStyle/>
-          <a:p>
-            <a:pPr algn="ctr"/>
-            <a:endParaRPr lang="ko-KR" altLang="en-US"/>
-          </a:p>
-        </p:txBody>
-      </p:sp>
-      <p:sp>
-        <p:nvSpPr>
-          <p:cNvPr id="36" name="이등변 삼각형 35">
-            <a:extLst>
-              <a:ext uri="{FF2B5EF4-FFF2-40B4-BE49-F238E27FC236}">
-                <a16:creationId xmlns:a16="http://schemas.microsoft.com/office/drawing/2014/main" id="{341CCE5B-1593-4BEB-A867-FC7CCAE56C14}"/>
-              </a:ext>
-            </a:extLst>
-          </p:cNvPr>
-          <p:cNvSpPr/>
-          <p:nvPr/>
-        </p:nvSpPr>
-        <p:spPr>
-          <a:xfrm rot="10800000">
-            <a:off x="6980161" y="512049"/>
-            <a:ext cx="797668" cy="330740"/>
-          </a:xfrm>
-          <a:prstGeom prst="triangle">
-            <a:avLst/>
-          </a:prstGeom>
-        </p:spPr>
-        <p:style>
-          <a:lnRef idx="2">
-            <a:schemeClr val="accent3">
-              <a:shade val="50000"/>
-            </a:schemeClr>
-          </a:lnRef>
-          <a:fillRef idx="1">
-            <a:schemeClr val="accent3"/>
-          </a:fillRef>
-          <a:effectRef idx="0">
-            <a:schemeClr val="accent3"/>
-          </a:effectRef>
-          <a:fontRef idx="minor">
-            <a:schemeClr val="lt1"/>
-          </a:fontRef>
-        </p:style>
-        <p:txBody>
-          <a:bodyPr rtlCol="0" anchor="ctr"/>
-          <a:lstStyle/>
-          <a:p>
-            <a:pPr algn="ctr"/>
-            <a:endParaRPr lang="ko-KR" altLang="en-US"/>
-          </a:p>
-        </p:txBody>
-      </p:sp>
-      <p:sp>
-        <p:nvSpPr>
-          <p:cNvPr id="38" name="TextBox 37">
-            <a:extLst>
-              <a:ext uri="{FF2B5EF4-FFF2-40B4-BE49-F238E27FC236}">
-                <a16:creationId xmlns:a16="http://schemas.microsoft.com/office/drawing/2014/main" id="{5411C6B3-6955-4EBE-A684-6236751F44DB}"/>
-              </a:ext>
-            </a:extLst>
-          </p:cNvPr>
-          <p:cNvSpPr txBox="1"/>
-          <p:nvPr/>
-        </p:nvSpPr>
-        <p:spPr>
-          <a:xfrm>
-            <a:off x="6840225" y="0"/>
-            <a:ext cx="1077539" cy="523220"/>
-          </a:xfrm>
-          <a:prstGeom prst="rect">
-            <a:avLst/>
-          </a:prstGeom>
-          <a:noFill/>
-        </p:spPr>
-        <p:txBody>
-          <a:bodyPr wrap="none" rtlCol="0">
-            <a:spAutoFit/>
-          </a:bodyPr>
-          <a:lstStyle/>
-          <a:p>
-            <a:r>
-              <a:rPr lang="en-US" altLang="ko-KR" sz="2800" b="1" dirty="0"/>
-              <a:t>Head</a:t>
-            </a:r>
-            <a:endParaRPr lang="ko-KR" altLang="en-US" sz="2800" b="1" dirty="0"/>
-          </a:p>
-        </p:txBody>
-      </p:sp>
-      <p:sp>
-        <p:nvSpPr>
-          <p:cNvPr id="43" name="TextBox 42">
-            <a:extLst>
-              <a:ext uri="{FF2B5EF4-FFF2-40B4-BE49-F238E27FC236}">
-                <a16:creationId xmlns:a16="http://schemas.microsoft.com/office/drawing/2014/main" id="{6D939F3D-245B-4051-989D-0C81F4153B43}"/>
-              </a:ext>
-            </a:extLst>
-          </p:cNvPr>
-          <p:cNvSpPr txBox="1"/>
-          <p:nvPr/>
-        </p:nvSpPr>
-        <p:spPr>
-          <a:xfrm>
-            <a:off x="7699402" y="5376346"/>
-            <a:ext cx="4289572" cy="461665"/>
-          </a:xfrm>
-          <a:prstGeom prst="rect">
-            <a:avLst/>
-          </a:prstGeom>
-          <a:noFill/>
-        </p:spPr>
-        <p:txBody>
-          <a:bodyPr wrap="none" rtlCol="0">
-            <a:spAutoFit/>
-          </a:bodyPr>
-          <a:lstStyle/>
-          <a:p>
-            <a:r>
-              <a:rPr lang="en-US" altLang="ko-KR" sz="2400" b="1" dirty="0"/>
-              <a:t>Commit1 : ReadMe.md </a:t>
-            </a:r>
-            <a:r>
-              <a:rPr lang="ko-KR" altLang="en-US" sz="2400" b="1" dirty="0"/>
-              <a:t>추가</a:t>
-            </a:r>
-            <a:endParaRPr lang="en-US" altLang="ko-KR" sz="2400" b="1" dirty="0"/>
-          </a:p>
-        </p:txBody>
-      </p:sp>
-      <p:sp>
-        <p:nvSpPr>
-          <p:cNvPr id="45" name="TextBox 44">
-            <a:extLst>
-              <a:ext uri="{FF2B5EF4-FFF2-40B4-BE49-F238E27FC236}">
-                <a16:creationId xmlns:a16="http://schemas.microsoft.com/office/drawing/2014/main" id="{583390A0-6F60-453D-B28F-D122CAA90AA0}"/>
-              </a:ext>
-            </a:extLst>
-          </p:cNvPr>
-          <p:cNvSpPr txBox="1"/>
-          <p:nvPr/>
-        </p:nvSpPr>
-        <p:spPr>
-          <a:xfrm>
-            <a:off x="7699402" y="3885856"/>
-            <a:ext cx="3693640" cy="461665"/>
-          </a:xfrm>
-          <a:prstGeom prst="rect">
-            <a:avLst/>
-          </a:prstGeom>
-          <a:noFill/>
-        </p:spPr>
-        <p:txBody>
-          <a:bodyPr wrap="none" rtlCol="0">
-            <a:spAutoFit/>
-          </a:bodyPr>
-          <a:lstStyle/>
-          <a:p>
-            <a:r>
-              <a:rPr lang="en-US" altLang="ko-KR" sz="2400" b="1" dirty="0"/>
-              <a:t>Commit2 : </a:t>
-            </a:r>
-            <a:r>
-              <a:rPr lang="en-US" altLang="ko-KR" sz="2400" b="1" dirty="0" err="1"/>
-              <a:t>out.php</a:t>
-            </a:r>
-            <a:r>
-              <a:rPr lang="en-US" altLang="ko-KR" sz="2400" b="1" dirty="0"/>
-              <a:t> </a:t>
-            </a:r>
-            <a:r>
-              <a:rPr lang="ko-KR" altLang="en-US" sz="2400" b="1" dirty="0"/>
-              <a:t>추가</a:t>
-            </a:r>
-          </a:p>
-        </p:txBody>
-      </p:sp>
-      <p:sp>
-        <p:nvSpPr>
-          <p:cNvPr id="47" name="TextBox 46">
-            <a:extLst>
-              <a:ext uri="{FF2B5EF4-FFF2-40B4-BE49-F238E27FC236}">
-                <a16:creationId xmlns:a16="http://schemas.microsoft.com/office/drawing/2014/main" id="{8ABD868D-68F2-4079-A56C-5444C6F9A225}"/>
-              </a:ext>
-            </a:extLst>
-          </p:cNvPr>
-          <p:cNvSpPr txBox="1"/>
-          <p:nvPr/>
-        </p:nvSpPr>
-        <p:spPr>
-          <a:xfrm>
-            <a:off x="7699402" y="2388641"/>
-            <a:ext cx="3469219" cy="461665"/>
-          </a:xfrm>
-          <a:prstGeom prst="rect">
-            <a:avLst/>
-          </a:prstGeom>
-          <a:noFill/>
-        </p:spPr>
-        <p:txBody>
-          <a:bodyPr wrap="none" rtlCol="0">
-            <a:spAutoFit/>
-          </a:bodyPr>
-          <a:lstStyle/>
-          <a:p>
-            <a:r>
-              <a:rPr lang="en-US" altLang="ko-KR" sz="2400" b="1" dirty="0"/>
-              <a:t>Commit3 : </a:t>
-            </a:r>
-            <a:r>
-              <a:rPr lang="en-US" altLang="ko-KR" sz="2400" b="1" dirty="0" err="1"/>
-              <a:t>in.php</a:t>
-            </a:r>
-            <a:r>
-              <a:rPr lang="en-US" altLang="ko-KR" sz="2400" b="1" dirty="0"/>
-              <a:t> </a:t>
-            </a:r>
-            <a:r>
-              <a:rPr lang="ko-KR" altLang="en-US" sz="2400" b="1" dirty="0"/>
-              <a:t>추가</a:t>
-            </a:r>
-          </a:p>
-        </p:txBody>
-      </p:sp>
-      <p:sp>
-        <p:nvSpPr>
-          <p:cNvPr id="49" name="TextBox 48">
-            <a:extLst>
-              <a:ext uri="{FF2B5EF4-FFF2-40B4-BE49-F238E27FC236}">
-                <a16:creationId xmlns:a16="http://schemas.microsoft.com/office/drawing/2014/main" id="{0436152F-5D9D-45A9-B61D-EDE09E05E09B}"/>
-              </a:ext>
-            </a:extLst>
-          </p:cNvPr>
-          <p:cNvSpPr txBox="1"/>
-          <p:nvPr/>
-        </p:nvSpPr>
-        <p:spPr>
-          <a:xfrm>
-            <a:off x="7699402" y="943062"/>
-            <a:ext cx="4084773" cy="461665"/>
-          </a:xfrm>
-          <a:prstGeom prst="rect">
-            <a:avLst/>
-          </a:prstGeom>
-          <a:noFill/>
-        </p:spPr>
-        <p:txBody>
-          <a:bodyPr wrap="none" rtlCol="0">
-            <a:spAutoFit/>
-          </a:bodyPr>
-          <a:lstStyle/>
-          <a:p>
-            <a:r>
-              <a:rPr lang="en-US" altLang="ko-KR" sz="2400" b="1" dirty="0"/>
-              <a:t>Commit4 : </a:t>
-            </a:r>
-            <a:r>
-              <a:rPr lang="en-US" altLang="ko-KR" sz="2400" b="1" dirty="0" err="1"/>
-              <a:t>in.php</a:t>
-            </a:r>
-            <a:r>
-              <a:rPr lang="en-US" altLang="ko-KR" sz="2400" b="1" dirty="0"/>
-              <a:t> </a:t>
-            </a:r>
-            <a:r>
-              <a:rPr lang="ko-KR" altLang="en-US" sz="2400" b="1" dirty="0" err="1"/>
-              <a:t>버그픽스</a:t>
-            </a:r>
-            <a:endParaRPr lang="ko-KR" altLang="en-US" sz="2400" b="1" dirty="0"/>
-          </a:p>
-        </p:txBody>
-      </p:sp>
-      <p:sp>
-        <p:nvSpPr>
-          <p:cNvPr id="51" name="TextBox 50">
-            <a:extLst>
-              <a:ext uri="{FF2B5EF4-FFF2-40B4-BE49-F238E27FC236}">
-                <a16:creationId xmlns:a16="http://schemas.microsoft.com/office/drawing/2014/main" id="{06975CA0-63F3-4B42-8B32-722DB3BAF3FD}"/>
-              </a:ext>
-            </a:extLst>
-          </p:cNvPr>
-          <p:cNvSpPr txBox="1"/>
-          <p:nvPr/>
-        </p:nvSpPr>
-        <p:spPr>
-          <a:xfrm>
-            <a:off x="1053852" y="5299860"/>
-            <a:ext cx="4289572" cy="461665"/>
-          </a:xfrm>
-          <a:prstGeom prst="rect">
-            <a:avLst/>
-          </a:prstGeom>
-          <a:noFill/>
-        </p:spPr>
-        <p:txBody>
-          <a:bodyPr wrap="none" rtlCol="0">
-            <a:spAutoFit/>
-          </a:bodyPr>
-          <a:lstStyle/>
-          <a:p>
-            <a:r>
-              <a:rPr lang="en-US" altLang="ko-KR" sz="2400" b="1" dirty="0"/>
-              <a:t>Commit1 : ReadMe.md </a:t>
-            </a:r>
-            <a:r>
-              <a:rPr lang="ko-KR" altLang="en-US" sz="2400" b="1" dirty="0"/>
-              <a:t>추가</a:t>
-            </a:r>
-            <a:endParaRPr lang="en-US" altLang="ko-KR" sz="2400" b="1" dirty="0"/>
-          </a:p>
-        </p:txBody>
-      </p:sp>
-      <p:sp>
-        <p:nvSpPr>
-          <p:cNvPr id="53" name="TextBox 52">
-            <a:extLst>
-              <a:ext uri="{FF2B5EF4-FFF2-40B4-BE49-F238E27FC236}">
-                <a16:creationId xmlns:a16="http://schemas.microsoft.com/office/drawing/2014/main" id="{882C92F5-1052-4C8D-8E7B-A94E9F1035CD}"/>
-              </a:ext>
-            </a:extLst>
-          </p:cNvPr>
-          <p:cNvSpPr txBox="1"/>
-          <p:nvPr/>
-        </p:nvSpPr>
-        <p:spPr>
-          <a:xfrm>
-            <a:off x="1053852" y="3809370"/>
-            <a:ext cx="3693640" cy="461665"/>
-          </a:xfrm>
-          <a:prstGeom prst="rect">
-            <a:avLst/>
-          </a:prstGeom>
-          <a:noFill/>
-        </p:spPr>
-        <p:txBody>
-          <a:bodyPr wrap="none" rtlCol="0">
-            <a:spAutoFit/>
-          </a:bodyPr>
-          <a:lstStyle/>
-          <a:p>
-            <a:r>
-              <a:rPr lang="en-US" altLang="ko-KR" sz="2400" b="1" dirty="0"/>
-              <a:t>Commit2 : </a:t>
-            </a:r>
-            <a:r>
-              <a:rPr lang="en-US" altLang="ko-KR" sz="2400" b="1" dirty="0" err="1"/>
-              <a:t>out.php</a:t>
-            </a:r>
-            <a:r>
-              <a:rPr lang="en-US" altLang="ko-KR" sz="2400" b="1" dirty="0"/>
-              <a:t> </a:t>
-            </a:r>
-            <a:r>
-              <a:rPr lang="ko-KR" altLang="en-US" sz="2400" b="1" dirty="0"/>
-              <a:t>추가</a:t>
-            </a:r>
-          </a:p>
-        </p:txBody>
-      </p:sp>
-      <p:sp>
-        <p:nvSpPr>
-          <p:cNvPr id="12" name="타원 11">
-            <a:extLst>
-              <a:ext uri="{FF2B5EF4-FFF2-40B4-BE49-F238E27FC236}">
-                <a16:creationId xmlns:a16="http://schemas.microsoft.com/office/drawing/2014/main" id="{49A5EEED-2A55-442E-A8A3-6E985851197C}"/>
-              </a:ext>
-            </a:extLst>
-          </p:cNvPr>
-          <p:cNvSpPr/>
-          <p:nvPr/>
-        </p:nvSpPr>
-        <p:spPr>
-          <a:xfrm rot="16200000">
-            <a:off x="417192" y="2248247"/>
-            <a:ext cx="575144" cy="575144"/>
-          </a:xfrm>
-          <a:prstGeom prst="ellipse">
-            <a:avLst/>
-          </a:prstGeom>
-        </p:spPr>
-        <p:style>
-          <a:lnRef idx="2">
-            <a:schemeClr val="accent5">
-              <a:shade val="50000"/>
-            </a:schemeClr>
-          </a:lnRef>
-          <a:fillRef idx="1">
-            <a:schemeClr val="accent5"/>
-          </a:fillRef>
-          <a:effectRef idx="0">
-            <a:schemeClr val="accent5"/>
-          </a:effectRef>
-          <a:fontRef idx="minor">
-            <a:schemeClr val="lt1"/>
-          </a:fontRef>
-        </p:style>
-        <p:txBody>
-          <a:bodyPr rtlCol="0" anchor="ctr"/>
-          <a:lstStyle/>
-          <a:p>
-            <a:pPr algn="ctr"/>
-            <a:endParaRPr lang="ko-KR" altLang="en-US"/>
-          </a:p>
-        </p:txBody>
-      </p:sp>
-      <p:sp>
-        <p:nvSpPr>
           <p:cNvPr id="14" name="TextBox 13">
             <a:extLst>
               <a:ext uri="{FF2B5EF4-FFF2-40B4-BE49-F238E27FC236}">
@@ -8902,7 +8785,7 @@
 </p:sld>
 </file>
 
-<file path=ppt/slides/slide17.xml><?xml version="1.0" encoding="utf-8"?>
+<file path=ppt/slides/slide16.xml><?xml version="1.0" encoding="utf-8"?>
 <p:sld xmlns:a="http://schemas.openxmlformats.org/drawingml/2006/main" xmlns:r="http://schemas.openxmlformats.org/officeDocument/2006/relationships" xmlns:p="http://schemas.openxmlformats.org/presentationml/2006/main">
   <p:cSld>
     <p:spTree>
@@ -9610,43 +9493,7 @@
                 <a:latin typeface="HY강B" panose="02030600000101010101" pitchFamily="18" charset="-127"/>
                 <a:ea typeface="HY강B" panose="02030600000101010101" pitchFamily="18" charset="-127"/>
               </a:rPr>
-              <a:t>commit, </a:t>
-            </a:r>
-            <a:r>
-              <a:rPr lang="en-US" altLang="ko-KR" sz="6000" dirty="0" err="1">
-                <a:ln w="0"/>
-                <a:solidFill>
-                  <a:schemeClr val="tx1"/>
-                </a:solidFill>
-                <a:effectLst>
-                  <a:outerShdw blurRad="38100" dist="19050" dir="2700000" algn="tl" rotWithShape="0">
-                    <a:schemeClr val="dk1">
-                      <a:alpha val="40000"/>
-                    </a:schemeClr>
-                  </a:outerShdw>
-                </a:effectLst>
-                <a:latin typeface="HY강B" panose="02030600000101010101" pitchFamily="18" charset="-127"/>
-                <a:ea typeface="HY강B" panose="02030600000101010101" pitchFamily="18" charset="-127"/>
-              </a:rPr>
-              <a:t>brench</a:t>
-            </a:r>
-            <a:r>
-              <a:rPr lang="en-US" altLang="ko-KR" sz="6000" dirty="0">
-                <a:ln w="0"/>
-                <a:solidFill>
-                  <a:schemeClr val="tx1"/>
-                </a:solidFill>
-                <a:effectLst>
-                  <a:outerShdw blurRad="38100" dist="19050" dir="2700000" algn="tl" rotWithShape="0">
-                    <a:schemeClr val="dk1">
-                      <a:alpha val="40000"/>
-                    </a:schemeClr>
-                  </a:outerShdw>
-                </a:effectLst>
-                <a:latin typeface="HY강B" panose="02030600000101010101" pitchFamily="18" charset="-127"/>
-                <a:ea typeface="HY강B" panose="02030600000101010101" pitchFamily="18" charset="-127"/>
-              </a:rPr>
-              <a:t>, merge</a:t>
+              <a:t>commit, branch, merge</a:t>
             </a:r>
             <a:endParaRPr lang="ko-KR" altLang="en-US" sz="6000" dirty="0">
               <a:ln w="0"/>
@@ -9698,33 +9545,254 @@
       </p:grpSpPr>
       <p:sp>
         <p:nvSpPr>
-          <p:cNvPr id="3" name="내용 개체 틀 2">
-            <a:extLst>
-              <a:ext uri="{FF2B5EF4-FFF2-40B4-BE49-F238E27FC236}">
-                <a16:creationId xmlns:a16="http://schemas.microsoft.com/office/drawing/2014/main" id="{644B4287-1175-4B4A-B7F1-F6188390869E}"/>
-              </a:ext>
-            </a:extLst>
-          </p:cNvPr>
-          <p:cNvSpPr>
-            <a:spLocks noGrp="1"/>
-          </p:cNvSpPr>
-          <p:nvPr>
-            <p:ph idx="1"/>
-          </p:nvPr>
-        </p:nvSpPr>
-        <p:spPr/>
-        <p:txBody>
-          <a:bodyPr/>
-          <a:lstStyle/>
-          <a:p>
+          <p:cNvPr id="19" name="TextBox 18">
+            <a:extLst>
+              <a:ext uri="{FF2B5EF4-FFF2-40B4-BE49-F238E27FC236}">
+                <a16:creationId xmlns:a16="http://schemas.microsoft.com/office/drawing/2014/main" id="{127C49FC-DB8E-44F8-988C-C3F6B3C06EEE}"/>
+              </a:ext>
+            </a:extLst>
+          </p:cNvPr>
+          <p:cNvSpPr txBox="1"/>
+          <p:nvPr/>
+        </p:nvSpPr>
+        <p:spPr>
+          <a:xfrm>
+            <a:off x="1333961" y="5309602"/>
+            <a:ext cx="4972643" cy="523220"/>
+          </a:xfrm>
+          <a:prstGeom prst="rect">
+            <a:avLst/>
+          </a:prstGeom>
+          <a:noFill/>
+        </p:spPr>
+        <p:txBody>
+          <a:bodyPr wrap="none" rtlCol="0">
+            <a:spAutoFit/>
+          </a:bodyPr>
+          <a:lstStyle/>
+          <a:p>
+            <a:r>
+              <a:rPr lang="en-US" altLang="ko-KR" sz="2800" b="1" dirty="0"/>
+              <a:t>Commit1 : ReadMe.md </a:t>
+            </a:r>
+            <a:r>
+              <a:rPr lang="ko-KR" altLang="en-US" sz="2800" b="1" dirty="0"/>
+              <a:t>추가</a:t>
+            </a:r>
+            <a:endParaRPr lang="en-US" altLang="ko-KR" sz="2800" b="1" dirty="0"/>
+          </a:p>
+        </p:txBody>
+      </p:sp>
+      <p:sp>
+        <p:nvSpPr>
+          <p:cNvPr id="9" name="타원 8">
+            <a:extLst>
+              <a:ext uri="{FF2B5EF4-FFF2-40B4-BE49-F238E27FC236}">
+                <a16:creationId xmlns:a16="http://schemas.microsoft.com/office/drawing/2014/main" id="{A9100468-4D6F-47DF-86AA-7D07064F2816}"/>
+              </a:ext>
+            </a:extLst>
+          </p:cNvPr>
+          <p:cNvSpPr/>
+          <p:nvPr/>
+        </p:nvSpPr>
+        <p:spPr>
+          <a:xfrm rot="16200000">
+            <a:off x="447530" y="5311515"/>
+            <a:ext cx="575144" cy="575144"/>
+          </a:xfrm>
+          <a:prstGeom prst="ellipse">
+            <a:avLst/>
+          </a:prstGeom>
+        </p:spPr>
+        <p:style>
+          <a:lnRef idx="2">
+            <a:schemeClr val="accent5">
+              <a:shade val="50000"/>
+            </a:schemeClr>
+          </a:lnRef>
+          <a:fillRef idx="1">
+            <a:schemeClr val="accent5"/>
+          </a:fillRef>
+          <a:effectRef idx="0">
+            <a:schemeClr val="accent5"/>
+          </a:effectRef>
+          <a:fontRef idx="minor">
+            <a:schemeClr val="lt1"/>
+          </a:fontRef>
+        </p:style>
+        <p:txBody>
+          <a:bodyPr rtlCol="0" anchor="ctr"/>
+          <a:lstStyle/>
+          <a:p>
+            <a:pPr algn="ctr"/>
             <a:endParaRPr lang="ko-KR" altLang="en-US"/>
+          </a:p>
+        </p:txBody>
+      </p:sp>
+      <p:sp>
+        <p:nvSpPr>
+          <p:cNvPr id="4" name="이등변 삼각형 3">
+            <a:extLst>
+              <a:ext uri="{FF2B5EF4-FFF2-40B4-BE49-F238E27FC236}">
+                <a16:creationId xmlns:a16="http://schemas.microsoft.com/office/drawing/2014/main" id="{1C11E833-35FF-4F60-9DD9-D8B78329160A}"/>
+              </a:ext>
+            </a:extLst>
+          </p:cNvPr>
+          <p:cNvSpPr/>
+          <p:nvPr/>
+        </p:nvSpPr>
+        <p:spPr>
+          <a:xfrm rot="10800000">
+            <a:off x="313464" y="4853516"/>
+            <a:ext cx="797668" cy="330740"/>
+          </a:xfrm>
+          <a:prstGeom prst="triangle">
+            <a:avLst/>
+          </a:prstGeom>
+        </p:spPr>
+        <p:style>
+          <a:lnRef idx="2">
+            <a:schemeClr val="accent3">
+              <a:shade val="50000"/>
+            </a:schemeClr>
+          </a:lnRef>
+          <a:fillRef idx="1">
+            <a:schemeClr val="accent3"/>
+          </a:fillRef>
+          <a:effectRef idx="0">
+            <a:schemeClr val="accent3"/>
+          </a:effectRef>
+          <a:fontRef idx="minor">
+            <a:schemeClr val="lt1"/>
+          </a:fontRef>
+        </p:style>
+        <p:txBody>
+          <a:bodyPr rtlCol="0" anchor="ctr"/>
+          <a:lstStyle/>
+          <a:p>
+            <a:pPr algn="ctr"/>
+            <a:endParaRPr lang="ko-KR" altLang="en-US"/>
+          </a:p>
+        </p:txBody>
+      </p:sp>
+      <p:sp>
+        <p:nvSpPr>
+          <p:cNvPr id="6" name="TextBox 5">
+            <a:extLst>
+              <a:ext uri="{FF2B5EF4-FFF2-40B4-BE49-F238E27FC236}">
+                <a16:creationId xmlns:a16="http://schemas.microsoft.com/office/drawing/2014/main" id="{7A4C9CFD-429D-417E-B232-FF3BA46C23E8}"/>
+              </a:ext>
+            </a:extLst>
+          </p:cNvPr>
+          <p:cNvSpPr txBox="1"/>
+          <p:nvPr/>
+        </p:nvSpPr>
+        <p:spPr>
+          <a:xfrm>
+            <a:off x="173528" y="4341467"/>
+            <a:ext cx="1077539" cy="523220"/>
+          </a:xfrm>
+          <a:prstGeom prst="rect">
+            <a:avLst/>
+          </a:prstGeom>
+          <a:noFill/>
+        </p:spPr>
+        <p:txBody>
+          <a:bodyPr wrap="none" rtlCol="0">
+            <a:spAutoFit/>
+          </a:bodyPr>
+          <a:lstStyle/>
+          <a:p>
+            <a:r>
+              <a:rPr lang="en-US" altLang="ko-KR" sz="2800" b="1" dirty="0"/>
+              <a:t>Head</a:t>
+            </a:r>
+            <a:endParaRPr lang="ko-KR" altLang="en-US" sz="2800" b="1" dirty="0"/>
+          </a:p>
+        </p:txBody>
+      </p:sp>
+      <p:sp>
+        <p:nvSpPr>
+          <p:cNvPr id="10" name="TextBox 9">
+            <a:extLst>
+              <a:ext uri="{FF2B5EF4-FFF2-40B4-BE49-F238E27FC236}">
+                <a16:creationId xmlns:a16="http://schemas.microsoft.com/office/drawing/2014/main" id="{BB3ECF84-DEC9-4FD0-B34A-D4530C0D8A35}"/>
+              </a:ext>
+            </a:extLst>
+          </p:cNvPr>
+          <p:cNvSpPr txBox="1"/>
+          <p:nvPr/>
+        </p:nvSpPr>
+        <p:spPr>
+          <a:xfrm>
+            <a:off x="173528" y="5959868"/>
+            <a:ext cx="2664512" cy="523220"/>
+          </a:xfrm>
+          <a:prstGeom prst="rect">
+            <a:avLst/>
+          </a:prstGeom>
+          <a:noFill/>
+        </p:spPr>
+        <p:txBody>
+          <a:bodyPr wrap="none" rtlCol="0">
+            <a:spAutoFit/>
+          </a:bodyPr>
+          <a:lstStyle/>
+          <a:p>
+            <a:r>
+              <a:rPr lang="en-US" altLang="ko-KR" sz="2800" b="1" dirty="0"/>
+              <a:t>Master branch</a:t>
+            </a:r>
+            <a:endParaRPr lang="ko-KR" altLang="en-US" sz="2800" b="1" dirty="0"/>
+          </a:p>
+        </p:txBody>
+      </p:sp>
+      <p:sp>
+        <p:nvSpPr>
+          <p:cNvPr id="12" name="TextBox 11">
+            <a:extLst>
+              <a:ext uri="{FF2B5EF4-FFF2-40B4-BE49-F238E27FC236}">
+                <a16:creationId xmlns:a16="http://schemas.microsoft.com/office/drawing/2014/main" id="{B0D980F8-C508-4D26-9573-6858B6432FCC}"/>
+              </a:ext>
+            </a:extLst>
+          </p:cNvPr>
+          <p:cNvSpPr txBox="1"/>
+          <p:nvPr/>
+        </p:nvSpPr>
+        <p:spPr>
+          <a:xfrm>
+            <a:off x="9819235" y="0"/>
+            <a:ext cx="2372765" cy="584775"/>
+          </a:xfrm>
+          <a:prstGeom prst="rect">
+            <a:avLst/>
+          </a:prstGeom>
+          <a:noFill/>
+        </p:spPr>
+        <p:txBody>
+          <a:bodyPr wrap="none" rtlCol="0">
+            <a:spAutoFit/>
+          </a:bodyPr>
+          <a:lstStyle/>
+          <a:p>
+            <a:r>
+              <a:rPr lang="ko-KR" altLang="en-US" sz="3200">
+                <a:latin typeface="HY강B" panose="02030600000101010101" pitchFamily="18" charset="-127"/>
+                <a:ea typeface="HY강B" panose="02030600000101010101" pitchFamily="18" charset="-127"/>
+              </a:rPr>
+              <a:t>깃 시나리오</a:t>
+            </a:r>
+            <a:endParaRPr lang="ko-KR" altLang="en-US" sz="3200" dirty="0">
+              <a:latin typeface="HY강B" panose="02030600000101010101" pitchFamily="18" charset="-127"/>
+              <a:ea typeface="HY강B" panose="02030600000101010101" pitchFamily="18" charset="-127"/>
+            </a:endParaRPr>
           </a:p>
         </p:txBody>
       </p:sp>
     </p:spTree>
     <p:extLst>
       <p:ext uri="{BB962C8B-B14F-4D97-AF65-F5344CB8AC3E}">
-        <p14:creationId xmlns:p14="http://schemas.microsoft.com/office/powerpoint/2010/main" val="4164946380"/>
+        <p14:creationId xmlns:p14="http://schemas.microsoft.com/office/powerpoint/2010/main" val="3688165991"/>
       </p:ext>
     </p:extLst>
   </p:cSld>
@@ -9793,6 +9861,99 @@
       </p:sp>
       <p:sp>
         <p:nvSpPr>
+          <p:cNvPr id="31" name="TextBox 30">
+            <a:extLst>
+              <a:ext uri="{FF2B5EF4-FFF2-40B4-BE49-F238E27FC236}">
+                <a16:creationId xmlns:a16="http://schemas.microsoft.com/office/drawing/2014/main" id="{7E6F9CA0-7D92-4D9C-BA17-AAF9931E621C}"/>
+              </a:ext>
+            </a:extLst>
+          </p:cNvPr>
+          <p:cNvSpPr txBox="1"/>
+          <p:nvPr/>
+        </p:nvSpPr>
+        <p:spPr>
+          <a:xfrm>
+            <a:off x="1333961" y="3819112"/>
+            <a:ext cx="4277133" cy="523220"/>
+          </a:xfrm>
+          <a:prstGeom prst="rect">
+            <a:avLst/>
+          </a:prstGeom>
+          <a:noFill/>
+        </p:spPr>
+        <p:txBody>
+          <a:bodyPr wrap="none" rtlCol="0">
+            <a:spAutoFit/>
+          </a:bodyPr>
+          <a:lstStyle/>
+          <a:p>
+            <a:r>
+              <a:rPr lang="en-US" altLang="ko-KR" sz="2800" b="1" dirty="0"/>
+              <a:t>Commit2 : </a:t>
+            </a:r>
+            <a:r>
+              <a:rPr lang="en-US" altLang="ko-KR" sz="2800" b="1" dirty="0" err="1"/>
+              <a:t>out.php</a:t>
+            </a:r>
+            <a:r>
+              <a:rPr lang="en-US" altLang="ko-KR" sz="2800" b="1" dirty="0"/>
+              <a:t> </a:t>
+            </a:r>
+            <a:r>
+              <a:rPr lang="ko-KR" altLang="en-US" sz="2800" b="1" dirty="0"/>
+              <a:t>추가</a:t>
+            </a:r>
+          </a:p>
+        </p:txBody>
+      </p:sp>
+      <p:sp>
+        <p:nvSpPr>
+          <p:cNvPr id="5" name="직사각형 4">
+            <a:extLst>
+              <a:ext uri="{FF2B5EF4-FFF2-40B4-BE49-F238E27FC236}">
+                <a16:creationId xmlns:a16="http://schemas.microsoft.com/office/drawing/2014/main" id="{0F1B79EA-4E33-46E2-8E10-2ED72CA54F02}"/>
+              </a:ext>
+            </a:extLst>
+          </p:cNvPr>
+          <p:cNvSpPr/>
+          <p:nvPr/>
+        </p:nvSpPr>
+        <p:spPr>
+          <a:xfrm rot="16200000">
+            <a:off x="-149769" y="4833699"/>
+            <a:ext cx="1779631" cy="218613"/>
+          </a:xfrm>
+          <a:prstGeom prst="rect">
+            <a:avLst/>
+          </a:prstGeom>
+        </p:spPr>
+        <p:style>
+          <a:lnRef idx="2">
+            <a:schemeClr val="accent6">
+              <a:shade val="50000"/>
+            </a:schemeClr>
+          </a:lnRef>
+          <a:fillRef idx="1">
+            <a:schemeClr val="accent6"/>
+          </a:fillRef>
+          <a:effectRef idx="0">
+            <a:schemeClr val="accent6"/>
+          </a:effectRef>
+          <a:fontRef idx="minor">
+            <a:schemeClr val="lt1"/>
+          </a:fontRef>
+        </p:style>
+        <p:txBody>
+          <a:bodyPr rtlCol="0" anchor="ctr"/>
+          <a:lstStyle/>
+          <a:p>
+            <a:pPr algn="ctr"/>
+            <a:endParaRPr lang="ko-KR" altLang="en-US"/>
+          </a:p>
+        </p:txBody>
+      </p:sp>
+      <p:sp>
+        <p:nvSpPr>
           <p:cNvPr id="9" name="타원 8">
             <a:extLst>
               <a:ext uri="{FF2B5EF4-FFF2-40B4-BE49-F238E27FC236}">
@@ -9839,6 +10000,52 @@
       </p:sp>
       <p:sp>
         <p:nvSpPr>
+          <p:cNvPr id="13" name="타원 12">
+            <a:extLst>
+              <a:ext uri="{FF2B5EF4-FFF2-40B4-BE49-F238E27FC236}">
+                <a16:creationId xmlns:a16="http://schemas.microsoft.com/office/drawing/2014/main" id="{9E780785-362D-42CF-8D41-9EF18D3BADCC}"/>
+              </a:ext>
+            </a:extLst>
+          </p:cNvPr>
+          <p:cNvSpPr/>
+          <p:nvPr/>
+        </p:nvSpPr>
+        <p:spPr>
+          <a:xfrm rot="16200000">
+            <a:off x="447530" y="3793150"/>
+            <a:ext cx="575144" cy="575144"/>
+          </a:xfrm>
+          <a:prstGeom prst="ellipse">
+            <a:avLst/>
+          </a:prstGeom>
+        </p:spPr>
+        <p:style>
+          <a:lnRef idx="2">
+            <a:schemeClr val="accent5">
+              <a:shade val="50000"/>
+            </a:schemeClr>
+          </a:lnRef>
+          <a:fillRef idx="1">
+            <a:schemeClr val="accent5"/>
+          </a:fillRef>
+          <a:effectRef idx="0">
+            <a:schemeClr val="accent5"/>
+          </a:effectRef>
+          <a:fontRef idx="minor">
+            <a:schemeClr val="lt1"/>
+          </a:fontRef>
+        </p:style>
+        <p:txBody>
+          <a:bodyPr rtlCol="0" anchor="ctr"/>
+          <a:lstStyle/>
+          <a:p>
+            <a:pPr algn="ctr"/>
+            <a:endParaRPr lang="ko-KR" altLang="en-US"/>
+          </a:p>
+        </p:txBody>
+      </p:sp>
+      <p:sp>
+        <p:nvSpPr>
           <p:cNvPr id="4" name="이등변 삼각형 3">
             <a:extLst>
               <a:ext uri="{FF2B5EF4-FFF2-40B4-BE49-F238E27FC236}">
@@ -9851,7 +10058,7 @@
         </p:nvSpPr>
         <p:spPr>
           <a:xfrm rot="10800000">
-            <a:off x="313464" y="4853516"/>
+            <a:off x="357251" y="3337151"/>
             <a:ext cx="797668" cy="330740"/>
           </a:xfrm>
           <a:prstGeom prst="triangle">
@@ -9897,7 +10104,7 @@
         </p:nvSpPr>
         <p:spPr>
           <a:xfrm>
-            <a:off x="173528" y="4341467"/>
+            <a:off x="217315" y="2825102"/>
             <a:ext cx="1077539" cy="523220"/>
           </a:xfrm>
           <a:prstGeom prst="rect">
@@ -9921,10 +10128,10 @@
       </p:sp>
       <p:sp>
         <p:nvSpPr>
-          <p:cNvPr id="10" name="TextBox 9">
-            <a:extLst>
-              <a:ext uri="{FF2B5EF4-FFF2-40B4-BE49-F238E27FC236}">
-                <a16:creationId xmlns:a16="http://schemas.microsoft.com/office/drawing/2014/main" id="{BB3ECF84-DEC9-4FD0-B34A-D4530C0D8A35}"/>
+          <p:cNvPr id="3" name="TextBox 2">
+            <a:extLst>
+              <a:ext uri="{FF2B5EF4-FFF2-40B4-BE49-F238E27FC236}">
+                <a16:creationId xmlns:a16="http://schemas.microsoft.com/office/drawing/2014/main" id="{D6928F2D-6434-4FA8-B1D1-D711BAD679FC}"/>
               </a:ext>
             </a:extLst>
           </p:cNvPr>
@@ -9949,11 +10156,7 @@
           <a:p>
             <a:r>
               <a:rPr lang="en-US" altLang="ko-KR" sz="2800" b="1" dirty="0"/>
-              <a:t>Master </a:t>
-            </a:r>
-            <a:r>
-              <a:rPr lang="en-US" altLang="ko-KR" sz="2800" b="1" dirty="0" err="1"/>
-              <a:t>brench</a:t>
+              <a:t>Master branch</a:t>
             </a:r>
             <a:endParaRPr lang="ko-KR" altLang="en-US" sz="2800" b="1" dirty="0"/>
           </a:p>
@@ -9961,10 +10164,10 @@
       </p:sp>
       <p:sp>
         <p:nvSpPr>
-          <p:cNvPr id="12" name="TextBox 11">
-            <a:extLst>
-              <a:ext uri="{FF2B5EF4-FFF2-40B4-BE49-F238E27FC236}">
-                <a16:creationId xmlns:a16="http://schemas.microsoft.com/office/drawing/2014/main" id="{B0D980F8-C508-4D26-9573-6858B6432FCC}"/>
+          <p:cNvPr id="10" name="TextBox 9">
+            <a:extLst>
+              <a:ext uri="{FF2B5EF4-FFF2-40B4-BE49-F238E27FC236}">
+                <a16:creationId xmlns:a16="http://schemas.microsoft.com/office/drawing/2014/main" id="{86CF9D39-957B-4FB7-9A48-C32DC1B06D28}"/>
               </a:ext>
             </a:extLst>
           </p:cNvPr>
@@ -9988,23 +10191,19 @@
           <a:lstStyle/>
           <a:p>
             <a:r>
-              <a:rPr lang="ko-KR" altLang="en-US" sz="3200">
+              <a:rPr lang="ko-KR" altLang="en-US" sz="3200" dirty="0">
                 <a:latin typeface="HY강B" panose="02030600000101010101" pitchFamily="18" charset="-127"/>
                 <a:ea typeface="HY강B" panose="02030600000101010101" pitchFamily="18" charset="-127"/>
               </a:rPr>
               <a:t>깃 시나리오</a:t>
             </a:r>
-            <a:endParaRPr lang="ko-KR" altLang="en-US" sz="3200" dirty="0">
-              <a:latin typeface="HY강B" panose="02030600000101010101" pitchFamily="18" charset="-127"/>
-              <a:ea typeface="HY강B" panose="02030600000101010101" pitchFamily="18" charset="-127"/>
-            </a:endParaRPr>
           </a:p>
         </p:txBody>
       </p:sp>
     </p:spTree>
     <p:extLst>
       <p:ext uri="{BB962C8B-B14F-4D97-AF65-F5344CB8AC3E}">
-        <p14:creationId xmlns:p14="http://schemas.microsoft.com/office/powerpoint/2010/main" val="3688165991"/>
+        <p14:creationId xmlns:p14="http://schemas.microsoft.com/office/powerpoint/2010/main" val="323717277"/>
       </p:ext>
     </p:extLst>
   </p:cSld>
@@ -10033,10 +10232,10 @@
       </p:grpSpPr>
       <p:sp>
         <p:nvSpPr>
-          <p:cNvPr id="19" name="TextBox 18">
-            <a:extLst>
-              <a:ext uri="{FF2B5EF4-FFF2-40B4-BE49-F238E27FC236}">
-                <a16:creationId xmlns:a16="http://schemas.microsoft.com/office/drawing/2014/main" id="{127C49FC-DB8E-44F8-988C-C3F6B3C06EEE}"/>
+          <p:cNvPr id="7" name="TextBox 6">
+            <a:extLst>
+              <a:ext uri="{FF2B5EF4-FFF2-40B4-BE49-F238E27FC236}">
+                <a16:creationId xmlns:a16="http://schemas.microsoft.com/office/drawing/2014/main" id="{B9AE017A-619D-463E-A2AB-55343272BAD7}"/>
               </a:ext>
             </a:extLst>
           </p:cNvPr>
@@ -10045,8 +10244,8 @@
         </p:nvSpPr>
         <p:spPr>
           <a:xfrm>
-            <a:off x="1333961" y="5309602"/>
-            <a:ext cx="4972643" cy="523220"/>
+            <a:off x="173528" y="5959868"/>
+            <a:ext cx="2664384" cy="523220"/>
           </a:xfrm>
           <a:prstGeom prst="rect">
             <a:avLst/>
@@ -10061,22 +10260,18 @@
           <a:p>
             <a:r>
               <a:rPr lang="en-US" altLang="ko-KR" sz="2800" b="1" dirty="0"/>
-              <a:t>Commit1 : ReadMe.md </a:t>
-            </a:r>
-            <a:r>
-              <a:rPr lang="ko-KR" altLang="en-US" sz="2800" b="1" dirty="0"/>
-              <a:t>추가</a:t>
-            </a:r>
-            <a:endParaRPr lang="en-US" altLang="ko-KR" sz="2800" b="1" dirty="0"/>
-          </a:p>
-        </p:txBody>
-      </p:sp>
-      <p:sp>
-        <p:nvSpPr>
-          <p:cNvPr id="31" name="TextBox 30">
-            <a:extLst>
-              <a:ext uri="{FF2B5EF4-FFF2-40B4-BE49-F238E27FC236}">
-                <a16:creationId xmlns:a16="http://schemas.microsoft.com/office/drawing/2014/main" id="{7E6F9CA0-7D92-4D9C-BA17-AAF9931E621C}"/>
+              <a:t>Master branch</a:t>
+            </a:r>
+            <a:endParaRPr lang="ko-KR" altLang="en-US" sz="2800" b="1" dirty="0"/>
+          </a:p>
+        </p:txBody>
+      </p:sp>
+      <p:sp>
+        <p:nvSpPr>
+          <p:cNvPr id="19" name="TextBox 18">
+            <a:extLst>
+              <a:ext uri="{FF2B5EF4-FFF2-40B4-BE49-F238E27FC236}">
+                <a16:creationId xmlns:a16="http://schemas.microsoft.com/office/drawing/2014/main" id="{127C49FC-DB8E-44F8-988C-C3F6B3C06EEE}"/>
               </a:ext>
             </a:extLst>
           </p:cNvPr>
@@ -10085,8 +10280,8 @@
         </p:nvSpPr>
         <p:spPr>
           <a:xfrm>
-            <a:off x="1333961" y="3819112"/>
-            <a:ext cx="4277133" cy="523220"/>
+            <a:off x="1333961" y="5309602"/>
+            <a:ext cx="4972643" cy="523220"/>
           </a:xfrm>
           <a:prstGeom prst="rect">
             <a:avLst/>
@@ -10101,6 +10296,46 @@
           <a:p>
             <a:r>
               <a:rPr lang="en-US" altLang="ko-KR" sz="2800" b="1" dirty="0"/>
+              <a:t>Commit1 : ReadMe.md </a:t>
+            </a:r>
+            <a:r>
+              <a:rPr lang="ko-KR" altLang="en-US" sz="2800" b="1" dirty="0"/>
+              <a:t>추가</a:t>
+            </a:r>
+            <a:endParaRPr lang="en-US" altLang="ko-KR" sz="2800" b="1" dirty="0"/>
+          </a:p>
+        </p:txBody>
+      </p:sp>
+      <p:sp>
+        <p:nvSpPr>
+          <p:cNvPr id="31" name="TextBox 30">
+            <a:extLst>
+              <a:ext uri="{FF2B5EF4-FFF2-40B4-BE49-F238E27FC236}">
+                <a16:creationId xmlns:a16="http://schemas.microsoft.com/office/drawing/2014/main" id="{7E6F9CA0-7D92-4D9C-BA17-AAF9931E621C}"/>
+              </a:ext>
+            </a:extLst>
+          </p:cNvPr>
+          <p:cNvSpPr txBox="1"/>
+          <p:nvPr/>
+        </p:nvSpPr>
+        <p:spPr>
+          <a:xfrm>
+            <a:off x="1333961" y="3819112"/>
+            <a:ext cx="4277133" cy="523220"/>
+          </a:xfrm>
+          <a:prstGeom prst="rect">
+            <a:avLst/>
+          </a:prstGeom>
+          <a:noFill/>
+        </p:spPr>
+        <p:txBody>
+          <a:bodyPr wrap="none" rtlCol="0">
+            <a:spAutoFit/>
+          </a:bodyPr>
+          <a:lstStyle/>
+          <a:p>
+            <a:r>
+              <a:rPr lang="en-US" altLang="ko-KR" sz="2800" b="1" dirty="0"/>
               <a:t>Commit2 : </a:t>
             </a:r>
             <a:r>
@@ -10120,6 +10355,53 @@
       </p:sp>
       <p:sp>
         <p:nvSpPr>
+          <p:cNvPr id="33" name="TextBox 32">
+            <a:extLst>
+              <a:ext uri="{FF2B5EF4-FFF2-40B4-BE49-F238E27FC236}">
+                <a16:creationId xmlns:a16="http://schemas.microsoft.com/office/drawing/2014/main" id="{997A2E84-C34C-49C3-AFEA-3375A0B08B8C}"/>
+              </a:ext>
+            </a:extLst>
+          </p:cNvPr>
+          <p:cNvSpPr txBox="1"/>
+          <p:nvPr/>
+        </p:nvSpPr>
+        <p:spPr>
+          <a:xfrm>
+            <a:off x="1333961" y="2321897"/>
+            <a:ext cx="4014240" cy="523220"/>
+          </a:xfrm>
+          <a:prstGeom prst="rect">
+            <a:avLst/>
+          </a:prstGeom>
+          <a:noFill/>
+        </p:spPr>
+        <p:txBody>
+          <a:bodyPr wrap="none" rtlCol="0">
+            <a:spAutoFit/>
+          </a:bodyPr>
+          <a:lstStyle/>
+          <a:p>
+            <a:r>
+              <a:rPr lang="en-US" altLang="ko-KR" sz="2800" b="1" dirty="0"/>
+              <a:t>Commit3 : </a:t>
+            </a:r>
+            <a:r>
+              <a:rPr lang="en-US" altLang="ko-KR" sz="2800" b="1" dirty="0" err="1"/>
+              <a:t>in.php</a:t>
+            </a:r>
+            <a:r>
+              <a:rPr lang="en-US" altLang="ko-KR" sz="2800" b="1" dirty="0"/>
+              <a:t> </a:t>
+            </a:r>
+            <a:r>
+              <a:rPr lang="ko-KR" altLang="en-US" sz="2800" b="1" dirty="0"/>
+              <a:t>추가</a:t>
+            </a:r>
+          </a:p>
+        </p:txBody>
+      </p:sp>
+      <p:sp>
+        <p:nvSpPr>
           <p:cNvPr id="5" name="직사각형 4">
             <a:extLst>
               <a:ext uri="{FF2B5EF4-FFF2-40B4-BE49-F238E27FC236}">
@@ -10132,8 +10414,8 @@
         </p:nvSpPr>
         <p:spPr>
           <a:xfrm rot="16200000">
-            <a:off x="-149769" y="4833699"/>
-            <a:ext cx="1779631" cy="218613"/>
+            <a:off x="-934466" y="4049001"/>
+            <a:ext cx="3349026" cy="218613"/>
           </a:xfrm>
           <a:prstGeom prst="rect">
             <a:avLst/>
@@ -10258,6 +10540,52 @@
       </p:sp>
       <p:sp>
         <p:nvSpPr>
+          <p:cNvPr id="17" name="타원 16">
+            <a:extLst>
+              <a:ext uri="{FF2B5EF4-FFF2-40B4-BE49-F238E27FC236}">
+                <a16:creationId xmlns:a16="http://schemas.microsoft.com/office/drawing/2014/main" id="{FD592BA5-1DD8-4AB4-9E20-903D97769EF4}"/>
+              </a:ext>
+            </a:extLst>
+          </p:cNvPr>
+          <p:cNvSpPr/>
+          <p:nvPr/>
+        </p:nvSpPr>
+        <p:spPr>
+          <a:xfrm rot="16200000">
+            <a:off x="445873" y="2269973"/>
+            <a:ext cx="575144" cy="575144"/>
+          </a:xfrm>
+          <a:prstGeom prst="ellipse">
+            <a:avLst/>
+          </a:prstGeom>
+        </p:spPr>
+        <p:style>
+          <a:lnRef idx="2">
+            <a:schemeClr val="accent5">
+              <a:shade val="50000"/>
+            </a:schemeClr>
+          </a:lnRef>
+          <a:fillRef idx="1">
+            <a:schemeClr val="accent5"/>
+          </a:fillRef>
+          <a:effectRef idx="0">
+            <a:schemeClr val="accent5"/>
+          </a:effectRef>
+          <a:fontRef idx="minor">
+            <a:schemeClr val="lt1"/>
+          </a:fontRef>
+        </p:style>
+        <p:txBody>
+          <a:bodyPr rtlCol="0" anchor="ctr"/>
+          <a:lstStyle/>
+          <a:p>
+            <a:pPr algn="ctr"/>
+            <a:endParaRPr lang="ko-KR" altLang="en-US"/>
+          </a:p>
+        </p:txBody>
+      </p:sp>
+      <p:sp>
+        <p:nvSpPr>
           <p:cNvPr id="4" name="이등변 삼각형 3">
             <a:extLst>
               <a:ext uri="{FF2B5EF4-FFF2-40B4-BE49-F238E27FC236}">
@@ -10270,7 +10598,7 @@
         </p:nvSpPr>
         <p:spPr>
           <a:xfrm rot="10800000">
-            <a:off x="357251" y="3337151"/>
+            <a:off x="313464" y="1838822"/>
             <a:ext cx="797668" cy="330740"/>
           </a:xfrm>
           <a:prstGeom prst="triangle">
@@ -10316,7 +10644,7 @@
         </p:nvSpPr>
         <p:spPr>
           <a:xfrm>
-            <a:off x="217315" y="2825102"/>
+            <a:off x="173528" y="1326773"/>
             <a:ext cx="1077539" cy="523220"/>
           </a:xfrm>
           <a:prstGeom prst="rect">
@@ -10340,50 +10668,10 @@
       </p:sp>
       <p:sp>
         <p:nvSpPr>
-          <p:cNvPr id="3" name="TextBox 2">
-            <a:extLst>
-              <a:ext uri="{FF2B5EF4-FFF2-40B4-BE49-F238E27FC236}">
-                <a16:creationId xmlns:a16="http://schemas.microsoft.com/office/drawing/2014/main" id="{D6928F2D-6434-4FA8-B1D1-D711BAD679FC}"/>
-              </a:ext>
-            </a:extLst>
-          </p:cNvPr>
-          <p:cNvSpPr txBox="1"/>
-          <p:nvPr/>
-        </p:nvSpPr>
-        <p:spPr>
-          <a:xfrm>
-            <a:off x="173528" y="5959868"/>
-            <a:ext cx="2664384" cy="523220"/>
-          </a:xfrm>
-          <a:prstGeom prst="rect">
-            <a:avLst/>
-          </a:prstGeom>
-          <a:noFill/>
-        </p:spPr>
-        <p:txBody>
-          <a:bodyPr wrap="none" rtlCol="0">
-            <a:spAutoFit/>
-          </a:bodyPr>
-          <a:lstStyle/>
-          <a:p>
-            <a:r>
-              <a:rPr lang="en-US" altLang="ko-KR" sz="2800" b="1" dirty="0"/>
-              <a:t>Master </a:t>
-            </a:r>
-            <a:r>
-              <a:rPr lang="en-US" altLang="ko-KR" sz="2800" b="1" dirty="0" err="1"/>
-              <a:t>brench</a:t>
-            </a:r>
-            <a:endParaRPr lang="ko-KR" altLang="en-US" sz="2800" b="1" dirty="0"/>
-          </a:p>
-        </p:txBody>
-      </p:sp>
-      <p:sp>
-        <p:nvSpPr>
-          <p:cNvPr id="10" name="TextBox 9">
-            <a:extLst>
-              <a:ext uri="{FF2B5EF4-FFF2-40B4-BE49-F238E27FC236}">
-                <a16:creationId xmlns:a16="http://schemas.microsoft.com/office/drawing/2014/main" id="{86CF9D39-957B-4FB7-9A48-C32DC1B06D28}"/>
+          <p:cNvPr id="8" name="TextBox 7">
+            <a:extLst>
+              <a:ext uri="{FF2B5EF4-FFF2-40B4-BE49-F238E27FC236}">
+                <a16:creationId xmlns:a16="http://schemas.microsoft.com/office/drawing/2014/main" id="{133D0055-5BC2-4BC1-8924-C1B443A5A496}"/>
               </a:ext>
             </a:extLst>
           </p:cNvPr>
@@ -10419,7 +10707,7 @@
     </p:spTree>
     <p:extLst>
       <p:ext uri="{BB962C8B-B14F-4D97-AF65-F5344CB8AC3E}">
-        <p14:creationId xmlns:p14="http://schemas.microsoft.com/office/powerpoint/2010/main" val="323717277"/>
+        <p14:creationId xmlns:p14="http://schemas.microsoft.com/office/powerpoint/2010/main" val="3587046569"/>
       </p:ext>
     </p:extLst>
   </p:cSld>
@@ -10461,7 +10749,7 @@
         <p:spPr>
           <a:xfrm>
             <a:off x="173528" y="5959868"/>
-            <a:ext cx="2664384" cy="523220"/>
+            <a:ext cx="2664512" cy="523220"/>
           </a:xfrm>
           <a:prstGeom prst="rect">
             <a:avLst/>
@@ -10476,11 +10764,7 @@
           <a:p>
             <a:r>
               <a:rPr lang="en-US" altLang="ko-KR" sz="2800" b="1" dirty="0"/>
-              <a:t>Master </a:t>
-            </a:r>
-            <a:r>
-              <a:rPr lang="en-US" altLang="ko-KR" sz="2800" b="1" dirty="0" err="1"/>
-              <a:t>brench</a:t>
+              <a:t>Master branch</a:t>
             </a:r>
             <a:endParaRPr lang="ko-KR" altLang="en-US" sz="2800" b="1" dirty="0"/>
           </a:p>
@@ -10622,6 +10906,54 @@
       </p:sp>
       <p:sp>
         <p:nvSpPr>
+          <p:cNvPr id="2" name="TextBox 1">
+            <a:extLst>
+              <a:ext uri="{FF2B5EF4-FFF2-40B4-BE49-F238E27FC236}">
+                <a16:creationId xmlns:a16="http://schemas.microsoft.com/office/drawing/2014/main" id="{9D105D9D-E7F6-4869-8500-D317C1344352}"/>
+              </a:ext>
+            </a:extLst>
+          </p:cNvPr>
+          <p:cNvSpPr txBox="1"/>
+          <p:nvPr/>
+        </p:nvSpPr>
+        <p:spPr>
+          <a:xfrm>
+            <a:off x="1333961" y="876318"/>
+            <a:ext cx="4732386" cy="523220"/>
+          </a:xfrm>
+          <a:prstGeom prst="rect">
+            <a:avLst/>
+          </a:prstGeom>
+          <a:noFill/>
+        </p:spPr>
+        <p:txBody>
+          <a:bodyPr wrap="none" rtlCol="0">
+            <a:spAutoFit/>
+          </a:bodyPr>
+          <a:lstStyle/>
+          <a:p>
+            <a:r>
+              <a:rPr lang="en-US" altLang="ko-KR" sz="2800" b="1" dirty="0"/>
+              <a:t>Commit4 : </a:t>
+            </a:r>
+            <a:r>
+              <a:rPr lang="en-US" altLang="ko-KR" sz="2800" b="1" dirty="0" err="1"/>
+              <a:t>in.php</a:t>
+            </a:r>
+            <a:r>
+              <a:rPr lang="en-US" altLang="ko-KR" sz="2800" b="1" dirty="0"/>
+              <a:t> </a:t>
+            </a:r>
+            <a:r>
+              <a:rPr lang="ko-KR" altLang="en-US" sz="2800" b="1" dirty="0" err="1"/>
+              <a:t>버그픽스</a:t>
+            </a:r>
+            <a:endParaRPr lang="ko-KR" altLang="en-US" sz="2800" b="1" dirty="0"/>
+          </a:p>
+        </p:txBody>
+      </p:sp>
+      <p:sp>
+        <p:nvSpPr>
           <p:cNvPr id="5" name="직사각형 4">
             <a:extLst>
               <a:ext uri="{FF2B5EF4-FFF2-40B4-BE49-F238E27FC236}">
@@ -10634,8 +10966,8 @@
         </p:nvSpPr>
         <p:spPr>
           <a:xfrm rot="16200000">
-            <a:off x="-934466" y="4049001"/>
-            <a:ext cx="3349026" cy="218613"/>
+            <a:off x="-1663776" y="3319693"/>
+            <a:ext cx="4807645" cy="218613"/>
           </a:xfrm>
           <a:prstGeom prst="rect">
             <a:avLst/>
@@ -10806,6 +11138,52 @@
       </p:sp>
       <p:sp>
         <p:nvSpPr>
+          <p:cNvPr id="29" name="타원 28">
+            <a:extLst>
+              <a:ext uri="{FF2B5EF4-FFF2-40B4-BE49-F238E27FC236}">
+                <a16:creationId xmlns:a16="http://schemas.microsoft.com/office/drawing/2014/main" id="{CF066EFF-17B4-4F59-BC66-77F0023A10FB}"/>
+              </a:ext>
+            </a:extLst>
+          </p:cNvPr>
+          <p:cNvSpPr/>
+          <p:nvPr/>
+        </p:nvSpPr>
+        <p:spPr>
+          <a:xfrm rot="16200000">
+            <a:off x="445873" y="824394"/>
+            <a:ext cx="575144" cy="575144"/>
+          </a:xfrm>
+          <a:prstGeom prst="ellipse">
+            <a:avLst/>
+          </a:prstGeom>
+        </p:spPr>
+        <p:style>
+          <a:lnRef idx="2">
+            <a:schemeClr val="accent5">
+              <a:shade val="50000"/>
+            </a:schemeClr>
+          </a:lnRef>
+          <a:fillRef idx="1">
+            <a:schemeClr val="accent5"/>
+          </a:fillRef>
+          <a:effectRef idx="0">
+            <a:schemeClr val="accent5"/>
+          </a:effectRef>
+          <a:fontRef idx="minor">
+            <a:schemeClr val="lt1"/>
+          </a:fontRef>
+        </p:style>
+        <p:txBody>
+          <a:bodyPr rtlCol="0" anchor="ctr"/>
+          <a:lstStyle/>
+          <a:p>
+            <a:pPr algn="ctr"/>
+            <a:endParaRPr lang="ko-KR" altLang="en-US"/>
+          </a:p>
+        </p:txBody>
+      </p:sp>
+      <p:sp>
+        <p:nvSpPr>
           <p:cNvPr id="4" name="이등변 삼각형 3">
             <a:extLst>
               <a:ext uri="{FF2B5EF4-FFF2-40B4-BE49-F238E27FC236}">
@@ -10818,7 +11196,7 @@
         </p:nvSpPr>
         <p:spPr>
           <a:xfrm rot="10800000">
-            <a:off x="313464" y="1838822"/>
+            <a:off x="334611" y="439817"/>
             <a:ext cx="797668" cy="330740"/>
           </a:xfrm>
           <a:prstGeom prst="triangle">
@@ -10864,7 +11242,7 @@
         </p:nvSpPr>
         <p:spPr>
           <a:xfrm>
-            <a:off x="173528" y="1326773"/>
+            <a:off x="194675" y="-72232"/>
             <a:ext cx="1077539" cy="523220"/>
           </a:xfrm>
           <a:prstGeom prst="rect">
@@ -10891,7 +11269,7 @@
           <p:cNvPr id="8" name="TextBox 7">
             <a:extLst>
               <a:ext uri="{FF2B5EF4-FFF2-40B4-BE49-F238E27FC236}">
-                <a16:creationId xmlns:a16="http://schemas.microsoft.com/office/drawing/2014/main" id="{133D0055-5BC2-4BC1-8924-C1B443A5A496}"/>
+                <a16:creationId xmlns:a16="http://schemas.microsoft.com/office/drawing/2014/main" id="{CDC4A971-C9D6-4E83-ABD4-418CCA7D88A4}"/>
               </a:ext>
             </a:extLst>
           </p:cNvPr>
@@ -10927,7 +11305,7 @@
     </p:spTree>
     <p:extLst>
       <p:ext uri="{BB962C8B-B14F-4D97-AF65-F5344CB8AC3E}">
-        <p14:creationId xmlns:p14="http://schemas.microsoft.com/office/powerpoint/2010/main" val="3587046569"/>
+        <p14:creationId xmlns:p14="http://schemas.microsoft.com/office/powerpoint/2010/main" val="1100661511"/>
       </p:ext>
     </p:extLst>
   </p:cSld>
@@ -10969,7 +11347,7 @@
         <p:spPr>
           <a:xfrm>
             <a:off x="173528" y="5959868"/>
-            <a:ext cx="2791020" cy="523220"/>
+            <a:ext cx="2664384" cy="523220"/>
           </a:xfrm>
           <a:prstGeom prst="rect">
             <a:avLst/>
@@ -10984,15 +11362,7 @@
           <a:p>
             <a:r>
               <a:rPr lang="en-US" altLang="ko-KR" sz="2800" b="1" dirty="0"/>
-              <a:t>Master </a:t>
-            </a:r>
-            <a:r>
-              <a:rPr lang="en-US" altLang="ko-KR" sz="2800" b="1" dirty="0" err="1"/>
-              <a:t>brench</a:t>
-            </a:r>
-            <a:r>
-              <a:rPr lang="en-US" altLang="ko-KR" sz="2800" b="1" dirty="0"/>
-              <a:t> </a:t>
+              <a:t>Master branch</a:t>
             </a:r>
             <a:endParaRPr lang="ko-KR" altLang="en-US" sz="2800" b="1" dirty="0"/>
           </a:p>
@@ -11494,10 +11864,10 @@
       </p:sp>
       <p:sp>
         <p:nvSpPr>
-          <p:cNvPr id="8" name="TextBox 7">
-            <a:extLst>
-              <a:ext uri="{FF2B5EF4-FFF2-40B4-BE49-F238E27FC236}">
-                <a16:creationId xmlns:a16="http://schemas.microsoft.com/office/drawing/2014/main" id="{CDC4A971-C9D6-4E83-ABD4-418CCA7D88A4}"/>
+          <p:cNvPr id="3" name="TextBox 2">
+            <a:extLst>
+              <a:ext uri="{FF2B5EF4-FFF2-40B4-BE49-F238E27FC236}">
+                <a16:creationId xmlns:a16="http://schemas.microsoft.com/office/drawing/2014/main" id="{F37E017C-3CDD-4EA4-99CD-7B0C66894A31}"/>
               </a:ext>
             </a:extLst>
           </p:cNvPr>
@@ -11533,7 +11903,7 @@
     </p:spTree>
     <p:extLst>
       <p:ext uri="{BB962C8B-B14F-4D97-AF65-F5344CB8AC3E}">
-        <p14:creationId xmlns:p14="http://schemas.microsoft.com/office/powerpoint/2010/main" val="1100661511"/>
+        <p14:creationId xmlns:p14="http://schemas.microsoft.com/office/powerpoint/2010/main" val="2059762154"/>
       </p:ext>
     </p:extLst>
   </p:cSld>
@@ -11562,232 +11932,10 @@
       </p:grpSpPr>
       <p:sp>
         <p:nvSpPr>
-          <p:cNvPr id="7" name="TextBox 6">
-            <a:extLst>
-              <a:ext uri="{FF2B5EF4-FFF2-40B4-BE49-F238E27FC236}">
-                <a16:creationId xmlns:a16="http://schemas.microsoft.com/office/drawing/2014/main" id="{B9AE017A-619D-463E-A2AB-55343272BAD7}"/>
-              </a:ext>
-            </a:extLst>
-          </p:cNvPr>
-          <p:cNvSpPr txBox="1"/>
-          <p:nvPr/>
-        </p:nvSpPr>
-        <p:spPr>
-          <a:xfrm>
-            <a:off x="173528" y="5959868"/>
-            <a:ext cx="2664384" cy="523220"/>
-          </a:xfrm>
-          <a:prstGeom prst="rect">
-            <a:avLst/>
-          </a:prstGeom>
-          <a:noFill/>
-        </p:spPr>
-        <p:txBody>
-          <a:bodyPr wrap="none" rtlCol="0">
-            <a:spAutoFit/>
-          </a:bodyPr>
-          <a:lstStyle/>
-          <a:p>
-            <a:r>
-              <a:rPr lang="en-US" altLang="ko-KR" sz="2800" b="1" dirty="0"/>
-              <a:t>Master </a:t>
-            </a:r>
-            <a:r>
-              <a:rPr lang="en-US" altLang="ko-KR" sz="2800" b="1" dirty="0" err="1"/>
-              <a:t>brench</a:t>
-            </a:r>
-            <a:endParaRPr lang="ko-KR" altLang="en-US" sz="2800" b="1" dirty="0"/>
-          </a:p>
-        </p:txBody>
-      </p:sp>
-      <p:sp>
-        <p:nvSpPr>
-          <p:cNvPr id="19" name="TextBox 18">
-            <a:extLst>
-              <a:ext uri="{FF2B5EF4-FFF2-40B4-BE49-F238E27FC236}">
-                <a16:creationId xmlns:a16="http://schemas.microsoft.com/office/drawing/2014/main" id="{127C49FC-DB8E-44F8-988C-C3F6B3C06EEE}"/>
-              </a:ext>
-            </a:extLst>
-          </p:cNvPr>
-          <p:cNvSpPr txBox="1"/>
-          <p:nvPr/>
-        </p:nvSpPr>
-        <p:spPr>
-          <a:xfrm>
-            <a:off x="1333961" y="5309602"/>
-            <a:ext cx="4972643" cy="523220"/>
-          </a:xfrm>
-          <a:prstGeom prst="rect">
-            <a:avLst/>
-          </a:prstGeom>
-          <a:noFill/>
-        </p:spPr>
-        <p:txBody>
-          <a:bodyPr wrap="none" rtlCol="0">
-            <a:spAutoFit/>
-          </a:bodyPr>
-          <a:lstStyle/>
-          <a:p>
-            <a:r>
-              <a:rPr lang="en-US" altLang="ko-KR" sz="2800" b="1" dirty="0"/>
-              <a:t>Commit1 : ReadMe.md </a:t>
-            </a:r>
-            <a:r>
-              <a:rPr lang="ko-KR" altLang="en-US" sz="2800" b="1" dirty="0"/>
-              <a:t>추가</a:t>
-            </a:r>
-            <a:endParaRPr lang="en-US" altLang="ko-KR" sz="2800" b="1" dirty="0"/>
-          </a:p>
-        </p:txBody>
-      </p:sp>
-      <p:sp>
-        <p:nvSpPr>
-          <p:cNvPr id="31" name="TextBox 30">
-            <a:extLst>
-              <a:ext uri="{FF2B5EF4-FFF2-40B4-BE49-F238E27FC236}">
-                <a16:creationId xmlns:a16="http://schemas.microsoft.com/office/drawing/2014/main" id="{7E6F9CA0-7D92-4D9C-BA17-AAF9931E621C}"/>
-              </a:ext>
-            </a:extLst>
-          </p:cNvPr>
-          <p:cNvSpPr txBox="1"/>
-          <p:nvPr/>
-        </p:nvSpPr>
-        <p:spPr>
-          <a:xfrm>
-            <a:off x="1333961" y="3819112"/>
-            <a:ext cx="4277133" cy="523220"/>
-          </a:xfrm>
-          <a:prstGeom prst="rect">
-            <a:avLst/>
-          </a:prstGeom>
-          <a:noFill/>
-        </p:spPr>
-        <p:txBody>
-          <a:bodyPr wrap="none" rtlCol="0">
-            <a:spAutoFit/>
-          </a:bodyPr>
-          <a:lstStyle/>
-          <a:p>
-            <a:r>
-              <a:rPr lang="en-US" altLang="ko-KR" sz="2800" b="1" dirty="0"/>
-              <a:t>Commit2 : </a:t>
-            </a:r>
-            <a:r>
-              <a:rPr lang="en-US" altLang="ko-KR" sz="2800" b="1" dirty="0" err="1"/>
-              <a:t>out.php</a:t>
-            </a:r>
-            <a:r>
-              <a:rPr lang="en-US" altLang="ko-KR" sz="2800" b="1" dirty="0"/>
-              <a:t> </a:t>
-            </a:r>
-            <a:r>
-              <a:rPr lang="ko-KR" altLang="en-US" sz="2800" b="1" dirty="0"/>
-              <a:t>추가</a:t>
-            </a:r>
-          </a:p>
-        </p:txBody>
-      </p:sp>
-      <p:sp>
-        <p:nvSpPr>
-          <p:cNvPr id="33" name="TextBox 32">
-            <a:extLst>
-              <a:ext uri="{FF2B5EF4-FFF2-40B4-BE49-F238E27FC236}">
-                <a16:creationId xmlns:a16="http://schemas.microsoft.com/office/drawing/2014/main" id="{997A2E84-C34C-49C3-AFEA-3375A0B08B8C}"/>
-              </a:ext>
-            </a:extLst>
-          </p:cNvPr>
-          <p:cNvSpPr txBox="1"/>
-          <p:nvPr/>
-        </p:nvSpPr>
-        <p:spPr>
-          <a:xfrm>
-            <a:off x="1333961" y="2321897"/>
-            <a:ext cx="4014240" cy="523220"/>
-          </a:xfrm>
-          <a:prstGeom prst="rect">
-            <a:avLst/>
-          </a:prstGeom>
-          <a:noFill/>
-        </p:spPr>
-        <p:txBody>
-          <a:bodyPr wrap="none" rtlCol="0">
-            <a:spAutoFit/>
-          </a:bodyPr>
-          <a:lstStyle/>
-          <a:p>
-            <a:r>
-              <a:rPr lang="en-US" altLang="ko-KR" sz="2800" b="1" dirty="0"/>
-              <a:t>Commit3 : </a:t>
-            </a:r>
-            <a:r>
-              <a:rPr lang="en-US" altLang="ko-KR" sz="2800" b="1" dirty="0" err="1"/>
-              <a:t>in.php</a:t>
-            </a:r>
-            <a:r>
-              <a:rPr lang="en-US" altLang="ko-KR" sz="2800" b="1" dirty="0"/>
-              <a:t> </a:t>
-            </a:r>
-            <a:r>
-              <a:rPr lang="ko-KR" altLang="en-US" sz="2800" b="1" dirty="0"/>
-              <a:t>추가</a:t>
-            </a:r>
-          </a:p>
-        </p:txBody>
-      </p:sp>
-      <p:sp>
-        <p:nvSpPr>
-          <p:cNvPr id="2" name="TextBox 1">
-            <a:extLst>
-              <a:ext uri="{FF2B5EF4-FFF2-40B4-BE49-F238E27FC236}">
-                <a16:creationId xmlns:a16="http://schemas.microsoft.com/office/drawing/2014/main" id="{9D105D9D-E7F6-4869-8500-D317C1344352}"/>
-              </a:ext>
-            </a:extLst>
-          </p:cNvPr>
-          <p:cNvSpPr txBox="1"/>
-          <p:nvPr/>
-        </p:nvSpPr>
-        <p:spPr>
-          <a:xfrm>
-            <a:off x="1333961" y="876318"/>
-            <a:ext cx="4732386" cy="523220"/>
-          </a:xfrm>
-          <a:prstGeom prst="rect">
-            <a:avLst/>
-          </a:prstGeom>
-          <a:noFill/>
-        </p:spPr>
-        <p:txBody>
-          <a:bodyPr wrap="none" rtlCol="0">
-            <a:spAutoFit/>
-          </a:bodyPr>
-          <a:lstStyle/>
-          <a:p>
-            <a:r>
-              <a:rPr lang="en-US" altLang="ko-KR" sz="2800" b="1" dirty="0"/>
-              <a:t>Commit4 : </a:t>
-            </a:r>
-            <a:r>
-              <a:rPr lang="en-US" altLang="ko-KR" sz="2800" b="1" dirty="0" err="1"/>
-              <a:t>in.php</a:t>
-            </a:r>
-            <a:r>
-              <a:rPr lang="en-US" altLang="ko-KR" sz="2800" b="1" dirty="0"/>
-              <a:t> </a:t>
-            </a:r>
-            <a:r>
-              <a:rPr lang="ko-KR" altLang="en-US" sz="2800" b="1" dirty="0" err="1"/>
-              <a:t>버그픽스</a:t>
-            </a:r>
-            <a:endParaRPr lang="ko-KR" altLang="en-US" sz="2800" b="1" dirty="0"/>
-          </a:p>
-        </p:txBody>
-      </p:sp>
-      <p:sp>
-        <p:nvSpPr>
           <p:cNvPr id="5" name="직사각형 4">
             <a:extLst>
               <a:ext uri="{FF2B5EF4-FFF2-40B4-BE49-F238E27FC236}">
-                <a16:creationId xmlns:a16="http://schemas.microsoft.com/office/drawing/2014/main" id="{0F1B79EA-4E33-46E2-8E10-2ED72CA54F02}"/>
+                <a16:creationId xmlns:a16="http://schemas.microsoft.com/office/drawing/2014/main" id="{4D492832-CDAB-4C83-B403-B2418D50D7B1}"/>
               </a:ext>
             </a:extLst>
           </p:cNvPr>
@@ -11795,28 +11943,31 @@
           <p:nvPr/>
         </p:nvSpPr>
         <p:spPr>
-          <a:xfrm rot="16200000">
-            <a:off x="-1663776" y="3319693"/>
-            <a:ext cx="4807645" cy="218613"/>
-          </a:xfrm>
-          <a:prstGeom prst="rect">
-            <a:avLst/>
-          </a:prstGeom>
+          <a:xfrm>
+            <a:off x="4178480" y="2756831"/>
+            <a:ext cx="3835039" cy="1344337"/>
+          </a:xfrm>
+          <a:prstGeom prst="rect">
+            <a:avLst/>
+          </a:prstGeom>
+          <a:ln w="38100">
+            <a:solidFill>
+              <a:schemeClr val="tx1"/>
+            </a:solidFill>
+          </a:ln>
         </p:spPr>
         <p:style>
           <a:lnRef idx="2">
-            <a:schemeClr val="accent6">
-              <a:shade val="50000"/>
-            </a:schemeClr>
+            <a:schemeClr val="dk1"/>
           </a:lnRef>
           <a:fillRef idx="1">
-            <a:schemeClr val="accent6"/>
+            <a:schemeClr val="lt1"/>
           </a:fillRef>
           <a:effectRef idx="0">
-            <a:schemeClr val="accent6"/>
+            <a:schemeClr val="dk1"/>
           </a:effectRef>
           <a:fontRef idx="minor">
-            <a:schemeClr val="lt1"/>
+            <a:schemeClr val="dk1"/>
           </a:fontRef>
         </p:style>
         <p:txBody>
@@ -11824,318 +11975,46 @@
           <a:lstStyle/>
           <a:p>
             <a:pPr algn="ctr"/>
-            <a:endParaRPr lang="ko-KR" altLang="en-US"/>
-          </a:p>
-        </p:txBody>
-      </p:sp>
-      <p:sp>
-        <p:nvSpPr>
-          <p:cNvPr id="9" name="타원 8">
-            <a:extLst>
-              <a:ext uri="{FF2B5EF4-FFF2-40B4-BE49-F238E27FC236}">
-                <a16:creationId xmlns:a16="http://schemas.microsoft.com/office/drawing/2014/main" id="{A9100468-4D6F-47DF-86AA-7D07064F2816}"/>
-              </a:ext>
-            </a:extLst>
-          </p:cNvPr>
-          <p:cNvSpPr/>
-          <p:nvPr/>
-        </p:nvSpPr>
-        <p:spPr>
-          <a:xfrm rot="16200000">
-            <a:off x="447530" y="5311515"/>
-            <a:ext cx="575144" cy="575144"/>
-          </a:xfrm>
-          <a:prstGeom prst="ellipse">
-            <a:avLst/>
-          </a:prstGeom>
-        </p:spPr>
-        <p:style>
-          <a:lnRef idx="2">
-            <a:schemeClr val="accent5">
-              <a:shade val="50000"/>
-            </a:schemeClr>
-          </a:lnRef>
-          <a:fillRef idx="1">
-            <a:schemeClr val="accent5"/>
-          </a:fillRef>
-          <a:effectRef idx="0">
-            <a:schemeClr val="accent5"/>
-          </a:effectRef>
-          <a:fontRef idx="minor">
-            <a:schemeClr val="lt1"/>
-          </a:fontRef>
-        </p:style>
-        <p:txBody>
-          <a:bodyPr rtlCol="0" anchor="ctr"/>
-          <a:lstStyle/>
-          <a:p>
-            <a:pPr algn="ctr"/>
-            <a:endParaRPr lang="ko-KR" altLang="en-US"/>
-          </a:p>
-        </p:txBody>
-      </p:sp>
-      <p:sp>
-        <p:nvSpPr>
-          <p:cNvPr id="13" name="타원 12">
-            <a:extLst>
-              <a:ext uri="{FF2B5EF4-FFF2-40B4-BE49-F238E27FC236}">
-                <a16:creationId xmlns:a16="http://schemas.microsoft.com/office/drawing/2014/main" id="{9E780785-362D-42CF-8D41-9EF18D3BADCC}"/>
-              </a:ext>
-            </a:extLst>
-          </p:cNvPr>
-          <p:cNvSpPr/>
-          <p:nvPr/>
-        </p:nvSpPr>
-        <p:spPr>
-          <a:xfrm rot="16200000">
-            <a:off x="447530" y="3793150"/>
-            <a:ext cx="575144" cy="575144"/>
-          </a:xfrm>
-          <a:prstGeom prst="ellipse">
-            <a:avLst/>
-          </a:prstGeom>
-        </p:spPr>
-        <p:style>
-          <a:lnRef idx="2">
-            <a:schemeClr val="accent5">
-              <a:shade val="50000"/>
-            </a:schemeClr>
-          </a:lnRef>
-          <a:fillRef idx="1">
-            <a:schemeClr val="accent5"/>
-          </a:fillRef>
-          <a:effectRef idx="0">
-            <a:schemeClr val="accent5"/>
-          </a:effectRef>
-          <a:fontRef idx="minor">
-            <a:schemeClr val="lt1"/>
-          </a:fontRef>
-        </p:style>
-        <p:txBody>
-          <a:bodyPr rtlCol="0" anchor="ctr"/>
-          <a:lstStyle/>
-          <a:p>
-            <a:pPr algn="ctr"/>
-            <a:endParaRPr lang="ko-KR" altLang="en-US"/>
-          </a:p>
-        </p:txBody>
-      </p:sp>
-      <p:sp>
-        <p:nvSpPr>
-          <p:cNvPr id="17" name="타원 16">
-            <a:extLst>
-              <a:ext uri="{FF2B5EF4-FFF2-40B4-BE49-F238E27FC236}">
-                <a16:creationId xmlns:a16="http://schemas.microsoft.com/office/drawing/2014/main" id="{FD592BA5-1DD8-4AB4-9E20-903D97769EF4}"/>
-              </a:ext>
-            </a:extLst>
-          </p:cNvPr>
-          <p:cNvSpPr/>
-          <p:nvPr/>
-        </p:nvSpPr>
-        <p:spPr>
-          <a:xfrm rot="16200000">
-            <a:off x="445873" y="2269973"/>
-            <a:ext cx="575144" cy="575144"/>
-          </a:xfrm>
-          <a:prstGeom prst="ellipse">
-            <a:avLst/>
-          </a:prstGeom>
-        </p:spPr>
-        <p:style>
-          <a:lnRef idx="2">
-            <a:schemeClr val="accent5">
-              <a:shade val="50000"/>
-            </a:schemeClr>
-          </a:lnRef>
-          <a:fillRef idx="1">
-            <a:schemeClr val="accent5"/>
-          </a:fillRef>
-          <a:effectRef idx="0">
-            <a:schemeClr val="accent5"/>
-          </a:effectRef>
-          <a:fontRef idx="minor">
-            <a:schemeClr val="lt1"/>
-          </a:fontRef>
-        </p:style>
-        <p:txBody>
-          <a:bodyPr rtlCol="0" anchor="ctr"/>
-          <a:lstStyle/>
-          <a:p>
-            <a:pPr algn="ctr"/>
-            <a:endParaRPr lang="ko-KR" altLang="en-US"/>
-          </a:p>
-        </p:txBody>
-      </p:sp>
-      <p:sp>
-        <p:nvSpPr>
-          <p:cNvPr id="29" name="타원 28">
-            <a:extLst>
-              <a:ext uri="{FF2B5EF4-FFF2-40B4-BE49-F238E27FC236}">
-                <a16:creationId xmlns:a16="http://schemas.microsoft.com/office/drawing/2014/main" id="{CF066EFF-17B4-4F59-BC66-77F0023A10FB}"/>
-              </a:ext>
-            </a:extLst>
-          </p:cNvPr>
-          <p:cNvSpPr/>
-          <p:nvPr/>
-        </p:nvSpPr>
-        <p:spPr>
-          <a:xfrm rot="16200000">
-            <a:off x="445873" y="824394"/>
-            <a:ext cx="575144" cy="575144"/>
-          </a:xfrm>
-          <a:prstGeom prst="ellipse">
-            <a:avLst/>
-          </a:prstGeom>
-        </p:spPr>
-        <p:style>
-          <a:lnRef idx="2">
-            <a:schemeClr val="accent5">
-              <a:shade val="50000"/>
-            </a:schemeClr>
-          </a:lnRef>
-          <a:fillRef idx="1">
-            <a:schemeClr val="accent5"/>
-          </a:fillRef>
-          <a:effectRef idx="0">
-            <a:schemeClr val="accent5"/>
-          </a:effectRef>
-          <a:fontRef idx="minor">
-            <a:schemeClr val="lt1"/>
-          </a:fontRef>
-        </p:style>
-        <p:txBody>
-          <a:bodyPr rtlCol="0" anchor="ctr"/>
-          <a:lstStyle/>
-          <a:p>
-            <a:pPr algn="ctr"/>
-            <a:endParaRPr lang="ko-KR" altLang="en-US"/>
-          </a:p>
-        </p:txBody>
-      </p:sp>
-      <p:sp>
-        <p:nvSpPr>
-          <p:cNvPr id="4" name="이등변 삼각형 3">
-            <a:extLst>
-              <a:ext uri="{FF2B5EF4-FFF2-40B4-BE49-F238E27FC236}">
-                <a16:creationId xmlns:a16="http://schemas.microsoft.com/office/drawing/2014/main" id="{1C11E833-35FF-4F60-9DD9-D8B78329160A}"/>
-              </a:ext>
-            </a:extLst>
-          </p:cNvPr>
-          <p:cNvSpPr/>
-          <p:nvPr/>
-        </p:nvSpPr>
-        <p:spPr>
-          <a:xfrm rot="10800000">
-            <a:off x="334611" y="439817"/>
-            <a:ext cx="797668" cy="330740"/>
-          </a:xfrm>
-          <a:prstGeom prst="triangle">
-            <a:avLst/>
-          </a:prstGeom>
-        </p:spPr>
-        <p:style>
-          <a:lnRef idx="2">
-            <a:schemeClr val="accent3">
-              <a:shade val="50000"/>
-            </a:schemeClr>
-          </a:lnRef>
-          <a:fillRef idx="1">
-            <a:schemeClr val="accent3"/>
-          </a:fillRef>
-          <a:effectRef idx="0">
-            <a:schemeClr val="accent3"/>
-          </a:effectRef>
-          <a:fontRef idx="minor">
-            <a:schemeClr val="lt1"/>
-          </a:fontRef>
-        </p:style>
-        <p:txBody>
-          <a:bodyPr rtlCol="0" anchor="ctr"/>
-          <a:lstStyle/>
-          <a:p>
-            <a:pPr algn="ctr"/>
-            <a:endParaRPr lang="ko-KR" altLang="en-US"/>
-          </a:p>
-        </p:txBody>
-      </p:sp>
-      <p:sp>
-        <p:nvSpPr>
-          <p:cNvPr id="6" name="TextBox 5">
-            <a:extLst>
-              <a:ext uri="{FF2B5EF4-FFF2-40B4-BE49-F238E27FC236}">
-                <a16:creationId xmlns:a16="http://schemas.microsoft.com/office/drawing/2014/main" id="{7A4C9CFD-429D-417E-B232-FF3BA46C23E8}"/>
-              </a:ext>
-            </a:extLst>
-          </p:cNvPr>
-          <p:cNvSpPr txBox="1"/>
-          <p:nvPr/>
-        </p:nvSpPr>
-        <p:spPr>
-          <a:xfrm>
-            <a:off x="194675" y="-72232"/>
-            <a:ext cx="1077539" cy="523220"/>
-          </a:xfrm>
-          <a:prstGeom prst="rect">
-            <a:avLst/>
-          </a:prstGeom>
-          <a:noFill/>
-        </p:spPr>
-        <p:txBody>
-          <a:bodyPr wrap="none" rtlCol="0">
-            <a:spAutoFit/>
-          </a:bodyPr>
-          <a:lstStyle/>
-          <a:p>
-            <a:r>
-              <a:rPr lang="en-US" altLang="ko-KR" sz="2800" b="1" dirty="0"/>
-              <a:t>Head</a:t>
-            </a:r>
-            <a:endParaRPr lang="ko-KR" altLang="en-US" sz="2800" b="1" dirty="0"/>
-          </a:p>
-        </p:txBody>
-      </p:sp>
-      <p:sp>
-        <p:nvSpPr>
-          <p:cNvPr id="3" name="TextBox 2">
-            <a:extLst>
-              <a:ext uri="{FF2B5EF4-FFF2-40B4-BE49-F238E27FC236}">
-                <a16:creationId xmlns:a16="http://schemas.microsoft.com/office/drawing/2014/main" id="{F37E017C-3CDD-4EA4-99CD-7B0C66894A31}"/>
-              </a:ext>
-            </a:extLst>
-          </p:cNvPr>
-          <p:cNvSpPr txBox="1"/>
-          <p:nvPr/>
-        </p:nvSpPr>
-        <p:spPr>
-          <a:xfrm>
-            <a:off x="9819235" y="0"/>
-            <a:ext cx="2372765" cy="584775"/>
-          </a:xfrm>
-          <a:prstGeom prst="rect">
-            <a:avLst/>
-          </a:prstGeom>
-          <a:noFill/>
-        </p:spPr>
-        <p:txBody>
-          <a:bodyPr wrap="none" rtlCol="0">
-            <a:spAutoFit/>
-          </a:bodyPr>
-          <a:lstStyle/>
-          <a:p>
-            <a:r>
-              <a:rPr lang="ko-KR" altLang="en-US" sz="3200" dirty="0">
+            <a:r>
+              <a:rPr lang="en-US" altLang="ko-KR" sz="6000" dirty="0">
+                <a:ln w="0"/>
+                <a:solidFill>
+                  <a:schemeClr val="tx1"/>
+                </a:solidFill>
+                <a:effectLst>
+                  <a:outerShdw blurRad="38100" dist="19050" dir="2700000" algn="tl" rotWithShape="0">
+                    <a:schemeClr val="dk1">
+                      <a:alpha val="40000"/>
+                    </a:schemeClr>
+                  </a:outerShdw>
+                </a:effectLst>
                 <a:latin typeface="HY강B" panose="02030600000101010101" pitchFamily="18" charset="-127"/>
                 <a:ea typeface="HY강B" panose="02030600000101010101" pitchFamily="18" charset="-127"/>
               </a:rPr>
-              <a:t>깃 시나리오</a:t>
-            </a:r>
+              <a:t>Fork</a:t>
+            </a:r>
+            <a:endParaRPr lang="ko-KR" altLang="en-US" sz="6000" dirty="0">
+              <a:ln w="0"/>
+              <a:solidFill>
+                <a:schemeClr val="tx1"/>
+              </a:solidFill>
+              <a:effectLst>
+                <a:outerShdw blurRad="38100" dist="19050" dir="2700000" algn="tl" rotWithShape="0">
+                  <a:schemeClr val="dk1">
+                    <a:alpha val="40000"/>
+                  </a:schemeClr>
+                </a:outerShdw>
+              </a:effectLst>
+              <a:latin typeface="HY강B" panose="02030600000101010101" pitchFamily="18" charset="-127"/>
+              <a:ea typeface="HY강B" panose="02030600000101010101" pitchFamily="18" charset="-127"/>
+            </a:endParaRPr>
           </a:p>
         </p:txBody>
       </p:sp>
     </p:spTree>
     <p:extLst>
       <p:ext uri="{BB962C8B-B14F-4D97-AF65-F5344CB8AC3E}">
-        <p14:creationId xmlns:p14="http://schemas.microsoft.com/office/powerpoint/2010/main" val="2059762154"/>
+        <p14:creationId xmlns:p14="http://schemas.microsoft.com/office/powerpoint/2010/main" val="2274887018"/>
       </p:ext>
     </p:extLst>
   </p:cSld>
